--- a/Citation_Py_PPT.pptx
+++ b/Citation_Py_PPT.pptx
@@ -4,24 +4,31 @@
   <p:sldMasterIdLst>
     <p:sldMasterId id="2147483648" r:id="rId1"/>
   </p:sldMasterIdLst>
+  <p:notesMasterIdLst>
+    <p:notesMasterId r:id="rId23"/>
+  </p:notesMasterIdLst>
   <p:sldIdLst>
     <p:sldId id="256" r:id="rId2"/>
-    <p:sldId id="257" r:id="rId3"/>
-    <p:sldId id="258" r:id="rId4"/>
-    <p:sldId id="259" r:id="rId5"/>
-    <p:sldId id="260" r:id="rId6"/>
-    <p:sldId id="261" r:id="rId7"/>
-    <p:sldId id="262" r:id="rId8"/>
-    <p:sldId id="263" r:id="rId9"/>
-    <p:sldId id="264" r:id="rId10"/>
-    <p:sldId id="265" r:id="rId11"/>
-    <p:sldId id="266" r:id="rId12"/>
-    <p:sldId id="267" r:id="rId13"/>
-    <p:sldId id="276" r:id="rId14"/>
-    <p:sldId id="277" r:id="rId15"/>
-    <p:sldId id="278" r:id="rId16"/>
-    <p:sldId id="271" r:id="rId17"/>
-    <p:sldId id="272" r:id="rId18"/>
+    <p:sldId id="284" r:id="rId3"/>
+    <p:sldId id="257" r:id="rId4"/>
+    <p:sldId id="261" r:id="rId5"/>
+    <p:sldId id="258" r:id="rId6"/>
+    <p:sldId id="262" r:id="rId7"/>
+    <p:sldId id="279" r:id="rId8"/>
+    <p:sldId id="280" r:id="rId9"/>
+    <p:sldId id="282" r:id="rId10"/>
+    <p:sldId id="281" r:id="rId11"/>
+    <p:sldId id="263" r:id="rId12"/>
+    <p:sldId id="264" r:id="rId13"/>
+    <p:sldId id="265" r:id="rId14"/>
+    <p:sldId id="266" r:id="rId15"/>
+    <p:sldId id="285" r:id="rId16"/>
+    <p:sldId id="267" r:id="rId17"/>
+    <p:sldId id="276" r:id="rId18"/>
+    <p:sldId id="277" r:id="rId19"/>
+    <p:sldId id="278" r:id="rId20"/>
+    <p:sldId id="271" r:id="rId21"/>
+    <p:sldId id="272" r:id="rId22"/>
   </p:sldIdLst>
   <p:sldSz cx="12192000" cy="6858000"/>
   <p:notesSz cx="6858000" cy="9144000"/>
@@ -128,6 +135,439 @@
 </p:presentation>
 </file>
 
+<file path=ppt/notesMasters/notesMaster1.xml><?xml version="1.0" encoding="utf-8"?>
+<p:notesMaster xmlns:a="http://schemas.openxmlformats.org/drawingml/2006/main" xmlns:r="http://schemas.openxmlformats.org/officeDocument/2006/relationships" xmlns:p="http://schemas.openxmlformats.org/presentationml/2006/main">
+  <p:cSld>
+    <p:bg>
+      <p:bgRef idx="1001">
+        <a:schemeClr val="bg1"/>
+      </p:bgRef>
+    </p:bg>
+    <p:spTree>
+      <p:nvGrpSpPr>
+        <p:cNvPr id="1" name=""/>
+        <p:cNvGrpSpPr/>
+        <p:nvPr/>
+      </p:nvGrpSpPr>
+      <p:grpSpPr>
+        <a:xfrm>
+          <a:off x="0" y="0"/>
+          <a:ext cx="0" cy="0"/>
+          <a:chOff x="0" y="0"/>
+          <a:chExt cx="0" cy="0"/>
+        </a:xfrm>
+      </p:grpSpPr>
+      <p:sp>
+        <p:nvSpPr>
+          <p:cNvPr id="2" name="Header Placeholder 1"/>
+          <p:cNvSpPr>
+            <a:spLocks noGrp="1"/>
+          </p:cNvSpPr>
+          <p:nvPr>
+            <p:ph type="hdr" sz="quarter"/>
+          </p:nvPr>
+        </p:nvSpPr>
+        <p:spPr>
+          <a:xfrm>
+            <a:off x="0" y="0"/>
+            <a:ext cx="2971800" cy="458788"/>
+          </a:xfrm>
+          <a:prstGeom prst="rect">
+            <a:avLst/>
+          </a:prstGeom>
+        </p:spPr>
+        <p:txBody>
+          <a:bodyPr vert="horz" lIns="91440" tIns="45720" rIns="91440" bIns="45720" rtlCol="0"/>
+          <a:lstStyle>
+            <a:lvl1pPr algn="l">
+              <a:defRPr sz="1200"/>
+            </a:lvl1pPr>
+          </a:lstStyle>
+          <a:p>
+            <a:endParaRPr lang="en-US"/>
+          </a:p>
+        </p:txBody>
+      </p:sp>
+      <p:sp>
+        <p:nvSpPr>
+          <p:cNvPr id="3" name="Date Placeholder 2"/>
+          <p:cNvSpPr>
+            <a:spLocks noGrp="1"/>
+          </p:cNvSpPr>
+          <p:nvPr>
+            <p:ph type="dt" idx="1"/>
+          </p:nvPr>
+        </p:nvSpPr>
+        <p:spPr>
+          <a:xfrm>
+            <a:off x="3884613" y="0"/>
+            <a:ext cx="2971800" cy="458788"/>
+          </a:xfrm>
+          <a:prstGeom prst="rect">
+            <a:avLst/>
+          </a:prstGeom>
+        </p:spPr>
+        <p:txBody>
+          <a:bodyPr vert="horz" lIns="91440" tIns="45720" rIns="91440" bIns="45720" rtlCol="0"/>
+          <a:lstStyle>
+            <a:lvl1pPr algn="r">
+              <a:defRPr sz="1200"/>
+            </a:lvl1pPr>
+          </a:lstStyle>
+          <a:p>
+            <a:fld id="{437F1CFE-D682-488A-92CC-A9FEB0AF6926}" type="datetimeFigureOut">
+              <a:rPr lang="en-US" smtClean="0"/>
+              <a:t>3/29/2019</a:t>
+            </a:fld>
+            <a:endParaRPr lang="en-US"/>
+          </a:p>
+        </p:txBody>
+      </p:sp>
+      <p:sp>
+        <p:nvSpPr>
+          <p:cNvPr id="4" name="Slide Image Placeholder 3"/>
+          <p:cNvSpPr>
+            <a:spLocks noGrp="1" noRot="1" noChangeAspect="1"/>
+          </p:cNvSpPr>
+          <p:nvPr>
+            <p:ph type="sldImg" idx="2"/>
+          </p:nvPr>
+        </p:nvSpPr>
+        <p:spPr>
+          <a:xfrm>
+            <a:off x="685800" y="1143000"/>
+            <a:ext cx="5486400" cy="3086100"/>
+          </a:xfrm>
+          <a:prstGeom prst="rect">
+            <a:avLst/>
+          </a:prstGeom>
+          <a:noFill/>
+          <a:ln w="12700">
+            <a:solidFill>
+              <a:prstClr val="black"/>
+            </a:solidFill>
+          </a:ln>
+        </p:spPr>
+        <p:txBody>
+          <a:bodyPr vert="horz" lIns="91440" tIns="45720" rIns="91440" bIns="45720" rtlCol="0" anchor="ctr"/>
+          <a:lstStyle/>
+          <a:p>
+            <a:endParaRPr lang="en-US"/>
+          </a:p>
+        </p:txBody>
+      </p:sp>
+      <p:sp>
+        <p:nvSpPr>
+          <p:cNvPr id="5" name="Notes Placeholder 4"/>
+          <p:cNvSpPr>
+            <a:spLocks noGrp="1"/>
+          </p:cNvSpPr>
+          <p:nvPr>
+            <p:ph type="body" sz="quarter" idx="3"/>
+          </p:nvPr>
+        </p:nvSpPr>
+        <p:spPr>
+          <a:xfrm>
+            <a:off x="685800" y="4400550"/>
+            <a:ext cx="5486400" cy="3600450"/>
+          </a:xfrm>
+          <a:prstGeom prst="rect">
+            <a:avLst/>
+          </a:prstGeom>
+        </p:spPr>
+        <p:txBody>
+          <a:bodyPr vert="horz" lIns="91440" tIns="45720" rIns="91440" bIns="45720" rtlCol="0"/>
+          <a:lstStyle/>
+          <a:p>
+            <a:pPr lvl="0"/>
+            <a:r>
+              <a:rPr lang="en-US"/>
+              <a:t>Click to edit Master text styles</a:t>
+            </a:r>
+          </a:p>
+          <a:p>
+            <a:pPr lvl="1"/>
+            <a:r>
+              <a:rPr lang="en-US"/>
+              <a:t>Second level</a:t>
+            </a:r>
+          </a:p>
+          <a:p>
+            <a:pPr lvl="2"/>
+            <a:r>
+              <a:rPr lang="en-US"/>
+              <a:t>Third level</a:t>
+            </a:r>
+          </a:p>
+          <a:p>
+            <a:pPr lvl="3"/>
+            <a:r>
+              <a:rPr lang="en-US"/>
+              <a:t>Fourth level</a:t>
+            </a:r>
+          </a:p>
+          <a:p>
+            <a:pPr lvl="4"/>
+            <a:r>
+              <a:rPr lang="en-US"/>
+              <a:t>Fifth level</a:t>
+            </a:r>
+          </a:p>
+        </p:txBody>
+      </p:sp>
+      <p:sp>
+        <p:nvSpPr>
+          <p:cNvPr id="6" name="Footer Placeholder 5"/>
+          <p:cNvSpPr>
+            <a:spLocks noGrp="1"/>
+          </p:cNvSpPr>
+          <p:nvPr>
+            <p:ph type="ftr" sz="quarter" idx="4"/>
+          </p:nvPr>
+        </p:nvSpPr>
+        <p:spPr>
+          <a:xfrm>
+            <a:off x="0" y="8685213"/>
+            <a:ext cx="2971800" cy="458787"/>
+          </a:xfrm>
+          <a:prstGeom prst="rect">
+            <a:avLst/>
+          </a:prstGeom>
+        </p:spPr>
+        <p:txBody>
+          <a:bodyPr vert="horz" lIns="91440" tIns="45720" rIns="91440" bIns="45720" rtlCol="0" anchor="b"/>
+          <a:lstStyle>
+            <a:lvl1pPr algn="l">
+              <a:defRPr sz="1200"/>
+            </a:lvl1pPr>
+          </a:lstStyle>
+          <a:p>
+            <a:endParaRPr lang="en-US"/>
+          </a:p>
+        </p:txBody>
+      </p:sp>
+      <p:sp>
+        <p:nvSpPr>
+          <p:cNvPr id="7" name="Slide Number Placeholder 6"/>
+          <p:cNvSpPr>
+            <a:spLocks noGrp="1"/>
+          </p:cNvSpPr>
+          <p:nvPr>
+            <p:ph type="sldNum" sz="quarter" idx="5"/>
+          </p:nvPr>
+        </p:nvSpPr>
+        <p:spPr>
+          <a:xfrm>
+            <a:off x="3884613" y="8685213"/>
+            <a:ext cx="2971800" cy="458787"/>
+          </a:xfrm>
+          <a:prstGeom prst="rect">
+            <a:avLst/>
+          </a:prstGeom>
+        </p:spPr>
+        <p:txBody>
+          <a:bodyPr vert="horz" lIns="91440" tIns="45720" rIns="91440" bIns="45720" rtlCol="0" anchor="b"/>
+          <a:lstStyle>
+            <a:lvl1pPr algn="r">
+              <a:defRPr sz="1200"/>
+            </a:lvl1pPr>
+          </a:lstStyle>
+          <a:p>
+            <a:fld id="{919F0A8F-196C-438F-BA5D-9F0E0DFF5B98}" type="slidenum">
+              <a:rPr lang="en-US" smtClean="0"/>
+              <a:t>‹#›</a:t>
+            </a:fld>
+            <a:endParaRPr lang="en-US"/>
+          </a:p>
+        </p:txBody>
+      </p:sp>
+    </p:spTree>
+    <p:extLst>
+      <p:ext uri="{BB962C8B-B14F-4D97-AF65-F5344CB8AC3E}">
+        <p14:creationId xmlns:p14="http://schemas.microsoft.com/office/powerpoint/2010/main" val="2573272443"/>
+      </p:ext>
+    </p:extLst>
+  </p:cSld>
+  <p:clrMap bg1="lt1" tx1="dk1" bg2="lt2" tx2="dk2" accent1="accent1" accent2="accent2" accent3="accent3" accent4="accent4" accent5="accent5" accent6="accent6" hlink="hlink" folHlink="folHlink"/>
+  <p:notesStyle>
+    <a:lvl1pPr marL="0" algn="l" defTabSz="914400" rtl="0" eaLnBrk="1" latinLnBrk="0" hangingPunct="1">
+      <a:defRPr sz="1200" kern="1200">
+        <a:solidFill>
+          <a:schemeClr val="tx1"/>
+        </a:solidFill>
+        <a:latin typeface="+mn-lt"/>
+        <a:ea typeface="+mn-ea"/>
+        <a:cs typeface="+mn-cs"/>
+      </a:defRPr>
+    </a:lvl1pPr>
+    <a:lvl2pPr marL="457200" algn="l" defTabSz="914400" rtl="0" eaLnBrk="1" latinLnBrk="0" hangingPunct="1">
+      <a:defRPr sz="1200" kern="1200">
+        <a:solidFill>
+          <a:schemeClr val="tx1"/>
+        </a:solidFill>
+        <a:latin typeface="+mn-lt"/>
+        <a:ea typeface="+mn-ea"/>
+        <a:cs typeface="+mn-cs"/>
+      </a:defRPr>
+    </a:lvl2pPr>
+    <a:lvl3pPr marL="914400" algn="l" defTabSz="914400" rtl="0" eaLnBrk="1" latinLnBrk="0" hangingPunct="1">
+      <a:defRPr sz="1200" kern="1200">
+        <a:solidFill>
+          <a:schemeClr val="tx1"/>
+        </a:solidFill>
+        <a:latin typeface="+mn-lt"/>
+        <a:ea typeface="+mn-ea"/>
+        <a:cs typeface="+mn-cs"/>
+      </a:defRPr>
+    </a:lvl3pPr>
+    <a:lvl4pPr marL="1371600" algn="l" defTabSz="914400" rtl="0" eaLnBrk="1" latinLnBrk="0" hangingPunct="1">
+      <a:defRPr sz="1200" kern="1200">
+        <a:solidFill>
+          <a:schemeClr val="tx1"/>
+        </a:solidFill>
+        <a:latin typeface="+mn-lt"/>
+        <a:ea typeface="+mn-ea"/>
+        <a:cs typeface="+mn-cs"/>
+      </a:defRPr>
+    </a:lvl4pPr>
+    <a:lvl5pPr marL="1828800" algn="l" defTabSz="914400" rtl="0" eaLnBrk="1" latinLnBrk="0" hangingPunct="1">
+      <a:defRPr sz="1200" kern="1200">
+        <a:solidFill>
+          <a:schemeClr val="tx1"/>
+        </a:solidFill>
+        <a:latin typeface="+mn-lt"/>
+        <a:ea typeface="+mn-ea"/>
+        <a:cs typeface="+mn-cs"/>
+      </a:defRPr>
+    </a:lvl5pPr>
+    <a:lvl6pPr marL="2286000" algn="l" defTabSz="914400" rtl="0" eaLnBrk="1" latinLnBrk="0" hangingPunct="1">
+      <a:defRPr sz="1200" kern="1200">
+        <a:solidFill>
+          <a:schemeClr val="tx1"/>
+        </a:solidFill>
+        <a:latin typeface="+mn-lt"/>
+        <a:ea typeface="+mn-ea"/>
+        <a:cs typeface="+mn-cs"/>
+      </a:defRPr>
+    </a:lvl6pPr>
+    <a:lvl7pPr marL="2743200" algn="l" defTabSz="914400" rtl="0" eaLnBrk="1" latinLnBrk="0" hangingPunct="1">
+      <a:defRPr sz="1200" kern="1200">
+        <a:solidFill>
+          <a:schemeClr val="tx1"/>
+        </a:solidFill>
+        <a:latin typeface="+mn-lt"/>
+        <a:ea typeface="+mn-ea"/>
+        <a:cs typeface="+mn-cs"/>
+      </a:defRPr>
+    </a:lvl7pPr>
+    <a:lvl8pPr marL="3200400" algn="l" defTabSz="914400" rtl="0" eaLnBrk="1" latinLnBrk="0" hangingPunct="1">
+      <a:defRPr sz="1200" kern="1200">
+        <a:solidFill>
+          <a:schemeClr val="tx1"/>
+        </a:solidFill>
+        <a:latin typeface="+mn-lt"/>
+        <a:ea typeface="+mn-ea"/>
+        <a:cs typeface="+mn-cs"/>
+      </a:defRPr>
+    </a:lvl8pPr>
+    <a:lvl9pPr marL="3657600" algn="l" defTabSz="914400" rtl="0" eaLnBrk="1" latinLnBrk="0" hangingPunct="1">
+      <a:defRPr sz="1200" kern="1200">
+        <a:solidFill>
+          <a:schemeClr val="tx1"/>
+        </a:solidFill>
+        <a:latin typeface="+mn-lt"/>
+        <a:ea typeface="+mn-ea"/>
+        <a:cs typeface="+mn-cs"/>
+      </a:defRPr>
+    </a:lvl9pPr>
+  </p:notesStyle>
+</p:notesMaster>
+</file>
+
+<file path=ppt/notesSlides/notesSlide1.xml><?xml version="1.0" encoding="utf-8"?>
+<p:notes xmlns:a="http://schemas.openxmlformats.org/drawingml/2006/main" xmlns:r="http://schemas.openxmlformats.org/officeDocument/2006/relationships" xmlns:p="http://schemas.openxmlformats.org/presentationml/2006/main">
+  <p:cSld>
+    <p:spTree>
+      <p:nvGrpSpPr>
+        <p:cNvPr id="1" name=""/>
+        <p:cNvGrpSpPr/>
+        <p:nvPr/>
+      </p:nvGrpSpPr>
+      <p:grpSpPr>
+        <a:xfrm>
+          <a:off x="0" y="0"/>
+          <a:ext cx="0" cy="0"/>
+          <a:chOff x="0" y="0"/>
+          <a:chExt cx="0" cy="0"/>
+        </a:xfrm>
+      </p:grpSpPr>
+      <p:sp>
+        <p:nvSpPr>
+          <p:cNvPr id="2" name="Slide Image Placeholder 1"/>
+          <p:cNvSpPr>
+            <a:spLocks noGrp="1" noRot="1" noChangeAspect="1"/>
+          </p:cNvSpPr>
+          <p:nvPr>
+            <p:ph type="sldImg"/>
+          </p:nvPr>
+        </p:nvSpPr>
+        <p:spPr/>
+      </p:sp>
+      <p:sp>
+        <p:nvSpPr>
+          <p:cNvPr id="3" name="Notes Placeholder 2"/>
+          <p:cNvSpPr>
+            <a:spLocks noGrp="1"/>
+          </p:cNvSpPr>
+          <p:nvPr>
+            <p:ph type="body" idx="1"/>
+          </p:nvPr>
+        </p:nvSpPr>
+        <p:spPr/>
+        <p:txBody>
+          <a:bodyPr/>
+          <a:lstStyle/>
+          <a:p>
+            <a:endParaRPr lang="en-US" dirty="0"/>
+          </a:p>
+        </p:txBody>
+      </p:sp>
+      <p:sp>
+        <p:nvSpPr>
+          <p:cNvPr id="4" name="Slide Number Placeholder 3"/>
+          <p:cNvSpPr>
+            <a:spLocks noGrp="1"/>
+          </p:cNvSpPr>
+          <p:nvPr>
+            <p:ph type="sldNum" sz="quarter" idx="5"/>
+          </p:nvPr>
+        </p:nvSpPr>
+        <p:spPr/>
+        <p:txBody>
+          <a:bodyPr/>
+          <a:lstStyle/>
+          <a:p>
+            <a:fld id="{919F0A8F-196C-438F-BA5D-9F0E0DFF5B98}" type="slidenum">
+              <a:rPr lang="en-US" smtClean="0"/>
+              <a:t>13</a:t>
+            </a:fld>
+            <a:endParaRPr lang="en-US"/>
+          </a:p>
+        </p:txBody>
+      </p:sp>
+    </p:spTree>
+    <p:extLst>
+      <p:ext uri="{BB962C8B-B14F-4D97-AF65-F5344CB8AC3E}">
+        <p14:creationId xmlns:p14="http://schemas.microsoft.com/office/powerpoint/2010/main" val="1044693206"/>
+      </p:ext>
+    </p:extLst>
+  </p:cSld>
+  <p:clrMapOvr>
+    <a:masterClrMapping/>
+  </p:clrMapOvr>
+</p:notes>
+</file>
+
 <file path=ppt/slideLayouts/slideLayout1.xml><?xml version="1.0" encoding="utf-8"?>
 <p:sldLayout xmlns:a="http://schemas.openxmlformats.org/drawingml/2006/main" xmlns:r="http://schemas.openxmlformats.org/officeDocument/2006/relationships" xmlns:p="http://schemas.openxmlformats.org/presentationml/2006/main" type="title" preserve="1">
   <p:cSld name="Title Slide">
@@ -2761,9 +3201,39 @@
 <p:sldMaster xmlns:a="http://schemas.openxmlformats.org/drawingml/2006/main" xmlns:r="http://schemas.openxmlformats.org/officeDocument/2006/relationships" xmlns:p="http://schemas.openxmlformats.org/presentationml/2006/main">
   <p:cSld>
     <p:bg>
-      <p:bgRef idx="1001">
-        <a:schemeClr val="bg1"/>
-      </p:bgRef>
+      <p:bgPr>
+        <a:gradFill flip="none" rotWithShape="1">
+          <a:gsLst>
+            <a:gs pos="0">
+              <a:schemeClr val="accent1">
+                <a:lumMod val="5000"/>
+                <a:lumOff val="95000"/>
+              </a:schemeClr>
+            </a:gs>
+            <a:gs pos="51000">
+              <a:schemeClr val="accent1">
+                <a:lumMod val="45000"/>
+                <a:lumOff val="55000"/>
+              </a:schemeClr>
+            </a:gs>
+            <a:gs pos="83000">
+              <a:schemeClr val="accent1">
+                <a:lumMod val="45000"/>
+                <a:lumOff val="55000"/>
+              </a:schemeClr>
+            </a:gs>
+            <a:gs pos="100000">
+              <a:schemeClr val="accent1">
+                <a:lumMod val="30000"/>
+                <a:lumOff val="70000"/>
+              </a:schemeClr>
+            </a:gs>
+          </a:gsLst>
+          <a:lin ang="5400000" scaled="1"/>
+          <a:tileRect/>
+        </a:gradFill>
+        <a:effectLst/>
+      </p:bgPr>
     </p:bg>
     <p:spTree>
       <p:nvGrpSpPr>
@@ -3361,7 +3831,7 @@
         <p:spPr>
           <a:xfrm>
             <a:off x="1266548" y="252351"/>
-            <a:ext cx="9144000" cy="2387600"/>
+            <a:ext cx="9144000" cy="3003612"/>
           </a:xfrm>
         </p:spPr>
         <p:txBody>
@@ -3369,10 +3839,9 @@
           <a:lstStyle/>
           <a:p>
             <a:r>
-              <a:rPr lang="en-US" dirty="0" err="1"/>
+              <a:rPr lang="en-US" b="1" dirty="0"/>
               <a:t>CitationPy</a:t>
             </a:r>
-            <a:endParaRPr lang="en-US" dirty="0"/>
           </a:p>
         </p:txBody>
       </p:sp>
@@ -3394,48 +3863,38 @@
         </p:nvSpPr>
         <p:spPr>
           <a:xfrm>
-            <a:off x="1524000" y="3602037"/>
+            <a:off x="1661160" y="3602038"/>
             <a:ext cx="9144000" cy="1919873"/>
           </a:xfrm>
         </p:spPr>
         <p:txBody>
           <a:bodyPr>
-            <a:normAutofit fontScale="70000" lnSpcReduction="20000"/>
+            <a:normAutofit/>
           </a:bodyPr>
           <a:lstStyle/>
           <a:p>
             <a:r>
-              <a:rPr lang="en-US" dirty="0"/>
-              <a:t>An Analysis of Parking Citations in the city of Los Angeles</a:t>
-            </a:r>
-          </a:p>
-          <a:p>
-            <a:r>
-              <a:rPr lang="en-US" dirty="0"/>
-              <a:t>Team 3</a:t>
-            </a:r>
-          </a:p>
-          <a:p>
-            <a:endParaRPr lang="en-US" dirty="0"/>
-          </a:p>
-          <a:p>
-            <a:r>
-              <a:rPr lang="en-US" dirty="0"/>
-              <a:t>Kari</a:t>
-            </a:r>
-          </a:p>
-          <a:p>
-            <a:r>
-              <a:rPr lang="en-US" dirty="0"/>
-              <a:t>Sujita</a:t>
-            </a:r>
-          </a:p>
-          <a:p>
-            <a:r>
-              <a:rPr lang="en-US" dirty="0" err="1"/>
-              <a:t>Sisay</a:t>
-            </a:r>
-            <a:endParaRPr lang="en-US" dirty="0"/>
+              <a:rPr lang="en-US" b="1" dirty="0"/>
+              <a:t>Analysis on City of Los Angeles Parking Citations  </a:t>
+            </a:r>
+          </a:p>
+          <a:p>
+            <a:endParaRPr lang="en-US" b="1" dirty="0"/>
+          </a:p>
+          <a:p>
+            <a:pPr algn="r"/>
+            <a:r>
+              <a:rPr lang="en-US" b="1" dirty="0"/>
+              <a:t>Ka-</a:t>
+            </a:r>
+            <a:r>
+              <a:rPr lang="en-US" b="1" dirty="0" err="1"/>
+              <a:t>ri</a:t>
+            </a:r>
+            <a:r>
+              <a:rPr lang="en-US" b="1" dirty="0"/>
+              <a:t>, Sujita, and Sisay</a:t>
+            </a:r>
           </a:p>
         </p:txBody>
       </p:sp>
@@ -3454,7 +3913,7 @@
         <p:spPr>
           <a:xfrm>
             <a:off x="9623394" y="5646198"/>
-            <a:ext cx="1482571" cy="369332"/>
+            <a:ext cx="2143733" cy="369332"/>
           </a:xfrm>
           <a:prstGeom prst="rect">
             <a:avLst/>
@@ -3469,7 +3928,7 @@
           <a:p>
             <a:r>
               <a:rPr lang="en-US" dirty="0"/>
-              <a:t>03/30/2019</a:t>
+              <a:t>March 29, 2019</a:t>
             </a:r>
           </a:p>
         </p:txBody>
@@ -3509,7 +3968,7 @@
           <p:cNvPr id="2" name="Title 1">
             <a:extLst>
               <a:ext uri="{FF2B5EF4-FFF2-40B4-BE49-F238E27FC236}">
-                <a16:creationId xmlns:a16="http://schemas.microsoft.com/office/drawing/2014/main" id="{21A7756E-7C80-48AB-89AB-BF520B840842}"/>
+                <a16:creationId xmlns:a16="http://schemas.microsoft.com/office/drawing/2014/main" id="{7A604674-25CF-4AC5-8188-F8894B9119F2}"/>
               </a:ext>
             </a:extLst>
           </p:cNvPr>
@@ -3527,29 +3986,17 @@
           <a:p>
             <a:r>
               <a:rPr lang="en-US" b="1" dirty="0"/>
-              <a:t>Findings: 23 top makes of cars </a:t>
-            </a:r>
-            <a:r>
-              <a:rPr lang="en-US" b="1" dirty="0">
-                <a:solidFill>
-                  <a:srgbClr val="FF0000"/>
-                </a:solidFill>
-              </a:rPr>
-              <a:t>( change this?)</a:t>
-            </a:r>
-            <a:br>
-              <a:rPr lang="en-US" dirty="0"/>
-            </a:br>
-            <a:endParaRPr lang="en-US" dirty="0"/>
+              <a:t>Grouping by Make </a:t>
+            </a:r>
           </a:p>
         </p:txBody>
       </p:sp>
       <p:pic>
         <p:nvPicPr>
-          <p:cNvPr id="7" name="Content Placeholder 6">
-            <a:extLst>
-              <a:ext uri="{FF2B5EF4-FFF2-40B4-BE49-F238E27FC236}">
-                <a16:creationId xmlns:a16="http://schemas.microsoft.com/office/drawing/2014/main" id="{AB8940F2-BD4D-40E1-A02B-33456AE445AA}"/>
+          <p:cNvPr id="4" name="Content Placeholder 3">
+            <a:extLst>
+              <a:ext uri="{FF2B5EF4-FFF2-40B4-BE49-F238E27FC236}">
+                <a16:creationId xmlns:a16="http://schemas.microsoft.com/office/drawing/2014/main" id="{3AC985D3-77E3-43DA-B62D-62A1BA3384C5}"/>
               </a:ext>
             </a:extLst>
           </p:cNvPr>
@@ -3568,8 +4015,38 @@
         </p:blipFill>
         <p:spPr>
           <a:xfrm>
-            <a:off x="5849823" y="1825625"/>
-            <a:ext cx="492353" cy="4351338"/>
+            <a:off x="1162464" y="1690688"/>
+            <a:ext cx="5476875" cy="2086182"/>
+          </a:xfrm>
+          <a:prstGeom prst="rect">
+            <a:avLst/>
+          </a:prstGeom>
+        </p:spPr>
+      </p:pic>
+      <p:pic>
+        <p:nvPicPr>
+          <p:cNvPr id="6" name="Picture 5">
+            <a:extLst>
+              <a:ext uri="{FF2B5EF4-FFF2-40B4-BE49-F238E27FC236}">
+                <a16:creationId xmlns:a16="http://schemas.microsoft.com/office/drawing/2014/main" id="{1A05BA2D-9990-482F-81AD-A136AF77D587}"/>
+              </a:ext>
+            </a:extLst>
+          </p:cNvPr>
+          <p:cNvPicPr>
+            <a:picLocks noChangeAspect="1"/>
+          </p:cNvPicPr>
+          <p:nvPr/>
+        </p:nvPicPr>
+        <p:blipFill>
+          <a:blip r:embed="rId3"/>
+          <a:stretch>
+            <a:fillRect/>
+          </a:stretch>
+        </p:blipFill>
+        <p:spPr>
+          <a:xfrm>
+            <a:off x="3385748" y="4121150"/>
+            <a:ext cx="5810250" cy="2371725"/>
           </a:xfrm>
           <a:prstGeom prst="rect">
             <a:avLst/>
@@ -3579,7 +4056,7 @@
     </p:spTree>
     <p:extLst>
       <p:ext uri="{BB962C8B-B14F-4D97-AF65-F5344CB8AC3E}">
-        <p14:creationId xmlns:p14="http://schemas.microsoft.com/office/powerpoint/2010/main" val="2882248279"/>
+        <p14:creationId xmlns:p14="http://schemas.microsoft.com/office/powerpoint/2010/main" val="3509467151"/>
       </p:ext>
     </p:extLst>
   </p:cSld>
@@ -3622,14 +4099,29 @@
             <p:ph type="title"/>
           </p:nvPr>
         </p:nvSpPr>
-        <p:spPr/>
-        <p:txBody>
-          <a:bodyPr/>
+        <p:spPr>
+          <a:xfrm>
+            <a:off x="838200" y="365125"/>
+            <a:ext cx="10515600" cy="909493"/>
+          </a:xfrm>
+        </p:spPr>
+        <p:txBody>
+          <a:bodyPr>
+            <a:normAutofit fontScale="90000"/>
+          </a:bodyPr>
           <a:lstStyle/>
           <a:p>
             <a:r>
               <a:rPr lang="en-US" b="1" dirty="0"/>
-              <a:t>Findings: Chi-Square</a:t>
+              <a:t>Findings: Makes vs. </a:t>
+            </a:r>
+            <a:r>
+              <a:rPr lang="en-US" b="1" dirty="0">
+                <a:solidFill>
+                  <a:srgbClr val="FF0000"/>
+                </a:solidFill>
+              </a:rPr>
+              <a:t>Citations</a:t>
             </a:r>
             <a:br>
               <a:rPr lang="en-US" dirty="0"/>
@@ -3638,35 +4130,84 @@
           </a:p>
         </p:txBody>
       </p:sp>
-      <p:sp>
-        <p:nvSpPr>
-          <p:cNvPr id="3" name="Content Placeholder 2">
-            <a:extLst>
-              <a:ext uri="{FF2B5EF4-FFF2-40B4-BE49-F238E27FC236}">
-                <a16:creationId xmlns:a16="http://schemas.microsoft.com/office/drawing/2014/main" id="{D8776D23-33ED-4A20-94C0-0DE05B6D7AFD}"/>
-              </a:ext>
-            </a:extLst>
-          </p:cNvPr>
-          <p:cNvSpPr>
-            <a:spLocks noGrp="1"/>
-          </p:cNvSpPr>
+      <p:pic>
+        <p:nvPicPr>
+          <p:cNvPr id="5" name="Content Placeholder 4">
+            <a:extLst>
+              <a:ext uri="{FF2B5EF4-FFF2-40B4-BE49-F238E27FC236}">
+                <a16:creationId xmlns:a16="http://schemas.microsoft.com/office/drawing/2014/main" id="{2D99669C-0B9C-485D-BAAC-E8E7E5B35A38}"/>
+              </a:ext>
+            </a:extLst>
+          </p:cNvPr>
+          <p:cNvPicPr>
+            <a:picLocks noGrp="1" noChangeAspect="1"/>
+          </p:cNvPicPr>
           <p:nvPr>
             <p:ph idx="1"/>
           </p:nvPr>
-        </p:nvSpPr>
-        <p:spPr/>
-        <p:txBody>
-          <a:bodyPr/>
+        </p:nvPicPr>
+        <p:blipFill>
+          <a:blip r:embed="rId2">
+            <a:extLst>
+              <a:ext uri="{28A0092B-C50C-407E-A947-70E740481C1C}">
+                <a14:useLocalDpi xmlns:a14="http://schemas.microsoft.com/office/drawing/2010/main" val="0"/>
+              </a:ext>
+            </a:extLst>
+          </a:blip>
+          <a:stretch>
+            <a:fillRect/>
+          </a:stretch>
+        </p:blipFill>
+        <p:spPr>
+          <a:xfrm>
+            <a:off x="2105891" y="1825625"/>
+            <a:ext cx="8455429" cy="4351338"/>
+          </a:xfrm>
+        </p:spPr>
+      </p:pic>
+      <p:sp>
+        <p:nvSpPr>
+          <p:cNvPr id="3" name="Rectangle 2">
+            <a:extLst>
+              <a:ext uri="{FF2B5EF4-FFF2-40B4-BE49-F238E27FC236}">
+                <a16:creationId xmlns:a16="http://schemas.microsoft.com/office/drawing/2014/main" id="{B874FE0D-C784-4390-85B6-F07404799E5B}"/>
+              </a:ext>
+            </a:extLst>
+          </p:cNvPr>
+          <p:cNvSpPr/>
+          <p:nvPr/>
+        </p:nvSpPr>
+        <p:spPr>
+          <a:xfrm>
+            <a:off x="1366982" y="1147817"/>
+            <a:ext cx="9194338" cy="923330"/>
+          </a:xfrm>
+          <a:prstGeom prst="rect">
+            <a:avLst/>
+          </a:prstGeom>
+        </p:spPr>
+        <p:txBody>
+          <a:bodyPr wrap="square">
+            <a:spAutoFit/>
+          </a:bodyPr>
           <a:lstStyle/>
           <a:p>
-            <a:endParaRPr lang="en-US"/>
+            <a:pPr lvl="0"/>
+            <a:r>
+              <a:rPr lang="en-US" dirty="0"/>
+              <a:t>Q1. What is the relationship between the make of vehicle and the number of citations received in the City of Los Angeles between May – July 2018?</a:t>
+            </a:r>
+          </a:p>
+          <a:p>
+            <a:pPr lvl="0"/>
+            <a:endParaRPr lang="en-US" dirty="0"/>
           </a:p>
         </p:txBody>
       </p:sp>
     </p:spTree>
     <p:extLst>
       <p:ext uri="{BB962C8B-B14F-4D97-AF65-F5344CB8AC3E}">
-        <p14:creationId xmlns:p14="http://schemas.microsoft.com/office/powerpoint/2010/main" val="2800184634"/>
+        <p14:creationId xmlns:p14="http://schemas.microsoft.com/office/powerpoint/2010/main" val="809509446"/>
       </p:ext>
     </p:extLst>
   </p:cSld>
@@ -3709,14 +4250,21 @@
             <p:ph type="title"/>
           </p:nvPr>
         </p:nvSpPr>
-        <p:spPr/>
-        <p:txBody>
-          <a:bodyPr/>
+        <p:spPr>
+          <a:xfrm>
+            <a:off x="838200" y="365126"/>
+            <a:ext cx="10515600" cy="734002"/>
+          </a:xfrm>
+        </p:spPr>
+        <p:txBody>
+          <a:bodyPr>
+            <a:normAutofit fontScale="90000"/>
+          </a:bodyPr>
           <a:lstStyle/>
           <a:p>
             <a:r>
               <a:rPr lang="en-US" b="1" dirty="0"/>
-              <a:t>Findings: Heat Maps</a:t>
+              <a:t>Color vs. Citations</a:t>
             </a:r>
             <a:br>
               <a:rPr lang="en-US" dirty="0"/>
@@ -3725,35 +4273,80 @@
           </a:p>
         </p:txBody>
       </p:sp>
-      <p:sp>
-        <p:nvSpPr>
-          <p:cNvPr id="3" name="Content Placeholder 2">
-            <a:extLst>
-              <a:ext uri="{FF2B5EF4-FFF2-40B4-BE49-F238E27FC236}">
-                <a16:creationId xmlns:a16="http://schemas.microsoft.com/office/drawing/2014/main" id="{D8776D23-33ED-4A20-94C0-0DE05B6D7AFD}"/>
-              </a:ext>
-            </a:extLst>
-          </p:cNvPr>
-          <p:cNvSpPr>
-            <a:spLocks noGrp="1"/>
-          </p:cNvSpPr>
-          <p:nvPr>
-            <p:ph idx="1"/>
-          </p:nvPr>
-        </p:nvSpPr>
-        <p:spPr/>
-        <p:txBody>
-          <a:bodyPr/>
+      <p:pic>
+        <p:nvPicPr>
+          <p:cNvPr id="7" name="Picture 6">
+            <a:extLst>
+              <a:ext uri="{FF2B5EF4-FFF2-40B4-BE49-F238E27FC236}">
+                <a16:creationId xmlns:a16="http://schemas.microsoft.com/office/drawing/2014/main" id="{DD722EB3-929D-4310-98B2-D76E71A1713B}"/>
+              </a:ext>
+            </a:extLst>
+          </p:cNvPr>
+          <p:cNvPicPr>
+            <a:picLocks noChangeAspect="1"/>
+          </p:cNvPicPr>
+          <p:nvPr/>
+        </p:nvPicPr>
+        <p:blipFill>
+          <a:blip r:embed="rId2">
+            <a:extLst>
+              <a:ext uri="{28A0092B-C50C-407E-A947-70E740481C1C}">
+                <a14:useLocalDpi xmlns:a14="http://schemas.microsoft.com/office/drawing/2010/main" val="0"/>
+              </a:ext>
+            </a:extLst>
+          </a:blip>
+          <a:stretch>
+            <a:fillRect/>
+          </a:stretch>
+        </p:blipFill>
+        <p:spPr>
+          <a:xfrm>
+            <a:off x="0" y="1810956"/>
+            <a:ext cx="12192000" cy="4326193"/>
+          </a:xfrm>
+          <a:prstGeom prst="rect">
+            <a:avLst/>
+          </a:prstGeom>
+        </p:spPr>
+      </p:pic>
+      <p:sp>
+        <p:nvSpPr>
+          <p:cNvPr id="3" name="Rectangle 2">
+            <a:extLst>
+              <a:ext uri="{FF2B5EF4-FFF2-40B4-BE49-F238E27FC236}">
+                <a16:creationId xmlns:a16="http://schemas.microsoft.com/office/drawing/2014/main" id="{99B189B9-AFEB-49EB-87F2-A1E71CC561F0}"/>
+              </a:ext>
+            </a:extLst>
+          </p:cNvPr>
+          <p:cNvSpPr/>
+          <p:nvPr/>
+        </p:nvSpPr>
+        <p:spPr>
+          <a:xfrm>
+            <a:off x="1052944" y="720851"/>
+            <a:ext cx="8599055" cy="646331"/>
+          </a:xfrm>
+          <a:prstGeom prst="rect">
+            <a:avLst/>
+          </a:prstGeom>
+        </p:spPr>
+        <p:txBody>
+          <a:bodyPr wrap="square">
+            <a:spAutoFit/>
+          </a:bodyPr>
           <a:lstStyle/>
           <a:p>
-            <a:endParaRPr lang="en-US" dirty="0"/>
+            <a:r>
+              <a:rPr lang="en-US" dirty="0"/>
+              <a:t>Q2. What is the relationship between the make of vehicles and the number of citations    received in the e City of Los Angeles between May – July 2018?</a:t>
+            </a:r>
           </a:p>
         </p:txBody>
       </p:sp>
     </p:spTree>
     <p:extLst>
       <p:ext uri="{BB962C8B-B14F-4D97-AF65-F5344CB8AC3E}">
-        <p14:creationId xmlns:p14="http://schemas.microsoft.com/office/powerpoint/2010/main" val="2427508377"/>
+        <p14:creationId xmlns:p14="http://schemas.microsoft.com/office/powerpoint/2010/main" val="3024030271"/>
       </p:ext>
     </p:extLst>
   </p:cSld>
@@ -3803,7 +4396,7 @@
           <a:p>
             <a:r>
               <a:rPr lang="en-US" b="1" dirty="0"/>
-              <a:t>Findings: Heat Maps</a:t>
+              <a:t>Findings: 23 top makes of cars</a:t>
             </a:r>
             <a:br>
               <a:rPr lang="en-US" dirty="0"/>
@@ -3812,35 +4405,1883 @@
           </a:p>
         </p:txBody>
       </p:sp>
-      <p:sp>
-        <p:nvSpPr>
-          <p:cNvPr id="3" name="Content Placeholder 2">
-            <a:extLst>
-              <a:ext uri="{FF2B5EF4-FFF2-40B4-BE49-F238E27FC236}">
-                <a16:creationId xmlns:a16="http://schemas.microsoft.com/office/drawing/2014/main" id="{D8776D23-33ED-4A20-94C0-0DE05B6D7AFD}"/>
-              </a:ext>
-            </a:extLst>
-          </p:cNvPr>
-          <p:cNvSpPr>
-            <a:spLocks noGrp="1"/>
-          </p:cNvSpPr>
-          <p:nvPr>
-            <p:ph idx="1"/>
-          </p:nvPr>
-        </p:nvSpPr>
-        <p:spPr/>
-        <p:txBody>
-          <a:bodyPr/>
-          <a:lstStyle/>
-          <a:p>
-            <a:endParaRPr lang="en-US" dirty="0"/>
-          </a:p>
-        </p:txBody>
-      </p:sp>
+      <p:grpSp>
+        <p:nvGrpSpPr>
+          <p:cNvPr id="118" name="Group 117">
+            <a:extLst>
+              <a:ext uri="{FF2B5EF4-FFF2-40B4-BE49-F238E27FC236}">
+                <a16:creationId xmlns:a16="http://schemas.microsoft.com/office/drawing/2014/main" id="{BF1AA4AF-603D-49A1-88FB-F0A14AA4B1CA}"/>
+              </a:ext>
+            </a:extLst>
+          </p:cNvPr>
+          <p:cNvGrpSpPr/>
+          <p:nvPr/>
+        </p:nvGrpSpPr>
+        <p:grpSpPr>
+          <a:xfrm>
+            <a:off x="838200" y="1162843"/>
+            <a:ext cx="9983133" cy="4774014"/>
+            <a:chOff x="838200" y="1162843"/>
+            <a:chExt cx="9983133" cy="4774014"/>
+          </a:xfrm>
+        </p:grpSpPr>
+        <p:grpSp>
+          <p:nvGrpSpPr>
+            <p:cNvPr id="116" name="Group 115">
+              <a:extLst>
+                <a:ext uri="{FF2B5EF4-FFF2-40B4-BE49-F238E27FC236}">
+                  <a16:creationId xmlns:a16="http://schemas.microsoft.com/office/drawing/2014/main" id="{30BBD23D-1E52-4810-ACD7-E3982D389E96}"/>
+                </a:ext>
+              </a:extLst>
+            </p:cNvPr>
+            <p:cNvGrpSpPr/>
+            <p:nvPr/>
+          </p:nvGrpSpPr>
+          <p:grpSpPr>
+            <a:xfrm>
+              <a:off x="838200" y="1162843"/>
+              <a:ext cx="9983133" cy="3615241"/>
+              <a:chOff x="838200" y="1162843"/>
+              <a:chExt cx="9983133" cy="3615241"/>
+            </a:xfrm>
+          </p:grpSpPr>
+          <p:grpSp>
+            <p:nvGrpSpPr>
+              <p:cNvPr id="114" name="Group 113">
+                <a:extLst>
+                  <a:ext uri="{FF2B5EF4-FFF2-40B4-BE49-F238E27FC236}">
+                    <a16:creationId xmlns:a16="http://schemas.microsoft.com/office/drawing/2014/main" id="{543CA8A0-5A1B-4DCC-B9A7-162C3EBC1BA7}"/>
+                  </a:ext>
+                </a:extLst>
+              </p:cNvPr>
+              <p:cNvGrpSpPr/>
+              <p:nvPr/>
+            </p:nvGrpSpPr>
+            <p:grpSpPr>
+              <a:xfrm>
+                <a:off x="838200" y="1162843"/>
+                <a:ext cx="9983133" cy="2456469"/>
+                <a:chOff x="838200" y="1162843"/>
+                <a:chExt cx="9983133" cy="2456469"/>
+              </a:xfrm>
+            </p:grpSpPr>
+            <p:grpSp>
+              <p:nvGrpSpPr>
+                <p:cNvPr id="72" name="Group 71">
+                  <a:extLst>
+                    <a:ext uri="{FF2B5EF4-FFF2-40B4-BE49-F238E27FC236}">
+                      <a16:creationId xmlns:a16="http://schemas.microsoft.com/office/drawing/2014/main" id="{8256980F-B6BD-4BCA-A6D6-0D124B3019AE}"/>
+                    </a:ext>
+                  </a:extLst>
+                </p:cNvPr>
+                <p:cNvGrpSpPr/>
+                <p:nvPr/>
+              </p:nvGrpSpPr>
+              <p:grpSpPr>
+                <a:xfrm>
+                  <a:off x="838200" y="1162843"/>
+                  <a:ext cx="9983133" cy="1297697"/>
+                  <a:chOff x="877785" y="1162843"/>
+                  <a:chExt cx="9983133" cy="1297697"/>
+                </a:xfrm>
+              </p:grpSpPr>
+              <p:sp>
+                <p:nvSpPr>
+                  <p:cNvPr id="5" name="TextBox 4">
+                    <a:extLst>
+                      <a:ext uri="{FF2B5EF4-FFF2-40B4-BE49-F238E27FC236}">
+                        <a16:creationId xmlns:a16="http://schemas.microsoft.com/office/drawing/2014/main" id="{8304AFA9-0D67-4006-AC3F-A66DD7DE054A}"/>
+                      </a:ext>
+                    </a:extLst>
+                  </p:cNvPr>
+                  <p:cNvSpPr txBox="1"/>
+                  <p:nvPr/>
+                </p:nvSpPr>
+                <p:spPr>
+                  <a:xfrm>
+                    <a:off x="877785" y="2077274"/>
+                    <a:ext cx="1572038" cy="369332"/>
+                  </a:xfrm>
+                  <a:prstGeom prst="rect">
+                    <a:avLst/>
+                  </a:prstGeom>
+                  <a:noFill/>
+                </p:spPr>
+                <p:txBody>
+                  <a:bodyPr wrap="square" rtlCol="0">
+                    <a:spAutoFit/>
+                  </a:bodyPr>
+                  <a:lstStyle/>
+                  <a:p>
+                    <a:pPr algn="ctr"/>
+                    <a:r>
+                      <a:rPr lang="en-US" dirty="0"/>
+                      <a:t>Toyota</a:t>
+                    </a:r>
+                  </a:p>
+                </p:txBody>
+              </p:sp>
+              <p:sp>
+                <p:nvSpPr>
+                  <p:cNvPr id="21" name="TextBox 20">
+                    <a:extLst>
+                      <a:ext uri="{FF2B5EF4-FFF2-40B4-BE49-F238E27FC236}">
+                        <a16:creationId xmlns:a16="http://schemas.microsoft.com/office/drawing/2014/main" id="{8215110A-3A47-41BE-ABE0-83E5ACF20DF8}"/>
+                      </a:ext>
+                    </a:extLst>
+                  </p:cNvPr>
+                  <p:cNvSpPr txBox="1"/>
+                  <p:nvPr/>
+                </p:nvSpPr>
+                <p:spPr>
+                  <a:xfrm>
+                    <a:off x="2560004" y="2077274"/>
+                    <a:ext cx="1572038" cy="369332"/>
+                  </a:xfrm>
+                  <a:prstGeom prst="rect">
+                    <a:avLst/>
+                  </a:prstGeom>
+                  <a:noFill/>
+                </p:spPr>
+                <p:txBody>
+                  <a:bodyPr wrap="square" rtlCol="0">
+                    <a:spAutoFit/>
+                  </a:bodyPr>
+                  <a:lstStyle/>
+                  <a:p>
+                    <a:pPr algn="ctr"/>
+                    <a:r>
+                      <a:rPr lang="en-US" dirty="0"/>
+                      <a:t>Ford</a:t>
+                    </a:r>
+                  </a:p>
+                </p:txBody>
+              </p:sp>
+              <p:sp>
+                <p:nvSpPr>
+                  <p:cNvPr id="22" name="TextBox 21">
+                    <a:extLst>
+                      <a:ext uri="{FF2B5EF4-FFF2-40B4-BE49-F238E27FC236}">
+                        <a16:creationId xmlns:a16="http://schemas.microsoft.com/office/drawing/2014/main" id="{1DDFF036-4EDD-48D9-BBEC-1347E2BD3A48}"/>
+                      </a:ext>
+                    </a:extLst>
+                  </p:cNvPr>
+                  <p:cNvSpPr txBox="1"/>
+                  <p:nvPr/>
+                </p:nvSpPr>
+                <p:spPr>
+                  <a:xfrm>
+                    <a:off x="4242223" y="2077274"/>
+                    <a:ext cx="1572038" cy="369332"/>
+                  </a:xfrm>
+                  <a:prstGeom prst="rect">
+                    <a:avLst/>
+                  </a:prstGeom>
+                  <a:noFill/>
+                </p:spPr>
+                <p:txBody>
+                  <a:bodyPr wrap="square" rtlCol="0">
+                    <a:spAutoFit/>
+                  </a:bodyPr>
+                  <a:lstStyle/>
+                  <a:p>
+                    <a:pPr algn="ctr"/>
+                    <a:r>
+                      <a:rPr lang="en-US" dirty="0"/>
+                      <a:t>Honda</a:t>
+                    </a:r>
+                  </a:p>
+                </p:txBody>
+              </p:sp>
+              <p:sp>
+                <p:nvSpPr>
+                  <p:cNvPr id="23" name="TextBox 22">
+                    <a:extLst>
+                      <a:ext uri="{FF2B5EF4-FFF2-40B4-BE49-F238E27FC236}">
+                        <a16:creationId xmlns:a16="http://schemas.microsoft.com/office/drawing/2014/main" id="{24B2278E-D3BE-4185-A2F5-7209AD3EAEB4}"/>
+                      </a:ext>
+                    </a:extLst>
+                  </p:cNvPr>
+                  <p:cNvSpPr txBox="1"/>
+                  <p:nvPr/>
+                </p:nvSpPr>
+                <p:spPr>
+                  <a:xfrm>
+                    <a:off x="5924442" y="2077274"/>
+                    <a:ext cx="1572038" cy="369332"/>
+                  </a:xfrm>
+                  <a:prstGeom prst="rect">
+                    <a:avLst/>
+                  </a:prstGeom>
+                  <a:noFill/>
+                </p:spPr>
+                <p:txBody>
+                  <a:bodyPr wrap="square" rtlCol="0">
+                    <a:spAutoFit/>
+                  </a:bodyPr>
+                  <a:lstStyle/>
+                  <a:p>
+                    <a:pPr algn="ctr"/>
+                    <a:r>
+                      <a:rPr lang="en-US" dirty="0"/>
+                      <a:t>Other</a:t>
+                    </a:r>
+                  </a:p>
+                </p:txBody>
+              </p:sp>
+              <p:sp>
+                <p:nvSpPr>
+                  <p:cNvPr id="24" name="TextBox 23">
+                    <a:extLst>
+                      <a:ext uri="{FF2B5EF4-FFF2-40B4-BE49-F238E27FC236}">
+                        <a16:creationId xmlns:a16="http://schemas.microsoft.com/office/drawing/2014/main" id="{4D9F6676-F604-47C3-8B71-23150E154E4D}"/>
+                      </a:ext>
+                    </a:extLst>
+                  </p:cNvPr>
+                  <p:cNvSpPr txBox="1"/>
+                  <p:nvPr/>
+                </p:nvSpPr>
+                <p:spPr>
+                  <a:xfrm>
+                    <a:off x="7606661" y="2077274"/>
+                    <a:ext cx="1572038" cy="369332"/>
+                  </a:xfrm>
+                  <a:prstGeom prst="rect">
+                    <a:avLst/>
+                  </a:prstGeom>
+                  <a:noFill/>
+                </p:spPr>
+                <p:txBody>
+                  <a:bodyPr wrap="square" rtlCol="0">
+                    <a:spAutoFit/>
+                  </a:bodyPr>
+                  <a:lstStyle/>
+                  <a:p>
+                    <a:pPr algn="ctr"/>
+                    <a:r>
+                      <a:rPr lang="en-US" dirty="0"/>
+                      <a:t>Chevy</a:t>
+                    </a:r>
+                  </a:p>
+                </p:txBody>
+              </p:sp>
+              <p:pic>
+                <p:nvPicPr>
+                  <p:cNvPr id="4" name="Graphic 3" descr="Car">
+                    <a:extLst>
+                      <a:ext uri="{FF2B5EF4-FFF2-40B4-BE49-F238E27FC236}">
+                        <a16:creationId xmlns:a16="http://schemas.microsoft.com/office/drawing/2014/main" id="{5D3FBC4A-526F-4C43-9BF0-D17EE07FE5A6}"/>
+                      </a:ext>
+                    </a:extLst>
+                  </p:cNvPr>
+                  <p:cNvPicPr>
+                    <a:picLocks noChangeAspect="1"/>
+                  </p:cNvPicPr>
+                  <p:nvPr/>
+                </p:nvPicPr>
+                <p:blipFill>
+                  <a:blip r:embed="rId3">
+                    <a:extLst>
+                      <a:ext uri="{28A0092B-C50C-407E-A947-70E740481C1C}">
+                        <a14:useLocalDpi xmlns:a14="http://schemas.microsoft.com/office/drawing/2010/main" val="0"/>
+                      </a:ext>
+                      <a:ext uri="{96DAC541-7B7A-43D3-8B79-37D633B846F1}">
+                        <asvg:svgBlip xmlns:asvg="http://schemas.microsoft.com/office/drawing/2016/SVG/main" r:embed="rId4"/>
+                      </a:ext>
+                    </a:extLst>
+                  </a:blip>
+                  <a:stretch>
+                    <a:fillRect/>
+                  </a:stretch>
+                </p:blipFill>
+                <p:spPr>
+                  <a:xfrm>
+                    <a:off x="1027045" y="1162843"/>
+                    <a:ext cx="1269830" cy="1269830"/>
+                  </a:xfrm>
+                  <a:prstGeom prst="rect">
+                    <a:avLst/>
+                  </a:prstGeom>
+                </p:spPr>
+              </p:pic>
+              <p:pic>
+                <p:nvPicPr>
+                  <p:cNvPr id="15" name="Graphic 14" descr="Car">
+                    <a:extLst>
+                      <a:ext uri="{FF2B5EF4-FFF2-40B4-BE49-F238E27FC236}">
+                        <a16:creationId xmlns:a16="http://schemas.microsoft.com/office/drawing/2014/main" id="{37B854FA-5A85-4BCD-9AAD-A768643A0F2B}"/>
+                      </a:ext>
+                    </a:extLst>
+                  </p:cNvPr>
+                  <p:cNvPicPr>
+                    <a:picLocks noChangeAspect="1"/>
+                  </p:cNvPicPr>
+                  <p:nvPr/>
+                </p:nvPicPr>
+                <p:blipFill>
+                  <a:blip r:embed="rId3">
+                    <a:extLst>
+                      <a:ext uri="{28A0092B-C50C-407E-A947-70E740481C1C}">
+                        <a14:useLocalDpi xmlns:a14="http://schemas.microsoft.com/office/drawing/2010/main" val="0"/>
+                      </a:ext>
+                      <a:ext uri="{96DAC541-7B7A-43D3-8B79-37D633B846F1}">
+                        <asvg:svgBlip xmlns:asvg="http://schemas.microsoft.com/office/drawing/2016/SVG/main" r:embed="rId4"/>
+                      </a:ext>
+                    </a:extLst>
+                  </a:blip>
+                  <a:stretch>
+                    <a:fillRect/>
+                  </a:stretch>
+                </p:blipFill>
+                <p:spPr>
+                  <a:xfrm>
+                    <a:off x="2720233" y="1190710"/>
+                    <a:ext cx="1269830" cy="1269830"/>
+                  </a:xfrm>
+                  <a:prstGeom prst="rect">
+                    <a:avLst/>
+                  </a:prstGeom>
+                </p:spPr>
+              </p:pic>
+              <p:pic>
+                <p:nvPicPr>
+                  <p:cNvPr id="16" name="Graphic 15" descr="Car">
+                    <a:extLst>
+                      <a:ext uri="{FF2B5EF4-FFF2-40B4-BE49-F238E27FC236}">
+                        <a16:creationId xmlns:a16="http://schemas.microsoft.com/office/drawing/2014/main" id="{B2E3FAF0-B17A-4ED5-B302-E4177833069A}"/>
+                      </a:ext>
+                    </a:extLst>
+                  </p:cNvPr>
+                  <p:cNvPicPr>
+                    <a:picLocks noChangeAspect="1"/>
+                  </p:cNvPicPr>
+                  <p:nvPr/>
+                </p:nvPicPr>
+                <p:blipFill>
+                  <a:blip r:embed="rId3">
+                    <a:extLst>
+                      <a:ext uri="{28A0092B-C50C-407E-A947-70E740481C1C}">
+                        <a14:useLocalDpi xmlns:a14="http://schemas.microsoft.com/office/drawing/2010/main" val="0"/>
+                      </a:ext>
+                      <a:ext uri="{96DAC541-7B7A-43D3-8B79-37D633B846F1}">
+                        <asvg:svgBlip xmlns:asvg="http://schemas.microsoft.com/office/drawing/2016/SVG/main" r:embed="rId4"/>
+                      </a:ext>
+                    </a:extLst>
+                  </a:blip>
+                  <a:stretch>
+                    <a:fillRect/>
+                  </a:stretch>
+                </p:blipFill>
+                <p:spPr>
+                  <a:xfrm>
+                    <a:off x="4413421" y="1190710"/>
+                    <a:ext cx="1269830" cy="1269830"/>
+                  </a:xfrm>
+                  <a:prstGeom prst="rect">
+                    <a:avLst/>
+                  </a:prstGeom>
+                </p:spPr>
+              </p:pic>
+              <p:pic>
+                <p:nvPicPr>
+                  <p:cNvPr id="17" name="Graphic 16" descr="Car">
+                    <a:extLst>
+                      <a:ext uri="{FF2B5EF4-FFF2-40B4-BE49-F238E27FC236}">
+                        <a16:creationId xmlns:a16="http://schemas.microsoft.com/office/drawing/2014/main" id="{27555A2F-3CB5-4A7A-B85A-D5F5BC8A4AFA}"/>
+                      </a:ext>
+                    </a:extLst>
+                  </p:cNvPr>
+                  <p:cNvPicPr>
+                    <a:picLocks noChangeAspect="1"/>
+                  </p:cNvPicPr>
+                  <p:nvPr/>
+                </p:nvPicPr>
+                <p:blipFill>
+                  <a:blip r:embed="rId3">
+                    <a:extLst>
+                      <a:ext uri="{28A0092B-C50C-407E-A947-70E740481C1C}">
+                        <a14:useLocalDpi xmlns:a14="http://schemas.microsoft.com/office/drawing/2010/main" val="0"/>
+                      </a:ext>
+                      <a:ext uri="{96DAC541-7B7A-43D3-8B79-37D633B846F1}">
+                        <asvg:svgBlip xmlns:asvg="http://schemas.microsoft.com/office/drawing/2016/SVG/main" r:embed="rId4"/>
+                      </a:ext>
+                    </a:extLst>
+                  </a:blip>
+                  <a:stretch>
+                    <a:fillRect/>
+                  </a:stretch>
+                </p:blipFill>
+                <p:spPr>
+                  <a:xfrm>
+                    <a:off x="6106609" y="1162843"/>
+                    <a:ext cx="1269830" cy="1269830"/>
+                  </a:xfrm>
+                  <a:prstGeom prst="rect">
+                    <a:avLst/>
+                  </a:prstGeom>
+                </p:spPr>
+              </p:pic>
+              <p:pic>
+                <p:nvPicPr>
+                  <p:cNvPr id="18" name="Graphic 17" descr="Car">
+                    <a:extLst>
+                      <a:ext uri="{FF2B5EF4-FFF2-40B4-BE49-F238E27FC236}">
+                        <a16:creationId xmlns:a16="http://schemas.microsoft.com/office/drawing/2014/main" id="{1268C27E-E683-465B-BCB2-2F97757F88F3}"/>
+                      </a:ext>
+                    </a:extLst>
+                  </p:cNvPr>
+                  <p:cNvPicPr>
+                    <a:picLocks noChangeAspect="1"/>
+                  </p:cNvPicPr>
+                  <p:nvPr/>
+                </p:nvPicPr>
+                <p:blipFill>
+                  <a:blip r:embed="rId3">
+                    <a:extLst>
+                      <a:ext uri="{28A0092B-C50C-407E-A947-70E740481C1C}">
+                        <a14:useLocalDpi xmlns:a14="http://schemas.microsoft.com/office/drawing/2010/main" val="0"/>
+                      </a:ext>
+                      <a:ext uri="{96DAC541-7B7A-43D3-8B79-37D633B846F1}">
+                        <asvg:svgBlip xmlns:asvg="http://schemas.microsoft.com/office/drawing/2016/SVG/main" r:embed="rId4"/>
+                      </a:ext>
+                    </a:extLst>
+                  </a:blip>
+                  <a:stretch>
+                    <a:fillRect/>
+                  </a:stretch>
+                </p:blipFill>
+                <p:spPr>
+                  <a:xfrm>
+                    <a:off x="7799797" y="1190710"/>
+                    <a:ext cx="1269830" cy="1269830"/>
+                  </a:xfrm>
+                  <a:prstGeom prst="rect">
+                    <a:avLst/>
+                  </a:prstGeom>
+                </p:spPr>
+              </p:pic>
+              <p:pic>
+                <p:nvPicPr>
+                  <p:cNvPr id="65" name="Graphic 64" descr="Car">
+                    <a:extLst>
+                      <a:ext uri="{FF2B5EF4-FFF2-40B4-BE49-F238E27FC236}">
+                        <a16:creationId xmlns:a16="http://schemas.microsoft.com/office/drawing/2014/main" id="{46E6E2B4-A37D-4D9B-9AFF-25329792D5CF}"/>
+                      </a:ext>
+                    </a:extLst>
+                  </p:cNvPr>
+                  <p:cNvPicPr>
+                    <a:picLocks noChangeAspect="1"/>
+                  </p:cNvPicPr>
+                  <p:nvPr/>
+                </p:nvPicPr>
+                <p:blipFill>
+                  <a:blip r:embed="rId3">
+                    <a:extLst>
+                      <a:ext uri="{28A0092B-C50C-407E-A947-70E740481C1C}">
+                        <a14:useLocalDpi xmlns:a14="http://schemas.microsoft.com/office/drawing/2010/main" val="0"/>
+                      </a:ext>
+                      <a:ext uri="{96DAC541-7B7A-43D3-8B79-37D633B846F1}">
+                        <asvg:svgBlip xmlns:asvg="http://schemas.microsoft.com/office/drawing/2016/SVG/main" r:embed="rId4"/>
+                      </a:ext>
+                    </a:extLst>
+                  </a:blip>
+                  <a:stretch>
+                    <a:fillRect/>
+                  </a:stretch>
+                </p:blipFill>
+                <p:spPr>
+                  <a:xfrm>
+                    <a:off x="9492985" y="1190710"/>
+                    <a:ext cx="1269830" cy="1269830"/>
+                  </a:xfrm>
+                  <a:prstGeom prst="rect">
+                    <a:avLst/>
+                  </a:prstGeom>
+                </p:spPr>
+              </p:pic>
+              <p:sp>
+                <p:nvSpPr>
+                  <p:cNvPr id="66" name="TextBox 65">
+                    <a:extLst>
+                      <a:ext uri="{FF2B5EF4-FFF2-40B4-BE49-F238E27FC236}">
+                        <a16:creationId xmlns:a16="http://schemas.microsoft.com/office/drawing/2014/main" id="{CB80D672-259E-4609-880F-704A4C993546}"/>
+                      </a:ext>
+                    </a:extLst>
+                  </p:cNvPr>
+                  <p:cNvSpPr txBox="1"/>
+                  <p:nvPr/>
+                </p:nvSpPr>
+                <p:spPr>
+                  <a:xfrm>
+                    <a:off x="9288880" y="2077274"/>
+                    <a:ext cx="1572038" cy="369332"/>
+                  </a:xfrm>
+                  <a:prstGeom prst="rect">
+                    <a:avLst/>
+                  </a:prstGeom>
+                  <a:noFill/>
+                </p:spPr>
+                <p:txBody>
+                  <a:bodyPr wrap="square" rtlCol="0">
+                    <a:spAutoFit/>
+                  </a:bodyPr>
+                  <a:lstStyle/>
+                  <a:p>
+                    <a:pPr algn="ctr"/>
+                    <a:r>
+                      <a:rPr lang="en-US" dirty="0"/>
+                      <a:t>Nissan</a:t>
+                    </a:r>
+                  </a:p>
+                </p:txBody>
+              </p:sp>
+            </p:grpSp>
+            <p:grpSp>
+              <p:nvGrpSpPr>
+                <p:cNvPr id="113" name="Group 112">
+                  <a:extLst>
+                    <a:ext uri="{FF2B5EF4-FFF2-40B4-BE49-F238E27FC236}">
+                      <a16:creationId xmlns:a16="http://schemas.microsoft.com/office/drawing/2014/main" id="{2F5B74E7-BD3C-4135-89D0-887A2EC370EE}"/>
+                    </a:ext>
+                  </a:extLst>
+                </p:cNvPr>
+                <p:cNvGrpSpPr/>
+                <p:nvPr/>
+              </p:nvGrpSpPr>
+              <p:grpSpPr>
+                <a:xfrm>
+                  <a:off x="838200" y="2321615"/>
+                  <a:ext cx="9983133" cy="1297697"/>
+                  <a:chOff x="838200" y="2321615"/>
+                  <a:chExt cx="9983133" cy="1297697"/>
+                </a:xfrm>
+              </p:grpSpPr>
+              <p:sp>
+                <p:nvSpPr>
+                  <p:cNvPr id="74" name="TextBox 73">
+                    <a:extLst>
+                      <a:ext uri="{FF2B5EF4-FFF2-40B4-BE49-F238E27FC236}">
+                        <a16:creationId xmlns:a16="http://schemas.microsoft.com/office/drawing/2014/main" id="{62C2F44F-CEB7-43A8-B58E-D5BCE7E8BEC7}"/>
+                      </a:ext>
+                    </a:extLst>
+                  </p:cNvPr>
+                  <p:cNvSpPr txBox="1"/>
+                  <p:nvPr/>
+                </p:nvSpPr>
+                <p:spPr>
+                  <a:xfrm>
+                    <a:off x="838200" y="3236046"/>
+                    <a:ext cx="1572038" cy="369332"/>
+                  </a:xfrm>
+                  <a:prstGeom prst="rect">
+                    <a:avLst/>
+                  </a:prstGeom>
+                  <a:noFill/>
+                </p:spPr>
+                <p:txBody>
+                  <a:bodyPr wrap="square" rtlCol="0">
+                    <a:spAutoFit/>
+                  </a:bodyPr>
+                  <a:lstStyle/>
+                  <a:p>
+                    <a:pPr algn="ctr"/>
+                    <a:r>
+                      <a:rPr lang="en-US" dirty="0"/>
+                      <a:t>Dodge</a:t>
+                    </a:r>
+                  </a:p>
+                </p:txBody>
+              </p:sp>
+              <p:sp>
+                <p:nvSpPr>
+                  <p:cNvPr id="75" name="TextBox 74">
+                    <a:extLst>
+                      <a:ext uri="{FF2B5EF4-FFF2-40B4-BE49-F238E27FC236}">
+                        <a16:creationId xmlns:a16="http://schemas.microsoft.com/office/drawing/2014/main" id="{4A71A61C-8545-4D8B-8CF3-0D4080554FB8}"/>
+                      </a:ext>
+                    </a:extLst>
+                  </p:cNvPr>
+                  <p:cNvSpPr txBox="1"/>
+                  <p:nvPr/>
+                </p:nvSpPr>
+                <p:spPr>
+                  <a:xfrm>
+                    <a:off x="2520419" y="3236046"/>
+                    <a:ext cx="1572038" cy="369332"/>
+                  </a:xfrm>
+                  <a:prstGeom prst="rect">
+                    <a:avLst/>
+                  </a:prstGeom>
+                  <a:noFill/>
+                </p:spPr>
+                <p:txBody>
+                  <a:bodyPr wrap="square" rtlCol="0">
+                    <a:spAutoFit/>
+                  </a:bodyPr>
+                  <a:lstStyle/>
+                  <a:p>
+                    <a:pPr algn="ctr"/>
+                    <a:r>
+                      <a:rPr lang="en-US" dirty="0"/>
+                      <a:t>Mercedes</a:t>
+                    </a:r>
+                  </a:p>
+                </p:txBody>
+              </p:sp>
+              <p:sp>
+                <p:nvSpPr>
+                  <p:cNvPr id="76" name="TextBox 75">
+                    <a:extLst>
+                      <a:ext uri="{FF2B5EF4-FFF2-40B4-BE49-F238E27FC236}">
+                        <a16:creationId xmlns:a16="http://schemas.microsoft.com/office/drawing/2014/main" id="{E59D9A86-720E-44C7-AA58-4A093A6B5C2D}"/>
+                      </a:ext>
+                    </a:extLst>
+                  </p:cNvPr>
+                  <p:cNvSpPr txBox="1"/>
+                  <p:nvPr/>
+                </p:nvSpPr>
+                <p:spPr>
+                  <a:xfrm>
+                    <a:off x="4202638" y="3236046"/>
+                    <a:ext cx="1572038" cy="369332"/>
+                  </a:xfrm>
+                  <a:prstGeom prst="rect">
+                    <a:avLst/>
+                  </a:prstGeom>
+                  <a:noFill/>
+                </p:spPr>
+                <p:txBody>
+                  <a:bodyPr wrap="square" rtlCol="0">
+                    <a:spAutoFit/>
+                  </a:bodyPr>
+                  <a:lstStyle/>
+                  <a:p>
+                    <a:pPr algn="ctr"/>
+                    <a:r>
+                      <a:rPr lang="en-US" dirty="0"/>
+                      <a:t>Lexus</a:t>
+                    </a:r>
+                  </a:p>
+                </p:txBody>
+              </p:sp>
+              <p:sp>
+                <p:nvSpPr>
+                  <p:cNvPr id="77" name="TextBox 76">
+                    <a:extLst>
+                      <a:ext uri="{FF2B5EF4-FFF2-40B4-BE49-F238E27FC236}">
+                        <a16:creationId xmlns:a16="http://schemas.microsoft.com/office/drawing/2014/main" id="{53365071-61C4-45DD-A294-B5233096C508}"/>
+                      </a:ext>
+                    </a:extLst>
+                  </p:cNvPr>
+                  <p:cNvSpPr txBox="1"/>
+                  <p:nvPr/>
+                </p:nvSpPr>
+                <p:spPr>
+                  <a:xfrm>
+                    <a:off x="5884857" y="3236046"/>
+                    <a:ext cx="1572038" cy="369332"/>
+                  </a:xfrm>
+                  <a:prstGeom prst="rect">
+                    <a:avLst/>
+                  </a:prstGeom>
+                  <a:noFill/>
+                </p:spPr>
+                <p:txBody>
+                  <a:bodyPr wrap="square" rtlCol="0">
+                    <a:spAutoFit/>
+                  </a:bodyPr>
+                  <a:lstStyle/>
+                  <a:p>
+                    <a:pPr algn="ctr"/>
+                    <a:r>
+                      <a:rPr lang="en-US" dirty="0"/>
+                      <a:t>BMW</a:t>
+                    </a:r>
+                  </a:p>
+                </p:txBody>
+              </p:sp>
+              <p:sp>
+                <p:nvSpPr>
+                  <p:cNvPr id="78" name="TextBox 77">
+                    <a:extLst>
+                      <a:ext uri="{FF2B5EF4-FFF2-40B4-BE49-F238E27FC236}">
+                        <a16:creationId xmlns:a16="http://schemas.microsoft.com/office/drawing/2014/main" id="{9728A406-F826-45BF-9A88-F89B6AF2733A}"/>
+                      </a:ext>
+                    </a:extLst>
+                  </p:cNvPr>
+                  <p:cNvSpPr txBox="1"/>
+                  <p:nvPr/>
+                </p:nvSpPr>
+                <p:spPr>
+                  <a:xfrm>
+                    <a:off x="7567076" y="3236046"/>
+                    <a:ext cx="1572038" cy="369332"/>
+                  </a:xfrm>
+                  <a:prstGeom prst="rect">
+                    <a:avLst/>
+                  </a:prstGeom>
+                  <a:noFill/>
+                </p:spPr>
+                <p:txBody>
+                  <a:bodyPr wrap="square" rtlCol="0">
+                    <a:spAutoFit/>
+                  </a:bodyPr>
+                  <a:lstStyle/>
+                  <a:p>
+                    <a:pPr algn="ctr"/>
+                    <a:r>
+                      <a:rPr lang="en-US" dirty="0"/>
+                      <a:t>Hyundai</a:t>
+                    </a:r>
+                  </a:p>
+                </p:txBody>
+              </p:sp>
+              <p:pic>
+                <p:nvPicPr>
+                  <p:cNvPr id="79" name="Graphic 78" descr="Car">
+                    <a:extLst>
+                      <a:ext uri="{FF2B5EF4-FFF2-40B4-BE49-F238E27FC236}">
+                        <a16:creationId xmlns:a16="http://schemas.microsoft.com/office/drawing/2014/main" id="{25782351-795E-4E11-A4D5-5E5BCA07566E}"/>
+                      </a:ext>
+                    </a:extLst>
+                  </p:cNvPr>
+                  <p:cNvPicPr>
+                    <a:picLocks noChangeAspect="1"/>
+                  </p:cNvPicPr>
+                  <p:nvPr/>
+                </p:nvPicPr>
+                <p:blipFill>
+                  <a:blip r:embed="rId3">
+                    <a:extLst>
+                      <a:ext uri="{28A0092B-C50C-407E-A947-70E740481C1C}">
+                        <a14:useLocalDpi xmlns:a14="http://schemas.microsoft.com/office/drawing/2010/main" val="0"/>
+                      </a:ext>
+                      <a:ext uri="{96DAC541-7B7A-43D3-8B79-37D633B846F1}">
+                        <asvg:svgBlip xmlns:asvg="http://schemas.microsoft.com/office/drawing/2016/SVG/main" r:embed="rId4"/>
+                      </a:ext>
+                    </a:extLst>
+                  </a:blip>
+                  <a:stretch>
+                    <a:fillRect/>
+                  </a:stretch>
+                </p:blipFill>
+                <p:spPr>
+                  <a:xfrm>
+                    <a:off x="987460" y="2321615"/>
+                    <a:ext cx="1269830" cy="1269830"/>
+                  </a:xfrm>
+                  <a:prstGeom prst="rect">
+                    <a:avLst/>
+                  </a:prstGeom>
+                </p:spPr>
+              </p:pic>
+              <p:pic>
+                <p:nvPicPr>
+                  <p:cNvPr id="80" name="Graphic 79" descr="Car">
+                    <a:extLst>
+                      <a:ext uri="{FF2B5EF4-FFF2-40B4-BE49-F238E27FC236}">
+                        <a16:creationId xmlns:a16="http://schemas.microsoft.com/office/drawing/2014/main" id="{3E99DCFE-40EB-45EC-9063-84DB6FBF07FF}"/>
+                      </a:ext>
+                    </a:extLst>
+                  </p:cNvPr>
+                  <p:cNvPicPr>
+                    <a:picLocks noChangeAspect="1"/>
+                  </p:cNvPicPr>
+                  <p:nvPr/>
+                </p:nvPicPr>
+                <p:blipFill>
+                  <a:blip r:embed="rId3">
+                    <a:extLst>
+                      <a:ext uri="{28A0092B-C50C-407E-A947-70E740481C1C}">
+                        <a14:useLocalDpi xmlns:a14="http://schemas.microsoft.com/office/drawing/2010/main" val="0"/>
+                      </a:ext>
+                      <a:ext uri="{96DAC541-7B7A-43D3-8B79-37D633B846F1}">
+                        <asvg:svgBlip xmlns:asvg="http://schemas.microsoft.com/office/drawing/2016/SVG/main" r:embed="rId4"/>
+                      </a:ext>
+                    </a:extLst>
+                  </a:blip>
+                  <a:stretch>
+                    <a:fillRect/>
+                  </a:stretch>
+                </p:blipFill>
+                <p:spPr>
+                  <a:xfrm>
+                    <a:off x="2680648" y="2349482"/>
+                    <a:ext cx="1269830" cy="1269830"/>
+                  </a:xfrm>
+                  <a:prstGeom prst="rect">
+                    <a:avLst/>
+                  </a:prstGeom>
+                </p:spPr>
+              </p:pic>
+              <p:pic>
+                <p:nvPicPr>
+                  <p:cNvPr id="81" name="Graphic 80" descr="Car">
+                    <a:extLst>
+                      <a:ext uri="{FF2B5EF4-FFF2-40B4-BE49-F238E27FC236}">
+                        <a16:creationId xmlns:a16="http://schemas.microsoft.com/office/drawing/2014/main" id="{AC5C54FF-8500-41A0-A4AE-AB8C550C76FA}"/>
+                      </a:ext>
+                    </a:extLst>
+                  </p:cNvPr>
+                  <p:cNvPicPr>
+                    <a:picLocks noChangeAspect="1"/>
+                  </p:cNvPicPr>
+                  <p:nvPr/>
+                </p:nvPicPr>
+                <p:blipFill>
+                  <a:blip r:embed="rId3">
+                    <a:extLst>
+                      <a:ext uri="{28A0092B-C50C-407E-A947-70E740481C1C}">
+                        <a14:useLocalDpi xmlns:a14="http://schemas.microsoft.com/office/drawing/2010/main" val="0"/>
+                      </a:ext>
+                      <a:ext uri="{96DAC541-7B7A-43D3-8B79-37D633B846F1}">
+                        <asvg:svgBlip xmlns:asvg="http://schemas.microsoft.com/office/drawing/2016/SVG/main" r:embed="rId4"/>
+                      </a:ext>
+                    </a:extLst>
+                  </a:blip>
+                  <a:stretch>
+                    <a:fillRect/>
+                  </a:stretch>
+                </p:blipFill>
+                <p:spPr>
+                  <a:xfrm>
+                    <a:off x="4373836" y="2349482"/>
+                    <a:ext cx="1269830" cy="1269830"/>
+                  </a:xfrm>
+                  <a:prstGeom prst="rect">
+                    <a:avLst/>
+                  </a:prstGeom>
+                </p:spPr>
+              </p:pic>
+              <p:pic>
+                <p:nvPicPr>
+                  <p:cNvPr id="82" name="Graphic 81" descr="Car">
+                    <a:extLst>
+                      <a:ext uri="{FF2B5EF4-FFF2-40B4-BE49-F238E27FC236}">
+                        <a16:creationId xmlns:a16="http://schemas.microsoft.com/office/drawing/2014/main" id="{2CCE2CC3-061F-48B4-9FFC-77569FF0337A}"/>
+                      </a:ext>
+                    </a:extLst>
+                  </p:cNvPr>
+                  <p:cNvPicPr>
+                    <a:picLocks noChangeAspect="1"/>
+                  </p:cNvPicPr>
+                  <p:nvPr/>
+                </p:nvPicPr>
+                <p:blipFill>
+                  <a:blip r:embed="rId3">
+                    <a:extLst>
+                      <a:ext uri="{28A0092B-C50C-407E-A947-70E740481C1C}">
+                        <a14:useLocalDpi xmlns:a14="http://schemas.microsoft.com/office/drawing/2010/main" val="0"/>
+                      </a:ext>
+                      <a:ext uri="{96DAC541-7B7A-43D3-8B79-37D633B846F1}">
+                        <asvg:svgBlip xmlns:asvg="http://schemas.microsoft.com/office/drawing/2016/SVG/main" r:embed="rId4"/>
+                      </a:ext>
+                    </a:extLst>
+                  </a:blip>
+                  <a:stretch>
+                    <a:fillRect/>
+                  </a:stretch>
+                </p:blipFill>
+                <p:spPr>
+                  <a:xfrm>
+                    <a:off x="6067024" y="2321615"/>
+                    <a:ext cx="1269830" cy="1269830"/>
+                  </a:xfrm>
+                  <a:prstGeom prst="rect">
+                    <a:avLst/>
+                  </a:prstGeom>
+                </p:spPr>
+              </p:pic>
+              <p:pic>
+                <p:nvPicPr>
+                  <p:cNvPr id="83" name="Graphic 82" descr="Car">
+                    <a:extLst>
+                      <a:ext uri="{FF2B5EF4-FFF2-40B4-BE49-F238E27FC236}">
+                        <a16:creationId xmlns:a16="http://schemas.microsoft.com/office/drawing/2014/main" id="{6949C269-150B-465B-A9F8-52A75769E5FB}"/>
+                      </a:ext>
+                    </a:extLst>
+                  </p:cNvPr>
+                  <p:cNvPicPr>
+                    <a:picLocks noChangeAspect="1"/>
+                  </p:cNvPicPr>
+                  <p:nvPr/>
+                </p:nvPicPr>
+                <p:blipFill>
+                  <a:blip r:embed="rId3">
+                    <a:extLst>
+                      <a:ext uri="{28A0092B-C50C-407E-A947-70E740481C1C}">
+                        <a14:useLocalDpi xmlns:a14="http://schemas.microsoft.com/office/drawing/2010/main" val="0"/>
+                      </a:ext>
+                      <a:ext uri="{96DAC541-7B7A-43D3-8B79-37D633B846F1}">
+                        <asvg:svgBlip xmlns:asvg="http://schemas.microsoft.com/office/drawing/2016/SVG/main" r:embed="rId4"/>
+                      </a:ext>
+                    </a:extLst>
+                  </a:blip>
+                  <a:stretch>
+                    <a:fillRect/>
+                  </a:stretch>
+                </p:blipFill>
+                <p:spPr>
+                  <a:xfrm>
+                    <a:off x="7760212" y="2349482"/>
+                    <a:ext cx="1269830" cy="1269830"/>
+                  </a:xfrm>
+                  <a:prstGeom prst="rect">
+                    <a:avLst/>
+                  </a:prstGeom>
+                </p:spPr>
+              </p:pic>
+              <p:pic>
+                <p:nvPicPr>
+                  <p:cNvPr id="84" name="Graphic 83" descr="Car">
+                    <a:extLst>
+                      <a:ext uri="{FF2B5EF4-FFF2-40B4-BE49-F238E27FC236}">
+                        <a16:creationId xmlns:a16="http://schemas.microsoft.com/office/drawing/2014/main" id="{FC74E37C-4158-4935-BE55-CDDC8A08CF90}"/>
+                      </a:ext>
+                    </a:extLst>
+                  </p:cNvPr>
+                  <p:cNvPicPr>
+                    <a:picLocks noChangeAspect="1"/>
+                  </p:cNvPicPr>
+                  <p:nvPr/>
+                </p:nvPicPr>
+                <p:blipFill>
+                  <a:blip r:embed="rId3">
+                    <a:extLst>
+                      <a:ext uri="{28A0092B-C50C-407E-A947-70E740481C1C}">
+                        <a14:useLocalDpi xmlns:a14="http://schemas.microsoft.com/office/drawing/2010/main" val="0"/>
+                      </a:ext>
+                      <a:ext uri="{96DAC541-7B7A-43D3-8B79-37D633B846F1}">
+                        <asvg:svgBlip xmlns:asvg="http://schemas.microsoft.com/office/drawing/2016/SVG/main" r:embed="rId4"/>
+                      </a:ext>
+                    </a:extLst>
+                  </a:blip>
+                  <a:stretch>
+                    <a:fillRect/>
+                  </a:stretch>
+                </p:blipFill>
+                <p:spPr>
+                  <a:xfrm>
+                    <a:off x="9453400" y="2349482"/>
+                    <a:ext cx="1269830" cy="1269830"/>
+                  </a:xfrm>
+                  <a:prstGeom prst="rect">
+                    <a:avLst/>
+                  </a:prstGeom>
+                </p:spPr>
+              </p:pic>
+              <p:sp>
+                <p:nvSpPr>
+                  <p:cNvPr id="85" name="TextBox 84">
+                    <a:extLst>
+                      <a:ext uri="{FF2B5EF4-FFF2-40B4-BE49-F238E27FC236}">
+                        <a16:creationId xmlns:a16="http://schemas.microsoft.com/office/drawing/2014/main" id="{D031B79E-BE7F-4F0D-8F20-57EACCBF4E87}"/>
+                      </a:ext>
+                    </a:extLst>
+                  </p:cNvPr>
+                  <p:cNvSpPr txBox="1"/>
+                  <p:nvPr/>
+                </p:nvSpPr>
+                <p:spPr>
+                  <a:xfrm>
+                    <a:off x="9249295" y="3236046"/>
+                    <a:ext cx="1572038" cy="369332"/>
+                  </a:xfrm>
+                  <a:prstGeom prst="rect">
+                    <a:avLst/>
+                  </a:prstGeom>
+                  <a:noFill/>
+                </p:spPr>
+                <p:txBody>
+                  <a:bodyPr wrap="square" rtlCol="0">
+                    <a:spAutoFit/>
+                  </a:bodyPr>
+                  <a:lstStyle/>
+                  <a:p>
+                    <a:pPr algn="ctr"/>
+                    <a:r>
+                      <a:rPr lang="en-US" dirty="0"/>
+                      <a:t>GMC</a:t>
+                    </a:r>
+                  </a:p>
+                </p:txBody>
+              </p:sp>
+            </p:grpSp>
+          </p:grpSp>
+          <p:grpSp>
+            <p:nvGrpSpPr>
+              <p:cNvPr id="115" name="Group 114">
+                <a:extLst>
+                  <a:ext uri="{FF2B5EF4-FFF2-40B4-BE49-F238E27FC236}">
+                    <a16:creationId xmlns:a16="http://schemas.microsoft.com/office/drawing/2014/main" id="{96175B8C-81EC-4C40-950C-8C5455A9D352}"/>
+                  </a:ext>
+                </a:extLst>
+              </p:cNvPr>
+              <p:cNvGrpSpPr/>
+              <p:nvPr/>
+            </p:nvGrpSpPr>
+            <p:grpSpPr>
+              <a:xfrm>
+                <a:off x="838200" y="3480387"/>
+                <a:ext cx="9983133" cy="1297697"/>
+                <a:chOff x="838200" y="3480387"/>
+                <a:chExt cx="9983133" cy="1297697"/>
+              </a:xfrm>
+            </p:grpSpPr>
+            <p:sp>
+              <p:nvSpPr>
+                <p:cNvPr id="87" name="TextBox 86">
+                  <a:extLst>
+                    <a:ext uri="{FF2B5EF4-FFF2-40B4-BE49-F238E27FC236}">
+                      <a16:creationId xmlns:a16="http://schemas.microsoft.com/office/drawing/2014/main" id="{9F084590-2B63-4465-B9A0-9921EF018359}"/>
+                    </a:ext>
+                  </a:extLst>
+                </p:cNvPr>
+                <p:cNvSpPr txBox="1"/>
+                <p:nvPr/>
+              </p:nvSpPr>
+              <p:spPr>
+                <a:xfrm>
+                  <a:off x="838200" y="4394818"/>
+                  <a:ext cx="1572038" cy="369332"/>
+                </a:xfrm>
+                <a:prstGeom prst="rect">
+                  <a:avLst/>
+                </a:prstGeom>
+                <a:noFill/>
+              </p:spPr>
+              <p:txBody>
+                <a:bodyPr wrap="square" rtlCol="0">
+                  <a:spAutoFit/>
+                </a:bodyPr>
+                <a:lstStyle/>
+                <a:p>
+                  <a:pPr algn="ctr"/>
+                  <a:r>
+                    <a:rPr lang="en-US" dirty="0"/>
+                    <a:t>Jeep</a:t>
+                  </a:r>
+                </a:p>
+              </p:txBody>
+            </p:sp>
+            <p:sp>
+              <p:nvSpPr>
+                <p:cNvPr id="88" name="TextBox 87">
+                  <a:extLst>
+                    <a:ext uri="{FF2B5EF4-FFF2-40B4-BE49-F238E27FC236}">
+                      <a16:creationId xmlns:a16="http://schemas.microsoft.com/office/drawing/2014/main" id="{B69051F9-D76A-4F5C-8C66-33AC13347E7A}"/>
+                    </a:ext>
+                  </a:extLst>
+                </p:cNvPr>
+                <p:cNvSpPr txBox="1"/>
+                <p:nvPr/>
+              </p:nvSpPr>
+              <p:spPr>
+                <a:xfrm>
+                  <a:off x="2520419" y="4394818"/>
+                  <a:ext cx="1572038" cy="369332"/>
+                </a:xfrm>
+                <a:prstGeom prst="rect">
+                  <a:avLst/>
+                </a:prstGeom>
+                <a:noFill/>
+              </p:spPr>
+              <p:txBody>
+                <a:bodyPr wrap="square" rtlCol="0">
+                  <a:spAutoFit/>
+                </a:bodyPr>
+                <a:lstStyle/>
+                <a:p>
+                  <a:pPr algn="ctr"/>
+                  <a:r>
+                    <a:rPr lang="en-US" dirty="0"/>
+                    <a:t>Volkswagen</a:t>
+                  </a:r>
+                </a:p>
+              </p:txBody>
+            </p:sp>
+            <p:sp>
+              <p:nvSpPr>
+                <p:cNvPr id="89" name="TextBox 88">
+                  <a:extLst>
+                    <a:ext uri="{FF2B5EF4-FFF2-40B4-BE49-F238E27FC236}">
+                      <a16:creationId xmlns:a16="http://schemas.microsoft.com/office/drawing/2014/main" id="{B57D640F-C712-43B3-9109-7C43C709737D}"/>
+                    </a:ext>
+                  </a:extLst>
+                </p:cNvPr>
+                <p:cNvSpPr txBox="1"/>
+                <p:nvPr/>
+              </p:nvSpPr>
+              <p:spPr>
+                <a:xfrm>
+                  <a:off x="4202638" y="4394818"/>
+                  <a:ext cx="1572038" cy="369332"/>
+                </a:xfrm>
+                <a:prstGeom prst="rect">
+                  <a:avLst/>
+                </a:prstGeom>
+                <a:noFill/>
+              </p:spPr>
+              <p:txBody>
+                <a:bodyPr wrap="square" rtlCol="0">
+                  <a:spAutoFit/>
+                </a:bodyPr>
+                <a:lstStyle/>
+                <a:p>
+                  <a:pPr algn="ctr"/>
+                  <a:r>
+                    <a:rPr lang="en-US" dirty="0"/>
+                    <a:t>Mazda</a:t>
+                  </a:r>
+                </a:p>
+              </p:txBody>
+            </p:sp>
+            <p:sp>
+              <p:nvSpPr>
+                <p:cNvPr id="90" name="TextBox 89">
+                  <a:extLst>
+                    <a:ext uri="{FF2B5EF4-FFF2-40B4-BE49-F238E27FC236}">
+                      <a16:creationId xmlns:a16="http://schemas.microsoft.com/office/drawing/2014/main" id="{E1D0F3A8-C771-4FE9-80CD-00FDB712A05D}"/>
+                    </a:ext>
+                  </a:extLst>
+                </p:cNvPr>
+                <p:cNvSpPr txBox="1"/>
+                <p:nvPr/>
+              </p:nvSpPr>
+              <p:spPr>
+                <a:xfrm>
+                  <a:off x="5884857" y="4394818"/>
+                  <a:ext cx="1572038" cy="369332"/>
+                </a:xfrm>
+                <a:prstGeom prst="rect">
+                  <a:avLst/>
+                </a:prstGeom>
+                <a:noFill/>
+              </p:spPr>
+              <p:txBody>
+                <a:bodyPr wrap="square" rtlCol="0">
+                  <a:spAutoFit/>
+                </a:bodyPr>
+                <a:lstStyle/>
+                <a:p>
+                  <a:pPr algn="ctr"/>
+                  <a:r>
+                    <a:rPr lang="en-US" dirty="0"/>
+                    <a:t>Kia</a:t>
+                  </a:r>
+                </a:p>
+              </p:txBody>
+            </p:sp>
+            <p:sp>
+              <p:nvSpPr>
+                <p:cNvPr id="91" name="TextBox 90">
+                  <a:extLst>
+                    <a:ext uri="{FF2B5EF4-FFF2-40B4-BE49-F238E27FC236}">
+                      <a16:creationId xmlns:a16="http://schemas.microsoft.com/office/drawing/2014/main" id="{4EB00557-531C-4447-94B6-79D852F62519}"/>
+                    </a:ext>
+                  </a:extLst>
+                </p:cNvPr>
+                <p:cNvSpPr txBox="1"/>
+                <p:nvPr/>
+              </p:nvSpPr>
+              <p:spPr>
+                <a:xfrm>
+                  <a:off x="7567076" y="4394818"/>
+                  <a:ext cx="1572038" cy="369332"/>
+                </a:xfrm>
+                <a:prstGeom prst="rect">
+                  <a:avLst/>
+                </a:prstGeom>
+                <a:noFill/>
+              </p:spPr>
+              <p:txBody>
+                <a:bodyPr wrap="square" rtlCol="0">
+                  <a:spAutoFit/>
+                </a:bodyPr>
+                <a:lstStyle/>
+                <a:p>
+                  <a:pPr algn="ctr"/>
+                  <a:r>
+                    <a:rPr lang="en-US" dirty="0"/>
+                    <a:t>Subaru</a:t>
+                  </a:r>
+                </a:p>
+              </p:txBody>
+            </p:sp>
+            <p:pic>
+              <p:nvPicPr>
+                <p:cNvPr id="92" name="Graphic 91" descr="Car">
+                  <a:extLst>
+                    <a:ext uri="{FF2B5EF4-FFF2-40B4-BE49-F238E27FC236}">
+                      <a16:creationId xmlns:a16="http://schemas.microsoft.com/office/drawing/2014/main" id="{D67F383D-9E14-437F-8628-F6F696CAC064}"/>
+                    </a:ext>
+                  </a:extLst>
+                </p:cNvPr>
+                <p:cNvPicPr>
+                  <a:picLocks noChangeAspect="1"/>
+                </p:cNvPicPr>
+                <p:nvPr/>
+              </p:nvPicPr>
+              <p:blipFill>
+                <a:blip r:embed="rId3">
+                  <a:extLst>
+                    <a:ext uri="{28A0092B-C50C-407E-A947-70E740481C1C}">
+                      <a14:useLocalDpi xmlns:a14="http://schemas.microsoft.com/office/drawing/2010/main" val="0"/>
+                    </a:ext>
+                    <a:ext uri="{96DAC541-7B7A-43D3-8B79-37D633B846F1}">
+                      <asvg:svgBlip xmlns:asvg="http://schemas.microsoft.com/office/drawing/2016/SVG/main" r:embed="rId4"/>
+                    </a:ext>
+                  </a:extLst>
+                </a:blip>
+                <a:stretch>
+                  <a:fillRect/>
+                </a:stretch>
+              </p:blipFill>
+              <p:spPr>
+                <a:xfrm>
+                  <a:off x="987460" y="3480387"/>
+                  <a:ext cx="1269830" cy="1269830"/>
+                </a:xfrm>
+                <a:prstGeom prst="rect">
+                  <a:avLst/>
+                </a:prstGeom>
+              </p:spPr>
+            </p:pic>
+            <p:pic>
+              <p:nvPicPr>
+                <p:cNvPr id="93" name="Graphic 92" descr="Car">
+                  <a:extLst>
+                    <a:ext uri="{FF2B5EF4-FFF2-40B4-BE49-F238E27FC236}">
+                      <a16:creationId xmlns:a16="http://schemas.microsoft.com/office/drawing/2014/main" id="{C6CF6634-82AB-4A78-B760-D76D4CB8F611}"/>
+                    </a:ext>
+                  </a:extLst>
+                </p:cNvPr>
+                <p:cNvPicPr>
+                  <a:picLocks noChangeAspect="1"/>
+                </p:cNvPicPr>
+                <p:nvPr/>
+              </p:nvPicPr>
+              <p:blipFill>
+                <a:blip r:embed="rId3">
+                  <a:extLst>
+                    <a:ext uri="{28A0092B-C50C-407E-A947-70E740481C1C}">
+                      <a14:useLocalDpi xmlns:a14="http://schemas.microsoft.com/office/drawing/2010/main" val="0"/>
+                    </a:ext>
+                    <a:ext uri="{96DAC541-7B7A-43D3-8B79-37D633B846F1}">
+                      <asvg:svgBlip xmlns:asvg="http://schemas.microsoft.com/office/drawing/2016/SVG/main" r:embed="rId4"/>
+                    </a:ext>
+                  </a:extLst>
+                </a:blip>
+                <a:stretch>
+                  <a:fillRect/>
+                </a:stretch>
+              </p:blipFill>
+              <p:spPr>
+                <a:xfrm>
+                  <a:off x="2680648" y="3508254"/>
+                  <a:ext cx="1269830" cy="1269830"/>
+                </a:xfrm>
+                <a:prstGeom prst="rect">
+                  <a:avLst/>
+                </a:prstGeom>
+              </p:spPr>
+            </p:pic>
+            <p:pic>
+              <p:nvPicPr>
+                <p:cNvPr id="94" name="Graphic 93" descr="Car">
+                  <a:extLst>
+                    <a:ext uri="{FF2B5EF4-FFF2-40B4-BE49-F238E27FC236}">
+                      <a16:creationId xmlns:a16="http://schemas.microsoft.com/office/drawing/2014/main" id="{B7177311-BC4A-45BC-92D0-7988413F0E7C}"/>
+                    </a:ext>
+                  </a:extLst>
+                </p:cNvPr>
+                <p:cNvPicPr>
+                  <a:picLocks noChangeAspect="1"/>
+                </p:cNvPicPr>
+                <p:nvPr/>
+              </p:nvPicPr>
+              <p:blipFill>
+                <a:blip r:embed="rId3">
+                  <a:extLst>
+                    <a:ext uri="{28A0092B-C50C-407E-A947-70E740481C1C}">
+                      <a14:useLocalDpi xmlns:a14="http://schemas.microsoft.com/office/drawing/2010/main" val="0"/>
+                    </a:ext>
+                    <a:ext uri="{96DAC541-7B7A-43D3-8B79-37D633B846F1}">
+                      <asvg:svgBlip xmlns:asvg="http://schemas.microsoft.com/office/drawing/2016/SVG/main" r:embed="rId4"/>
+                    </a:ext>
+                  </a:extLst>
+                </a:blip>
+                <a:stretch>
+                  <a:fillRect/>
+                </a:stretch>
+              </p:blipFill>
+              <p:spPr>
+                <a:xfrm>
+                  <a:off x="4373836" y="3508254"/>
+                  <a:ext cx="1269830" cy="1269830"/>
+                </a:xfrm>
+                <a:prstGeom prst="rect">
+                  <a:avLst/>
+                </a:prstGeom>
+              </p:spPr>
+            </p:pic>
+            <p:pic>
+              <p:nvPicPr>
+                <p:cNvPr id="95" name="Graphic 94" descr="Car">
+                  <a:extLst>
+                    <a:ext uri="{FF2B5EF4-FFF2-40B4-BE49-F238E27FC236}">
+                      <a16:creationId xmlns:a16="http://schemas.microsoft.com/office/drawing/2014/main" id="{95E08561-A723-4451-A8F1-9F89FA3BBF02}"/>
+                    </a:ext>
+                  </a:extLst>
+                </p:cNvPr>
+                <p:cNvPicPr>
+                  <a:picLocks noChangeAspect="1"/>
+                </p:cNvPicPr>
+                <p:nvPr/>
+              </p:nvPicPr>
+              <p:blipFill>
+                <a:blip r:embed="rId3">
+                  <a:extLst>
+                    <a:ext uri="{28A0092B-C50C-407E-A947-70E740481C1C}">
+                      <a14:useLocalDpi xmlns:a14="http://schemas.microsoft.com/office/drawing/2010/main" val="0"/>
+                    </a:ext>
+                    <a:ext uri="{96DAC541-7B7A-43D3-8B79-37D633B846F1}">
+                      <asvg:svgBlip xmlns:asvg="http://schemas.microsoft.com/office/drawing/2016/SVG/main" r:embed="rId4"/>
+                    </a:ext>
+                  </a:extLst>
+                </a:blip>
+                <a:stretch>
+                  <a:fillRect/>
+                </a:stretch>
+              </p:blipFill>
+              <p:spPr>
+                <a:xfrm>
+                  <a:off x="6067024" y="3480387"/>
+                  <a:ext cx="1269830" cy="1269830"/>
+                </a:xfrm>
+                <a:prstGeom prst="rect">
+                  <a:avLst/>
+                </a:prstGeom>
+              </p:spPr>
+            </p:pic>
+            <p:pic>
+              <p:nvPicPr>
+                <p:cNvPr id="96" name="Graphic 95" descr="Car">
+                  <a:extLst>
+                    <a:ext uri="{FF2B5EF4-FFF2-40B4-BE49-F238E27FC236}">
+                      <a16:creationId xmlns:a16="http://schemas.microsoft.com/office/drawing/2014/main" id="{37DCE1F1-7C94-4346-A291-43C664EAD02B}"/>
+                    </a:ext>
+                  </a:extLst>
+                </p:cNvPr>
+                <p:cNvPicPr>
+                  <a:picLocks noChangeAspect="1"/>
+                </p:cNvPicPr>
+                <p:nvPr/>
+              </p:nvPicPr>
+              <p:blipFill>
+                <a:blip r:embed="rId3">
+                  <a:extLst>
+                    <a:ext uri="{28A0092B-C50C-407E-A947-70E740481C1C}">
+                      <a14:useLocalDpi xmlns:a14="http://schemas.microsoft.com/office/drawing/2010/main" val="0"/>
+                    </a:ext>
+                    <a:ext uri="{96DAC541-7B7A-43D3-8B79-37D633B846F1}">
+                      <asvg:svgBlip xmlns:asvg="http://schemas.microsoft.com/office/drawing/2016/SVG/main" r:embed="rId4"/>
+                    </a:ext>
+                  </a:extLst>
+                </a:blip>
+                <a:stretch>
+                  <a:fillRect/>
+                </a:stretch>
+              </p:blipFill>
+              <p:spPr>
+                <a:xfrm>
+                  <a:off x="7760212" y="3508254"/>
+                  <a:ext cx="1269830" cy="1269830"/>
+                </a:xfrm>
+                <a:prstGeom prst="rect">
+                  <a:avLst/>
+                </a:prstGeom>
+              </p:spPr>
+            </p:pic>
+            <p:pic>
+              <p:nvPicPr>
+                <p:cNvPr id="97" name="Graphic 96" descr="Car">
+                  <a:extLst>
+                    <a:ext uri="{FF2B5EF4-FFF2-40B4-BE49-F238E27FC236}">
+                      <a16:creationId xmlns:a16="http://schemas.microsoft.com/office/drawing/2014/main" id="{D70E6E0E-919F-434F-803A-28878B23A4CA}"/>
+                    </a:ext>
+                  </a:extLst>
+                </p:cNvPr>
+                <p:cNvPicPr>
+                  <a:picLocks noChangeAspect="1"/>
+                </p:cNvPicPr>
+                <p:nvPr/>
+              </p:nvPicPr>
+              <p:blipFill>
+                <a:blip r:embed="rId3">
+                  <a:extLst>
+                    <a:ext uri="{28A0092B-C50C-407E-A947-70E740481C1C}">
+                      <a14:useLocalDpi xmlns:a14="http://schemas.microsoft.com/office/drawing/2010/main" val="0"/>
+                    </a:ext>
+                    <a:ext uri="{96DAC541-7B7A-43D3-8B79-37D633B846F1}">
+                      <asvg:svgBlip xmlns:asvg="http://schemas.microsoft.com/office/drawing/2016/SVG/main" r:embed="rId4"/>
+                    </a:ext>
+                  </a:extLst>
+                </a:blip>
+                <a:stretch>
+                  <a:fillRect/>
+                </a:stretch>
+              </p:blipFill>
+              <p:spPr>
+                <a:xfrm>
+                  <a:off x="9453400" y="3508254"/>
+                  <a:ext cx="1269830" cy="1269830"/>
+                </a:xfrm>
+                <a:prstGeom prst="rect">
+                  <a:avLst/>
+                </a:prstGeom>
+              </p:spPr>
+            </p:pic>
+            <p:sp>
+              <p:nvSpPr>
+                <p:cNvPr id="98" name="TextBox 97">
+                  <a:extLst>
+                    <a:ext uri="{FF2B5EF4-FFF2-40B4-BE49-F238E27FC236}">
+                      <a16:creationId xmlns:a16="http://schemas.microsoft.com/office/drawing/2014/main" id="{30852CB5-23B9-4BFE-878D-7DC6B875D116}"/>
+                    </a:ext>
+                  </a:extLst>
+                </p:cNvPr>
+                <p:cNvSpPr txBox="1"/>
+                <p:nvPr/>
+              </p:nvSpPr>
+              <p:spPr>
+                <a:xfrm>
+                  <a:off x="9249295" y="4394818"/>
+                  <a:ext cx="1572038" cy="369332"/>
+                </a:xfrm>
+                <a:prstGeom prst="rect">
+                  <a:avLst/>
+                </a:prstGeom>
+                <a:noFill/>
+              </p:spPr>
+              <p:txBody>
+                <a:bodyPr wrap="square" rtlCol="0">
+                  <a:spAutoFit/>
+                </a:bodyPr>
+                <a:lstStyle/>
+                <a:p>
+                  <a:pPr algn="ctr"/>
+                  <a:r>
+                    <a:rPr lang="en-US" dirty="0"/>
+                    <a:t>Acura</a:t>
+                  </a:r>
+                </a:p>
+              </p:txBody>
+            </p:sp>
+          </p:grpSp>
+        </p:grpSp>
+        <p:grpSp>
+          <p:nvGrpSpPr>
+            <p:cNvPr id="117" name="Group 116">
+              <a:extLst>
+                <a:ext uri="{FF2B5EF4-FFF2-40B4-BE49-F238E27FC236}">
+                  <a16:creationId xmlns:a16="http://schemas.microsoft.com/office/drawing/2014/main" id="{9A67F735-1F32-4644-A4FD-E80F619EBDA6}"/>
+                </a:ext>
+              </a:extLst>
+            </p:cNvPr>
+            <p:cNvGrpSpPr/>
+            <p:nvPr/>
+          </p:nvGrpSpPr>
+          <p:grpSpPr>
+            <a:xfrm>
+              <a:off x="838200" y="4639160"/>
+              <a:ext cx="8300914" cy="1297697"/>
+              <a:chOff x="838200" y="4639160"/>
+              <a:chExt cx="8300914" cy="1297697"/>
+            </a:xfrm>
+          </p:grpSpPr>
+          <p:sp>
+            <p:nvSpPr>
+              <p:cNvPr id="100" name="TextBox 99">
+                <a:extLst>
+                  <a:ext uri="{FF2B5EF4-FFF2-40B4-BE49-F238E27FC236}">
+                    <a16:creationId xmlns:a16="http://schemas.microsoft.com/office/drawing/2014/main" id="{887BE774-A533-4E36-830A-9835581F3856}"/>
+                  </a:ext>
+                </a:extLst>
+              </p:cNvPr>
+              <p:cNvSpPr txBox="1"/>
+              <p:nvPr/>
+            </p:nvSpPr>
+            <p:spPr>
+              <a:xfrm>
+                <a:off x="838200" y="5553591"/>
+                <a:ext cx="1572038" cy="369332"/>
+              </a:xfrm>
+              <a:prstGeom prst="rect">
+                <a:avLst/>
+              </a:prstGeom>
+              <a:noFill/>
+            </p:spPr>
+            <p:txBody>
+              <a:bodyPr wrap="square" rtlCol="0">
+                <a:spAutoFit/>
+              </a:bodyPr>
+              <a:lstStyle/>
+              <a:p>
+                <a:pPr algn="ctr"/>
+                <a:r>
+                  <a:rPr lang="en-US" dirty="0"/>
+                  <a:t>Chrysler</a:t>
+                </a:r>
+              </a:p>
+            </p:txBody>
+          </p:sp>
+          <p:sp>
+            <p:nvSpPr>
+              <p:cNvPr id="101" name="TextBox 100">
+                <a:extLst>
+                  <a:ext uri="{FF2B5EF4-FFF2-40B4-BE49-F238E27FC236}">
+                    <a16:creationId xmlns:a16="http://schemas.microsoft.com/office/drawing/2014/main" id="{F4C073BE-D84E-4D3E-B929-450D9933CC09}"/>
+                  </a:ext>
+                </a:extLst>
+              </p:cNvPr>
+              <p:cNvSpPr txBox="1"/>
+              <p:nvPr/>
+            </p:nvSpPr>
+            <p:spPr>
+              <a:xfrm>
+                <a:off x="2520419" y="5553591"/>
+                <a:ext cx="1572038" cy="369332"/>
+              </a:xfrm>
+              <a:prstGeom prst="rect">
+                <a:avLst/>
+              </a:prstGeom>
+              <a:noFill/>
+            </p:spPr>
+            <p:txBody>
+              <a:bodyPr wrap="square" rtlCol="0">
+                <a:spAutoFit/>
+              </a:bodyPr>
+              <a:lstStyle/>
+              <a:p>
+                <a:pPr algn="ctr"/>
+                <a:r>
+                  <a:rPr lang="en-US" dirty="0"/>
+                  <a:t>Infiniti</a:t>
+                </a:r>
+              </a:p>
+            </p:txBody>
+          </p:sp>
+          <p:sp>
+            <p:nvSpPr>
+              <p:cNvPr id="102" name="TextBox 101">
+                <a:extLst>
+                  <a:ext uri="{FF2B5EF4-FFF2-40B4-BE49-F238E27FC236}">
+                    <a16:creationId xmlns:a16="http://schemas.microsoft.com/office/drawing/2014/main" id="{3D190B7C-0230-4A7F-ADBA-ABA3DD088D9F}"/>
+                  </a:ext>
+                </a:extLst>
+              </p:cNvPr>
+              <p:cNvSpPr txBox="1"/>
+              <p:nvPr/>
+            </p:nvSpPr>
+            <p:spPr>
+              <a:xfrm>
+                <a:off x="4202638" y="5553591"/>
+                <a:ext cx="1572038" cy="369332"/>
+              </a:xfrm>
+              <a:prstGeom prst="rect">
+                <a:avLst/>
+              </a:prstGeom>
+              <a:noFill/>
+            </p:spPr>
+            <p:txBody>
+              <a:bodyPr wrap="square" rtlCol="0">
+                <a:spAutoFit/>
+              </a:bodyPr>
+              <a:lstStyle/>
+              <a:p>
+                <a:pPr algn="ctr"/>
+                <a:r>
+                  <a:rPr lang="en-US" dirty="0"/>
+                  <a:t>Audi</a:t>
+                </a:r>
+              </a:p>
+            </p:txBody>
+          </p:sp>
+          <p:sp>
+            <p:nvSpPr>
+              <p:cNvPr id="103" name="TextBox 102">
+                <a:extLst>
+                  <a:ext uri="{FF2B5EF4-FFF2-40B4-BE49-F238E27FC236}">
+                    <a16:creationId xmlns:a16="http://schemas.microsoft.com/office/drawing/2014/main" id="{EF94E609-4123-4C1F-875D-F0C81B0F85F4}"/>
+                  </a:ext>
+                </a:extLst>
+              </p:cNvPr>
+              <p:cNvSpPr txBox="1"/>
+              <p:nvPr/>
+            </p:nvSpPr>
+            <p:spPr>
+              <a:xfrm>
+                <a:off x="5884857" y="5553591"/>
+                <a:ext cx="1572038" cy="369332"/>
+              </a:xfrm>
+              <a:prstGeom prst="rect">
+                <a:avLst/>
+              </a:prstGeom>
+              <a:noFill/>
+            </p:spPr>
+            <p:txBody>
+              <a:bodyPr wrap="square" rtlCol="0">
+                <a:spAutoFit/>
+              </a:bodyPr>
+              <a:lstStyle/>
+              <a:p>
+                <a:pPr algn="ctr"/>
+                <a:r>
+                  <a:rPr lang="en-US" dirty="0"/>
+                  <a:t>Volvo</a:t>
+                </a:r>
+              </a:p>
+            </p:txBody>
+          </p:sp>
+          <p:sp>
+            <p:nvSpPr>
+              <p:cNvPr id="104" name="TextBox 103">
+                <a:extLst>
+                  <a:ext uri="{FF2B5EF4-FFF2-40B4-BE49-F238E27FC236}">
+                    <a16:creationId xmlns:a16="http://schemas.microsoft.com/office/drawing/2014/main" id="{0E26128D-74CD-4EDE-9A16-D81BB831EDDF}"/>
+                  </a:ext>
+                </a:extLst>
+              </p:cNvPr>
+              <p:cNvSpPr txBox="1"/>
+              <p:nvPr/>
+            </p:nvSpPr>
+            <p:spPr>
+              <a:xfrm>
+                <a:off x="7567076" y="5553591"/>
+                <a:ext cx="1572038" cy="369332"/>
+              </a:xfrm>
+              <a:prstGeom prst="rect">
+                <a:avLst/>
+              </a:prstGeom>
+              <a:noFill/>
+            </p:spPr>
+            <p:txBody>
+              <a:bodyPr wrap="square" rtlCol="0">
+                <a:spAutoFit/>
+              </a:bodyPr>
+              <a:lstStyle/>
+              <a:p>
+                <a:pPr algn="ctr"/>
+                <a:r>
+                  <a:rPr lang="en-US" dirty="0" err="1"/>
+                  <a:t>Mitisubishi</a:t>
+                </a:r>
+                <a:endParaRPr lang="en-US" dirty="0"/>
+              </a:p>
+            </p:txBody>
+          </p:sp>
+          <p:pic>
+            <p:nvPicPr>
+              <p:cNvPr id="105" name="Graphic 104" descr="Car">
+                <a:extLst>
+                  <a:ext uri="{FF2B5EF4-FFF2-40B4-BE49-F238E27FC236}">
+                    <a16:creationId xmlns:a16="http://schemas.microsoft.com/office/drawing/2014/main" id="{34A3A112-CBA2-40F5-A0EE-2149702B9F11}"/>
+                  </a:ext>
+                </a:extLst>
+              </p:cNvPr>
+              <p:cNvPicPr>
+                <a:picLocks noChangeAspect="1"/>
+              </p:cNvPicPr>
+              <p:nvPr/>
+            </p:nvPicPr>
+            <p:blipFill>
+              <a:blip r:embed="rId3">
+                <a:extLst>
+                  <a:ext uri="{28A0092B-C50C-407E-A947-70E740481C1C}">
+                    <a14:useLocalDpi xmlns:a14="http://schemas.microsoft.com/office/drawing/2010/main" val="0"/>
+                  </a:ext>
+                  <a:ext uri="{96DAC541-7B7A-43D3-8B79-37D633B846F1}">
+                    <asvg:svgBlip xmlns:asvg="http://schemas.microsoft.com/office/drawing/2016/SVG/main" r:embed="rId4"/>
+                  </a:ext>
+                </a:extLst>
+              </a:blip>
+              <a:stretch>
+                <a:fillRect/>
+              </a:stretch>
+            </p:blipFill>
+            <p:spPr>
+              <a:xfrm>
+                <a:off x="987460" y="4639160"/>
+                <a:ext cx="1269830" cy="1269830"/>
+              </a:xfrm>
+              <a:prstGeom prst="rect">
+                <a:avLst/>
+              </a:prstGeom>
+            </p:spPr>
+          </p:pic>
+          <p:pic>
+            <p:nvPicPr>
+              <p:cNvPr id="106" name="Graphic 105" descr="Car">
+                <a:extLst>
+                  <a:ext uri="{FF2B5EF4-FFF2-40B4-BE49-F238E27FC236}">
+                    <a16:creationId xmlns:a16="http://schemas.microsoft.com/office/drawing/2014/main" id="{58545C80-2895-4499-AE0F-4E32BE91125F}"/>
+                  </a:ext>
+                </a:extLst>
+              </p:cNvPr>
+              <p:cNvPicPr>
+                <a:picLocks noChangeAspect="1"/>
+              </p:cNvPicPr>
+              <p:nvPr/>
+            </p:nvPicPr>
+            <p:blipFill>
+              <a:blip r:embed="rId3">
+                <a:extLst>
+                  <a:ext uri="{28A0092B-C50C-407E-A947-70E740481C1C}">
+                    <a14:useLocalDpi xmlns:a14="http://schemas.microsoft.com/office/drawing/2010/main" val="0"/>
+                  </a:ext>
+                  <a:ext uri="{96DAC541-7B7A-43D3-8B79-37D633B846F1}">
+                    <asvg:svgBlip xmlns:asvg="http://schemas.microsoft.com/office/drawing/2016/SVG/main" r:embed="rId4"/>
+                  </a:ext>
+                </a:extLst>
+              </a:blip>
+              <a:stretch>
+                <a:fillRect/>
+              </a:stretch>
+            </p:blipFill>
+            <p:spPr>
+              <a:xfrm>
+                <a:off x="2680648" y="4667027"/>
+                <a:ext cx="1269830" cy="1269830"/>
+              </a:xfrm>
+              <a:prstGeom prst="rect">
+                <a:avLst/>
+              </a:prstGeom>
+            </p:spPr>
+          </p:pic>
+          <p:pic>
+            <p:nvPicPr>
+              <p:cNvPr id="107" name="Graphic 106" descr="Car">
+                <a:extLst>
+                  <a:ext uri="{FF2B5EF4-FFF2-40B4-BE49-F238E27FC236}">
+                    <a16:creationId xmlns:a16="http://schemas.microsoft.com/office/drawing/2014/main" id="{834BC974-9F1D-4434-B84F-8B64CDE89217}"/>
+                  </a:ext>
+                </a:extLst>
+              </p:cNvPr>
+              <p:cNvPicPr>
+                <a:picLocks noChangeAspect="1"/>
+              </p:cNvPicPr>
+              <p:nvPr/>
+            </p:nvPicPr>
+            <p:blipFill>
+              <a:blip r:embed="rId3">
+                <a:extLst>
+                  <a:ext uri="{28A0092B-C50C-407E-A947-70E740481C1C}">
+                    <a14:useLocalDpi xmlns:a14="http://schemas.microsoft.com/office/drawing/2010/main" val="0"/>
+                  </a:ext>
+                  <a:ext uri="{96DAC541-7B7A-43D3-8B79-37D633B846F1}">
+                    <asvg:svgBlip xmlns:asvg="http://schemas.microsoft.com/office/drawing/2016/SVG/main" r:embed="rId4"/>
+                  </a:ext>
+                </a:extLst>
+              </a:blip>
+              <a:stretch>
+                <a:fillRect/>
+              </a:stretch>
+            </p:blipFill>
+            <p:spPr>
+              <a:xfrm>
+                <a:off x="4373836" y="4667027"/>
+                <a:ext cx="1269830" cy="1269830"/>
+              </a:xfrm>
+              <a:prstGeom prst="rect">
+                <a:avLst/>
+              </a:prstGeom>
+            </p:spPr>
+          </p:pic>
+          <p:pic>
+            <p:nvPicPr>
+              <p:cNvPr id="108" name="Graphic 107" descr="Car">
+                <a:extLst>
+                  <a:ext uri="{FF2B5EF4-FFF2-40B4-BE49-F238E27FC236}">
+                    <a16:creationId xmlns:a16="http://schemas.microsoft.com/office/drawing/2014/main" id="{AFBBF574-745D-41D5-AACE-8AA94D21EBC8}"/>
+                  </a:ext>
+                </a:extLst>
+              </p:cNvPr>
+              <p:cNvPicPr>
+                <a:picLocks noChangeAspect="1"/>
+              </p:cNvPicPr>
+              <p:nvPr/>
+            </p:nvPicPr>
+            <p:blipFill>
+              <a:blip r:embed="rId3">
+                <a:extLst>
+                  <a:ext uri="{28A0092B-C50C-407E-A947-70E740481C1C}">
+                    <a14:useLocalDpi xmlns:a14="http://schemas.microsoft.com/office/drawing/2010/main" val="0"/>
+                  </a:ext>
+                  <a:ext uri="{96DAC541-7B7A-43D3-8B79-37D633B846F1}">
+                    <asvg:svgBlip xmlns:asvg="http://schemas.microsoft.com/office/drawing/2016/SVG/main" r:embed="rId4"/>
+                  </a:ext>
+                </a:extLst>
+              </a:blip>
+              <a:stretch>
+                <a:fillRect/>
+              </a:stretch>
+            </p:blipFill>
+            <p:spPr>
+              <a:xfrm>
+                <a:off x="6067024" y="4639160"/>
+                <a:ext cx="1269830" cy="1269830"/>
+              </a:xfrm>
+              <a:prstGeom prst="rect">
+                <a:avLst/>
+              </a:prstGeom>
+            </p:spPr>
+          </p:pic>
+          <p:pic>
+            <p:nvPicPr>
+              <p:cNvPr id="109" name="Graphic 108" descr="Car">
+                <a:extLst>
+                  <a:ext uri="{FF2B5EF4-FFF2-40B4-BE49-F238E27FC236}">
+                    <a16:creationId xmlns:a16="http://schemas.microsoft.com/office/drawing/2014/main" id="{24BB7974-8340-4B47-9F25-F91CA67B22B6}"/>
+                  </a:ext>
+                </a:extLst>
+              </p:cNvPr>
+              <p:cNvPicPr>
+                <a:picLocks noChangeAspect="1"/>
+              </p:cNvPicPr>
+              <p:nvPr/>
+            </p:nvPicPr>
+            <p:blipFill>
+              <a:blip r:embed="rId3">
+                <a:extLst>
+                  <a:ext uri="{28A0092B-C50C-407E-A947-70E740481C1C}">
+                    <a14:useLocalDpi xmlns:a14="http://schemas.microsoft.com/office/drawing/2010/main" val="0"/>
+                  </a:ext>
+                  <a:ext uri="{96DAC541-7B7A-43D3-8B79-37D633B846F1}">
+                    <asvg:svgBlip xmlns:asvg="http://schemas.microsoft.com/office/drawing/2016/SVG/main" r:embed="rId4"/>
+                  </a:ext>
+                </a:extLst>
+              </a:blip>
+              <a:stretch>
+                <a:fillRect/>
+              </a:stretch>
+            </p:blipFill>
+            <p:spPr>
+              <a:xfrm>
+                <a:off x="7760212" y="4667027"/>
+                <a:ext cx="1269830" cy="1269830"/>
+              </a:xfrm>
+              <a:prstGeom prst="rect">
+                <a:avLst/>
+              </a:prstGeom>
+            </p:spPr>
+          </p:pic>
+        </p:grpSp>
+      </p:grpSp>
     </p:spTree>
     <p:extLst>
       <p:ext uri="{BB962C8B-B14F-4D97-AF65-F5344CB8AC3E}">
-        <p14:creationId xmlns:p14="http://schemas.microsoft.com/office/powerpoint/2010/main" val="1169703371"/>
+        <p14:creationId xmlns:p14="http://schemas.microsoft.com/office/powerpoint/2010/main" val="2882248279"/>
       </p:ext>
     </p:extLst>
   </p:cSld>
@@ -3890,7 +6331,7 @@
           <a:p>
             <a:r>
               <a:rPr lang="en-US" b="1" dirty="0"/>
-              <a:t>Findings: Heat Maps</a:t>
+              <a:t>Chi-Square</a:t>
             </a:r>
             <a:br>
               <a:rPr lang="en-US" dirty="0"/>
@@ -3899,35 +6340,70 @@
           </a:p>
         </p:txBody>
       </p:sp>
-      <p:sp>
-        <p:nvSpPr>
-          <p:cNvPr id="3" name="Content Placeholder 2">
-            <a:extLst>
-              <a:ext uri="{FF2B5EF4-FFF2-40B4-BE49-F238E27FC236}">
-                <a16:creationId xmlns:a16="http://schemas.microsoft.com/office/drawing/2014/main" id="{D8776D23-33ED-4A20-94C0-0DE05B6D7AFD}"/>
-              </a:ext>
-            </a:extLst>
-          </p:cNvPr>
-          <p:cNvSpPr>
-            <a:spLocks noGrp="1"/>
-          </p:cNvSpPr>
-          <p:nvPr>
-            <p:ph idx="1"/>
-          </p:nvPr>
-        </p:nvSpPr>
-        <p:spPr/>
-        <p:txBody>
-          <a:bodyPr/>
-          <a:lstStyle/>
-          <a:p>
-            <a:endParaRPr lang="en-US" dirty="0"/>
-          </a:p>
-        </p:txBody>
-      </p:sp>
+      <p:pic>
+        <p:nvPicPr>
+          <p:cNvPr id="7" name="Picture 6">
+            <a:extLst>
+              <a:ext uri="{FF2B5EF4-FFF2-40B4-BE49-F238E27FC236}">
+                <a16:creationId xmlns:a16="http://schemas.microsoft.com/office/drawing/2014/main" id="{B9AE42A8-C029-4C18-86CD-5EA0BE6C485A}"/>
+              </a:ext>
+            </a:extLst>
+          </p:cNvPr>
+          <p:cNvPicPr>
+            <a:picLocks noChangeAspect="1"/>
+          </p:cNvPicPr>
+          <p:nvPr/>
+        </p:nvPicPr>
+        <p:blipFill>
+          <a:blip r:embed="rId2"/>
+          <a:stretch>
+            <a:fillRect/>
+          </a:stretch>
+        </p:blipFill>
+        <p:spPr>
+          <a:xfrm>
+            <a:off x="1331843" y="1232453"/>
+            <a:ext cx="7154932" cy="2643808"/>
+          </a:xfrm>
+          <a:prstGeom prst="rect">
+            <a:avLst/>
+          </a:prstGeom>
+        </p:spPr>
+      </p:pic>
+      <p:pic>
+        <p:nvPicPr>
+          <p:cNvPr id="9" name="Picture 8">
+            <a:extLst>
+              <a:ext uri="{FF2B5EF4-FFF2-40B4-BE49-F238E27FC236}">
+                <a16:creationId xmlns:a16="http://schemas.microsoft.com/office/drawing/2014/main" id="{3A3F0F3C-00F8-4637-BF46-32F913A461A4}"/>
+              </a:ext>
+            </a:extLst>
+          </p:cNvPr>
+          <p:cNvPicPr>
+            <a:picLocks noChangeAspect="1"/>
+          </p:cNvPicPr>
+          <p:nvPr/>
+        </p:nvPicPr>
+        <p:blipFill>
+          <a:blip r:embed="rId3"/>
+          <a:stretch>
+            <a:fillRect/>
+          </a:stretch>
+        </p:blipFill>
+        <p:spPr>
+          <a:xfrm>
+            <a:off x="1331843" y="3949494"/>
+            <a:ext cx="9241735" cy="2543381"/>
+          </a:xfrm>
+          <a:prstGeom prst="rect">
+            <a:avLst/>
+          </a:prstGeom>
+        </p:spPr>
+      </p:pic>
     </p:spTree>
     <p:extLst>
       <p:ext uri="{BB962C8B-B14F-4D97-AF65-F5344CB8AC3E}">
-        <p14:creationId xmlns:p14="http://schemas.microsoft.com/office/powerpoint/2010/main" val="3207365631"/>
+        <p14:creationId xmlns:p14="http://schemas.microsoft.com/office/powerpoint/2010/main" val="2800184634"/>
       </p:ext>
     </p:extLst>
   </p:cSld>
@@ -3959,7 +6435,7 @@
           <p:cNvPr id="2" name="Title 1">
             <a:extLst>
               <a:ext uri="{FF2B5EF4-FFF2-40B4-BE49-F238E27FC236}">
-                <a16:creationId xmlns:a16="http://schemas.microsoft.com/office/drawing/2014/main" id="{21A7756E-7C80-48AB-89AB-BF520B840842}"/>
+                <a16:creationId xmlns:a16="http://schemas.microsoft.com/office/drawing/2014/main" id="{34D524B2-05BC-4E21-AE0A-2F8DE9F15172}"/>
               </a:ext>
             </a:extLst>
           </p:cNvPr>
@@ -3976,13 +6452,9 @@
           <a:lstStyle/>
           <a:p>
             <a:r>
-              <a:rPr lang="en-US" b="1" dirty="0"/>
-              <a:t>Findings: Heat Maps</a:t>
-            </a:r>
-            <a:br>
               <a:rPr lang="en-US" dirty="0"/>
-            </a:br>
-            <a:endParaRPr lang="en-US" dirty="0"/>
+              <a:t>Cont..</a:t>
+            </a:r>
           </a:p>
         </p:txBody>
       </p:sp>
@@ -3991,7 +6463,7 @@
           <p:cNvPr id="3" name="Content Placeholder 2">
             <a:extLst>
               <a:ext uri="{FF2B5EF4-FFF2-40B4-BE49-F238E27FC236}">
-                <a16:creationId xmlns:a16="http://schemas.microsoft.com/office/drawing/2014/main" id="{D8776D23-33ED-4A20-94C0-0DE05B6D7AFD}"/>
+                <a16:creationId xmlns:a16="http://schemas.microsoft.com/office/drawing/2014/main" id="{97C702E0-AEB6-4F15-86D6-EC7B1CAE0A37}"/>
               </a:ext>
             </a:extLst>
           </p:cNvPr>
@@ -4007,14 +6479,54 @@
           <a:bodyPr/>
           <a:lstStyle/>
           <a:p>
+            <a:r>
+              <a:rPr lang="en-US" dirty="0"/>
+              <a:t>Observed distribution is significantly different from expected distribution indicates there is no relationship   </a:t>
+            </a:r>
+          </a:p>
+          <a:p>
             <a:endParaRPr lang="en-US" dirty="0"/>
+          </a:p>
+          <a:p>
+            <a:r>
+              <a:rPr lang="en-US" dirty="0"/>
+              <a:t>Calculated Chi-Square (25598.9)  is greater than the critical value (7.8). </a:t>
+            </a:r>
+          </a:p>
+          <a:p>
+            <a:r>
+              <a:rPr lang="en-US" dirty="0"/>
+              <a:t>There is a statistically significant evidence at α=0.05 to show that H</a:t>
+            </a:r>
+            <a:r>
+              <a:rPr lang="en-US" baseline="-25000" dirty="0"/>
+              <a:t>0</a:t>
+            </a:r>
+            <a:r>
+              <a:rPr lang="en-US" dirty="0"/>
+              <a:t> is false</a:t>
+            </a:r>
+          </a:p>
+          <a:p>
+            <a:r>
+              <a:rPr lang="en-US" dirty="0"/>
+              <a:t>H</a:t>
+            </a:r>
+            <a:r>
+              <a:rPr lang="en-US" baseline="-25000" dirty="0"/>
+              <a:t>0</a:t>
+            </a:r>
+            <a:r>
+              <a:rPr lang="en-US" dirty="0"/>
+              <a:t> is rejected </a:t>
+            </a:r>
           </a:p>
         </p:txBody>
       </p:sp>
     </p:spTree>
     <p:extLst>
       <p:ext uri="{BB962C8B-B14F-4D97-AF65-F5344CB8AC3E}">
-        <p14:creationId xmlns:p14="http://schemas.microsoft.com/office/powerpoint/2010/main" val="1521248128"/>
+        <p14:creationId xmlns:p14="http://schemas.microsoft.com/office/powerpoint/2010/main" val="2431039119"/>
       </p:ext>
     </p:extLst>
   </p:cSld>
@@ -4043,6 +6555,69 @@
       </p:grpSpPr>
       <p:sp>
         <p:nvSpPr>
+          <p:cNvPr id="19" name="Rectangle 18">
+            <a:extLst>
+              <a:ext uri="{FF2B5EF4-FFF2-40B4-BE49-F238E27FC236}">
+                <a16:creationId xmlns:a16="http://schemas.microsoft.com/office/drawing/2014/main" id="{A4AC5506-6312-4701-8D3C-40187889A947}"/>
+              </a:ext>
+              <a:ext uri="{C183D7F6-B498-43B3-948B-1728B52AA6E4}">
+                <adec:decorative xmlns:adec="http://schemas.microsoft.com/office/drawing/2017/decorative" val="1"/>
+              </a:ext>
+            </a:extLst>
+          </p:cNvPr>
+          <p:cNvSpPr>
+            <a:spLocks noGrp="1" noRot="1" noChangeAspect="1" noMove="1" noResize="1" noEditPoints="1" noAdjustHandles="1" noChangeArrowheads="1" noChangeShapeType="1" noTextEdit="1"/>
+          </p:cNvSpPr>
+          <p:nvPr>
+            <p:extLst>
+              <p:ext uri="{386F3935-93C4-4BCD-93E2-E3B085C9AB24}">
+                <p16:designElem xmlns:p16="http://schemas.microsoft.com/office/powerpoint/2015/main" val="1"/>
+              </p:ext>
+            </p:extLst>
+          </p:nvPr>
+        </p:nvSpPr>
+        <p:spPr>
+          <a:xfrm>
+            <a:off x="0" y="651752"/>
+            <a:ext cx="12192000" cy="736551"/>
+          </a:xfrm>
+          <a:prstGeom prst="rect">
+            <a:avLst/>
+          </a:prstGeom>
+          <a:solidFill>
+            <a:schemeClr val="tx1"/>
+          </a:solidFill>
+          <a:ln>
+            <a:noFill/>
+          </a:ln>
+        </p:spPr>
+        <p:style>
+          <a:lnRef idx="2">
+            <a:schemeClr val="accent1">
+              <a:shade val="50000"/>
+            </a:schemeClr>
+          </a:lnRef>
+          <a:fillRef idx="1">
+            <a:schemeClr val="accent1"/>
+          </a:fillRef>
+          <a:effectRef idx="0">
+            <a:schemeClr val="accent1"/>
+          </a:effectRef>
+          <a:fontRef idx="minor">
+            <a:schemeClr val="lt1"/>
+          </a:fontRef>
+        </p:style>
+        <p:txBody>
+          <a:bodyPr rtlCol="0" anchor="ctr"/>
+          <a:lstStyle/>
+          <a:p>
+            <a:pPr algn="ctr"/>
+            <a:endParaRPr lang="en-US"/>
+          </a:p>
+        </p:txBody>
+      </p:sp>
+      <p:sp>
+        <p:nvSpPr>
           <p:cNvPr id="2" name="Title 1">
             <a:extLst>
               <a:ext uri="{FF2B5EF4-FFF2-40B4-BE49-F238E27FC236}">
@@ -4057,51 +6632,104 @@
             <p:ph type="title"/>
           </p:nvPr>
         </p:nvSpPr>
-        <p:spPr/>
-        <p:txBody>
-          <a:bodyPr/>
+        <p:spPr>
+          <a:xfrm>
+            <a:off x="556532" y="643467"/>
+            <a:ext cx="11210925" cy="744836"/>
+          </a:xfrm>
+          <a:prstGeom prst="ellipse">
+            <a:avLst/>
+          </a:prstGeom>
+        </p:spPr>
+        <p:txBody>
+          <a:bodyPr vert="horz" lIns="91440" tIns="45720" rIns="91440" bIns="45720" rtlCol="0" anchor="ctr">
+            <a:normAutofit fontScale="90000"/>
+          </a:bodyPr>
           <a:lstStyle/>
           <a:p>
-            <a:r>
-              <a:rPr lang="en-US" b="1" dirty="0"/>
-              <a:t>Conclusions:</a:t>
-            </a:r>
+            <a:pPr algn="ctr"/>
             <a:br>
-              <a:rPr lang="en-US" dirty="0"/>
+              <a:rPr lang="en-US" sz="1500" b="1" kern="1200" dirty="0">
+                <a:solidFill>
+                  <a:schemeClr val="bg1"/>
+                </a:solidFill>
+                <a:latin typeface="+mj-lt"/>
+                <a:ea typeface="+mj-ea"/>
+                <a:cs typeface="+mj-cs"/>
+              </a:rPr>
             </a:br>
-            <a:endParaRPr lang="en-US" dirty="0"/>
-          </a:p>
-        </p:txBody>
-      </p:sp>
-      <p:sp>
-        <p:nvSpPr>
-          <p:cNvPr id="3" name="Content Placeholder 2">
-            <a:extLst>
-              <a:ext uri="{FF2B5EF4-FFF2-40B4-BE49-F238E27FC236}">
-                <a16:creationId xmlns:a16="http://schemas.microsoft.com/office/drawing/2014/main" id="{D8776D23-33ED-4A20-94C0-0DE05B6D7AFD}"/>
-              </a:ext>
-            </a:extLst>
-          </p:cNvPr>
-          <p:cNvSpPr>
-            <a:spLocks noGrp="1"/>
-          </p:cNvSpPr>
-          <p:nvPr>
-            <p:ph idx="1"/>
-          </p:nvPr>
-        </p:nvSpPr>
-        <p:spPr/>
-        <p:txBody>
-          <a:bodyPr/>
-          <a:lstStyle/>
-          <a:p>
-            <a:endParaRPr lang="en-US"/>
-          </a:p>
-        </p:txBody>
-      </p:sp>
+            <a:r>
+              <a:rPr lang="en-US" sz="2400" b="1" kern="1200" dirty="0">
+                <a:solidFill>
+                  <a:schemeClr val="bg1"/>
+                </a:solidFill>
+                <a:latin typeface="+mj-lt"/>
+                <a:ea typeface="+mj-ea"/>
+                <a:cs typeface="+mj-cs"/>
+              </a:rPr>
+              <a:t>Citation Location Map</a:t>
+            </a:r>
+            <a:br>
+              <a:rPr lang="en-US" sz="1500" kern="1200" dirty="0">
+                <a:solidFill>
+                  <a:schemeClr val="bg1"/>
+                </a:solidFill>
+                <a:latin typeface="+mj-lt"/>
+                <a:ea typeface="+mj-ea"/>
+                <a:cs typeface="+mj-cs"/>
+              </a:rPr>
+            </a:br>
+            <a:endParaRPr lang="en-US" sz="1500" kern="1200" dirty="0">
+              <a:solidFill>
+                <a:schemeClr val="bg1"/>
+              </a:solidFill>
+              <a:latin typeface="+mj-lt"/>
+              <a:ea typeface="+mj-ea"/>
+              <a:cs typeface="+mj-cs"/>
+            </a:endParaRPr>
+          </a:p>
+        </p:txBody>
+      </p:sp>
+      <p:pic>
+        <p:nvPicPr>
+          <p:cNvPr id="6" name="Picture 5" descr="A picture containing text, map&#10;&#10;Description automatically generated">
+            <a:extLst>
+              <a:ext uri="{FF2B5EF4-FFF2-40B4-BE49-F238E27FC236}">
+                <a16:creationId xmlns:a16="http://schemas.microsoft.com/office/drawing/2014/main" id="{80B10B99-DC60-4088-8F8B-822F1524E50C}"/>
+              </a:ext>
+            </a:extLst>
+          </p:cNvPr>
+          <p:cNvPicPr>
+            <a:picLocks noChangeAspect="1"/>
+          </p:cNvPicPr>
+          <p:nvPr/>
+        </p:nvPicPr>
+        <p:blipFill>
+          <a:blip r:embed="rId2">
+            <a:extLst>
+              <a:ext uri="{28A0092B-C50C-407E-A947-70E740481C1C}">
+                <a14:useLocalDpi xmlns:a14="http://schemas.microsoft.com/office/drawing/2010/main" val="0"/>
+              </a:ext>
+            </a:extLst>
+          </a:blip>
+          <a:stretch>
+            <a:fillRect/>
+          </a:stretch>
+        </p:blipFill>
+        <p:spPr>
+          <a:xfrm>
+            <a:off x="2449362" y="1675227"/>
+            <a:ext cx="7293275" cy="4394199"/>
+          </a:xfrm>
+          <a:prstGeom prst="rect">
+            <a:avLst/>
+          </a:prstGeom>
+        </p:spPr>
+      </p:pic>
     </p:spTree>
     <p:extLst>
       <p:ext uri="{BB962C8B-B14F-4D97-AF65-F5344CB8AC3E}">
-        <p14:creationId xmlns:p14="http://schemas.microsoft.com/office/powerpoint/2010/main" val="2971144781"/>
+        <p14:creationId xmlns:p14="http://schemas.microsoft.com/office/powerpoint/2010/main" val="2427508377"/>
       </p:ext>
     </p:extLst>
   </p:cSld>
@@ -4130,6 +6758,69 @@
       </p:grpSpPr>
       <p:sp>
         <p:nvSpPr>
+          <p:cNvPr id="10" name="Rectangle 9">
+            <a:extLst>
+              <a:ext uri="{FF2B5EF4-FFF2-40B4-BE49-F238E27FC236}">
+                <a16:creationId xmlns:a16="http://schemas.microsoft.com/office/drawing/2014/main" id="{A4AC5506-6312-4701-8D3C-40187889A947}"/>
+              </a:ext>
+              <a:ext uri="{C183D7F6-B498-43B3-948B-1728B52AA6E4}">
+                <adec:decorative xmlns:adec="http://schemas.microsoft.com/office/drawing/2017/decorative" val="1"/>
+              </a:ext>
+            </a:extLst>
+          </p:cNvPr>
+          <p:cNvSpPr>
+            <a:spLocks noGrp="1" noRot="1" noChangeAspect="1" noMove="1" noResize="1" noEditPoints="1" noAdjustHandles="1" noChangeArrowheads="1" noChangeShapeType="1" noTextEdit="1"/>
+          </p:cNvSpPr>
+          <p:nvPr>
+            <p:extLst>
+              <p:ext uri="{386F3935-93C4-4BCD-93E2-E3B085C9AB24}">
+                <p16:designElem xmlns:p16="http://schemas.microsoft.com/office/powerpoint/2015/main" val="1"/>
+              </p:ext>
+            </p:extLst>
+          </p:nvPr>
+        </p:nvSpPr>
+        <p:spPr>
+          <a:xfrm>
+            <a:off x="0" y="651752"/>
+            <a:ext cx="12192000" cy="736551"/>
+          </a:xfrm>
+          <a:prstGeom prst="rect">
+            <a:avLst/>
+          </a:prstGeom>
+          <a:solidFill>
+            <a:schemeClr val="tx1"/>
+          </a:solidFill>
+          <a:ln>
+            <a:noFill/>
+          </a:ln>
+        </p:spPr>
+        <p:style>
+          <a:lnRef idx="2">
+            <a:schemeClr val="accent1">
+              <a:shade val="50000"/>
+            </a:schemeClr>
+          </a:lnRef>
+          <a:fillRef idx="1">
+            <a:schemeClr val="accent1"/>
+          </a:fillRef>
+          <a:effectRef idx="0">
+            <a:schemeClr val="accent1"/>
+          </a:effectRef>
+          <a:fontRef idx="minor">
+            <a:schemeClr val="lt1"/>
+          </a:fontRef>
+        </p:style>
+        <p:txBody>
+          <a:bodyPr rtlCol="0" anchor="ctr"/>
+          <a:lstStyle/>
+          <a:p>
+            <a:pPr algn="ctr"/>
+            <a:endParaRPr lang="en-US"/>
+          </a:p>
+        </p:txBody>
+      </p:sp>
+      <p:sp>
+        <p:nvSpPr>
           <p:cNvPr id="2" name="Title 1">
             <a:extLst>
               <a:ext uri="{FF2B5EF4-FFF2-40B4-BE49-F238E27FC236}">
@@ -4144,51 +6835,478 @@
             <p:ph type="title"/>
           </p:nvPr>
         </p:nvSpPr>
-        <p:spPr/>
-        <p:txBody>
-          <a:bodyPr/>
+        <p:spPr>
+          <a:xfrm>
+            <a:off x="556532" y="643467"/>
+            <a:ext cx="11210925" cy="744836"/>
+          </a:xfrm>
+        </p:spPr>
+        <p:txBody>
+          <a:bodyPr vert="horz" lIns="91440" tIns="45720" rIns="91440" bIns="45720" rtlCol="0" anchor="ctr">
+            <a:normAutofit/>
+          </a:bodyPr>
           <a:lstStyle/>
           <a:p>
-            <a:r>
-              <a:rPr lang="en-US" b="1" dirty="0"/>
-              <a:t>Recommendations:</a:t>
-            </a:r>
-            <a:br>
-              <a:rPr lang="en-US" dirty="0"/>
-            </a:br>
-            <a:endParaRPr lang="en-US" dirty="0"/>
-          </a:p>
-        </p:txBody>
-      </p:sp>
-      <p:sp>
-        <p:nvSpPr>
-          <p:cNvPr id="3" name="Content Placeholder 2">
-            <a:extLst>
-              <a:ext uri="{FF2B5EF4-FFF2-40B4-BE49-F238E27FC236}">
-                <a16:creationId xmlns:a16="http://schemas.microsoft.com/office/drawing/2014/main" id="{D8776D23-33ED-4A20-94C0-0DE05B6D7AFD}"/>
-              </a:ext>
-            </a:extLst>
-          </p:cNvPr>
-          <p:cNvSpPr>
-            <a:spLocks noGrp="1"/>
-          </p:cNvSpPr>
+            <a:pPr algn="ctr"/>
+            <a:r>
+              <a:rPr lang="en-US" sz="2200" b="1" dirty="0">
+                <a:solidFill>
+                  <a:schemeClr val="bg1"/>
+                </a:solidFill>
+              </a:rPr>
+              <a:t>Citation Heat Map</a:t>
+            </a:r>
+            <a:endParaRPr lang="en-US" sz="2200" kern="1200" dirty="0">
+              <a:solidFill>
+                <a:schemeClr val="bg1"/>
+              </a:solidFill>
+              <a:latin typeface="+mj-lt"/>
+              <a:ea typeface="+mj-ea"/>
+              <a:cs typeface="+mj-cs"/>
+            </a:endParaRPr>
+          </a:p>
+        </p:txBody>
+      </p:sp>
+      <p:pic>
+        <p:nvPicPr>
+          <p:cNvPr id="5" name="Content Placeholder 4" descr="A close up of a map&#10;&#10;Description automatically generated">
+            <a:extLst>
+              <a:ext uri="{FF2B5EF4-FFF2-40B4-BE49-F238E27FC236}">
+                <a16:creationId xmlns:a16="http://schemas.microsoft.com/office/drawing/2014/main" id="{8AEC48F4-C5CC-412E-8FF2-19FEE1ADE745}"/>
+              </a:ext>
+            </a:extLst>
+          </p:cNvPr>
+          <p:cNvPicPr>
+            <a:picLocks noGrp="1" noChangeAspect="1"/>
+          </p:cNvPicPr>
           <p:nvPr>
             <p:ph idx="1"/>
           </p:nvPr>
-        </p:nvSpPr>
-        <p:spPr/>
-        <p:txBody>
-          <a:bodyPr/>
-          <a:lstStyle/>
-          <a:p>
-            <a:endParaRPr lang="en-US" dirty="0"/>
-          </a:p>
-        </p:txBody>
-      </p:sp>
+        </p:nvPicPr>
+        <p:blipFill>
+          <a:blip r:embed="rId2">
+            <a:extLst>
+              <a:ext uri="{28A0092B-C50C-407E-A947-70E740481C1C}">
+                <a14:useLocalDpi xmlns:a14="http://schemas.microsoft.com/office/drawing/2010/main" val="0"/>
+              </a:ext>
+            </a:extLst>
+          </a:blip>
+          <a:stretch>
+            <a:fillRect/>
+          </a:stretch>
+        </p:blipFill>
+        <p:spPr>
+          <a:xfrm>
+            <a:off x="2449362" y="1675227"/>
+            <a:ext cx="7293275" cy="4394199"/>
+          </a:xfrm>
+          <a:prstGeom prst="rect">
+            <a:avLst/>
+          </a:prstGeom>
+        </p:spPr>
+      </p:pic>
     </p:spTree>
     <p:extLst>
       <p:ext uri="{BB962C8B-B14F-4D97-AF65-F5344CB8AC3E}">
-        <p14:creationId xmlns:p14="http://schemas.microsoft.com/office/powerpoint/2010/main" val="604073216"/>
+        <p14:creationId xmlns:p14="http://schemas.microsoft.com/office/powerpoint/2010/main" val="1169703371"/>
+      </p:ext>
+    </p:extLst>
+  </p:cSld>
+  <p:clrMapOvr>
+    <a:masterClrMapping/>
+  </p:clrMapOvr>
+</p:sld>
+</file>
+
+<file path=ppt/slides/slide18.xml><?xml version="1.0" encoding="utf-8"?>
+<p:sld xmlns:a="http://schemas.openxmlformats.org/drawingml/2006/main" xmlns:r="http://schemas.openxmlformats.org/officeDocument/2006/relationships" xmlns:p="http://schemas.openxmlformats.org/presentationml/2006/main">
+  <p:cSld>
+    <p:spTree>
+      <p:nvGrpSpPr>
+        <p:cNvPr id="1" name=""/>
+        <p:cNvGrpSpPr/>
+        <p:nvPr/>
+      </p:nvGrpSpPr>
+      <p:grpSpPr>
+        <a:xfrm>
+          <a:off x="0" y="0"/>
+          <a:ext cx="0" cy="0"/>
+          <a:chOff x="0" y="0"/>
+          <a:chExt cx="0" cy="0"/>
+        </a:xfrm>
+      </p:grpSpPr>
+      <p:sp>
+        <p:nvSpPr>
+          <p:cNvPr id="10" name="Rectangle 9">
+            <a:extLst>
+              <a:ext uri="{FF2B5EF4-FFF2-40B4-BE49-F238E27FC236}">
+                <a16:creationId xmlns:a16="http://schemas.microsoft.com/office/drawing/2014/main" id="{A4AC5506-6312-4701-8D3C-40187889A947}"/>
+              </a:ext>
+              <a:ext uri="{C183D7F6-B498-43B3-948B-1728B52AA6E4}">
+                <adec:decorative xmlns:adec="http://schemas.microsoft.com/office/drawing/2017/decorative" val="1"/>
+              </a:ext>
+            </a:extLst>
+          </p:cNvPr>
+          <p:cNvSpPr>
+            <a:spLocks noGrp="1" noRot="1" noChangeAspect="1" noMove="1" noResize="1" noEditPoints="1" noAdjustHandles="1" noChangeArrowheads="1" noChangeShapeType="1" noTextEdit="1"/>
+          </p:cNvSpPr>
+          <p:nvPr>
+            <p:extLst>
+              <p:ext uri="{386F3935-93C4-4BCD-93E2-E3B085C9AB24}">
+                <p16:designElem xmlns:p16="http://schemas.microsoft.com/office/powerpoint/2015/main" val="1"/>
+              </p:ext>
+            </p:extLst>
+          </p:nvPr>
+        </p:nvSpPr>
+        <p:spPr>
+          <a:xfrm>
+            <a:off x="0" y="651752"/>
+            <a:ext cx="12192000" cy="736551"/>
+          </a:xfrm>
+          <a:prstGeom prst="rect">
+            <a:avLst/>
+          </a:prstGeom>
+          <a:solidFill>
+            <a:schemeClr val="tx1"/>
+          </a:solidFill>
+          <a:ln>
+            <a:noFill/>
+          </a:ln>
+        </p:spPr>
+        <p:style>
+          <a:lnRef idx="2">
+            <a:schemeClr val="accent1">
+              <a:shade val="50000"/>
+            </a:schemeClr>
+          </a:lnRef>
+          <a:fillRef idx="1">
+            <a:schemeClr val="accent1"/>
+          </a:fillRef>
+          <a:effectRef idx="0">
+            <a:schemeClr val="accent1"/>
+          </a:effectRef>
+          <a:fontRef idx="minor">
+            <a:schemeClr val="lt1"/>
+          </a:fontRef>
+        </p:style>
+        <p:txBody>
+          <a:bodyPr rtlCol="0" anchor="ctr"/>
+          <a:lstStyle/>
+          <a:p>
+            <a:pPr algn="ctr"/>
+            <a:endParaRPr lang="en-US"/>
+          </a:p>
+        </p:txBody>
+      </p:sp>
+      <p:sp>
+        <p:nvSpPr>
+          <p:cNvPr id="2" name="Title 1">
+            <a:extLst>
+              <a:ext uri="{FF2B5EF4-FFF2-40B4-BE49-F238E27FC236}">
+                <a16:creationId xmlns:a16="http://schemas.microsoft.com/office/drawing/2014/main" id="{21A7756E-7C80-48AB-89AB-BF520B840842}"/>
+              </a:ext>
+            </a:extLst>
+          </p:cNvPr>
+          <p:cNvSpPr>
+            <a:spLocks noGrp="1"/>
+          </p:cNvSpPr>
+          <p:nvPr>
+            <p:ph type="title"/>
+          </p:nvPr>
+        </p:nvSpPr>
+        <p:spPr>
+          <a:xfrm>
+            <a:off x="556532" y="643467"/>
+            <a:ext cx="11210925" cy="744836"/>
+          </a:xfrm>
+        </p:spPr>
+        <p:txBody>
+          <a:bodyPr vert="horz" lIns="91440" tIns="45720" rIns="91440" bIns="45720" rtlCol="0" anchor="ctr">
+            <a:normAutofit fontScale="90000"/>
+          </a:bodyPr>
+          <a:lstStyle/>
+          <a:p>
+            <a:pPr algn="ctr"/>
+            <a:br>
+              <a:rPr lang="en-US" sz="2200" b="1" kern="1200" dirty="0">
+                <a:solidFill>
+                  <a:schemeClr val="bg1"/>
+                </a:solidFill>
+                <a:latin typeface="+mj-lt"/>
+                <a:ea typeface="+mj-ea"/>
+                <a:cs typeface="+mj-cs"/>
+              </a:rPr>
+            </a:br>
+            <a:r>
+              <a:rPr lang="en-US" sz="2400" b="1" kern="1200" dirty="0">
+                <a:solidFill>
+                  <a:schemeClr val="bg1"/>
+                </a:solidFill>
+                <a:latin typeface="+mj-lt"/>
+                <a:ea typeface="+mj-ea"/>
+                <a:cs typeface="+mj-cs"/>
+              </a:rPr>
+              <a:t>Restaurant Location Map</a:t>
+            </a:r>
+            <a:br>
+              <a:rPr lang="en-US" sz="2200" kern="1200" dirty="0">
+                <a:solidFill>
+                  <a:schemeClr val="bg1"/>
+                </a:solidFill>
+                <a:latin typeface="+mj-lt"/>
+                <a:ea typeface="+mj-ea"/>
+                <a:cs typeface="+mj-cs"/>
+              </a:rPr>
+            </a:br>
+            <a:endParaRPr lang="en-US" sz="2200" kern="1200" dirty="0">
+              <a:solidFill>
+                <a:schemeClr val="bg1"/>
+              </a:solidFill>
+              <a:latin typeface="+mj-lt"/>
+              <a:ea typeface="+mj-ea"/>
+              <a:cs typeface="+mj-cs"/>
+            </a:endParaRPr>
+          </a:p>
+        </p:txBody>
+      </p:sp>
+      <p:pic>
+        <p:nvPicPr>
+          <p:cNvPr id="5" name="Content Placeholder 4" descr="A picture containing text, map&#10;&#10;Description automatically generated">
+            <a:extLst>
+              <a:ext uri="{FF2B5EF4-FFF2-40B4-BE49-F238E27FC236}">
+                <a16:creationId xmlns:a16="http://schemas.microsoft.com/office/drawing/2014/main" id="{57E27A5D-5086-4955-9E4E-4D38AF9CB254}"/>
+              </a:ext>
+            </a:extLst>
+          </p:cNvPr>
+          <p:cNvPicPr>
+            <a:picLocks noGrp="1" noChangeAspect="1"/>
+          </p:cNvPicPr>
+          <p:nvPr>
+            <p:ph idx="1"/>
+          </p:nvPr>
+        </p:nvPicPr>
+        <p:blipFill>
+          <a:blip r:embed="rId2">
+            <a:extLst>
+              <a:ext uri="{28A0092B-C50C-407E-A947-70E740481C1C}">
+                <a14:useLocalDpi xmlns:a14="http://schemas.microsoft.com/office/drawing/2010/main" val="0"/>
+              </a:ext>
+            </a:extLst>
+          </a:blip>
+          <a:stretch>
+            <a:fillRect/>
+          </a:stretch>
+        </p:blipFill>
+        <p:spPr>
+          <a:xfrm>
+            <a:off x="2434166" y="1675227"/>
+            <a:ext cx="7323667" cy="4394199"/>
+          </a:xfrm>
+          <a:prstGeom prst="rect">
+            <a:avLst/>
+          </a:prstGeom>
+        </p:spPr>
+      </p:pic>
+    </p:spTree>
+    <p:extLst>
+      <p:ext uri="{BB962C8B-B14F-4D97-AF65-F5344CB8AC3E}">
+        <p14:creationId xmlns:p14="http://schemas.microsoft.com/office/powerpoint/2010/main" val="3207365631"/>
+      </p:ext>
+    </p:extLst>
+  </p:cSld>
+  <p:clrMapOvr>
+    <a:masterClrMapping/>
+  </p:clrMapOvr>
+</p:sld>
+</file>
+
+<file path=ppt/slides/slide19.xml><?xml version="1.0" encoding="utf-8"?>
+<p:sld xmlns:a="http://schemas.openxmlformats.org/drawingml/2006/main" xmlns:r="http://schemas.openxmlformats.org/officeDocument/2006/relationships" xmlns:p="http://schemas.openxmlformats.org/presentationml/2006/main">
+  <p:cSld>
+    <p:spTree>
+      <p:nvGrpSpPr>
+        <p:cNvPr id="1" name=""/>
+        <p:cNvGrpSpPr/>
+        <p:nvPr/>
+      </p:nvGrpSpPr>
+      <p:grpSpPr>
+        <a:xfrm>
+          <a:off x="0" y="0"/>
+          <a:ext cx="0" cy="0"/>
+          <a:chOff x="0" y="0"/>
+          <a:chExt cx="0" cy="0"/>
+        </a:xfrm>
+      </p:grpSpPr>
+      <p:sp>
+        <p:nvSpPr>
+          <p:cNvPr id="10" name="Rectangle 9">
+            <a:extLst>
+              <a:ext uri="{FF2B5EF4-FFF2-40B4-BE49-F238E27FC236}">
+                <a16:creationId xmlns:a16="http://schemas.microsoft.com/office/drawing/2014/main" id="{A4AC5506-6312-4701-8D3C-40187889A947}"/>
+              </a:ext>
+              <a:ext uri="{C183D7F6-B498-43B3-948B-1728B52AA6E4}">
+                <adec:decorative xmlns:adec="http://schemas.microsoft.com/office/drawing/2017/decorative" val="1"/>
+              </a:ext>
+            </a:extLst>
+          </p:cNvPr>
+          <p:cNvSpPr>
+            <a:spLocks noGrp="1" noRot="1" noChangeAspect="1" noMove="1" noResize="1" noEditPoints="1" noAdjustHandles="1" noChangeArrowheads="1" noChangeShapeType="1" noTextEdit="1"/>
+          </p:cNvSpPr>
+          <p:nvPr>
+            <p:extLst>
+              <p:ext uri="{386F3935-93C4-4BCD-93E2-E3B085C9AB24}">
+                <p16:designElem xmlns:p16="http://schemas.microsoft.com/office/powerpoint/2015/main" val="1"/>
+              </p:ext>
+            </p:extLst>
+          </p:nvPr>
+        </p:nvSpPr>
+        <p:spPr>
+          <a:xfrm>
+            <a:off x="0" y="651752"/>
+            <a:ext cx="12192000" cy="736551"/>
+          </a:xfrm>
+          <a:prstGeom prst="rect">
+            <a:avLst/>
+          </a:prstGeom>
+          <a:solidFill>
+            <a:schemeClr val="tx1"/>
+          </a:solidFill>
+          <a:ln>
+            <a:noFill/>
+          </a:ln>
+        </p:spPr>
+        <p:style>
+          <a:lnRef idx="2">
+            <a:schemeClr val="accent1">
+              <a:shade val="50000"/>
+            </a:schemeClr>
+          </a:lnRef>
+          <a:fillRef idx="1">
+            <a:schemeClr val="accent1"/>
+          </a:fillRef>
+          <a:effectRef idx="0">
+            <a:schemeClr val="accent1"/>
+          </a:effectRef>
+          <a:fontRef idx="minor">
+            <a:schemeClr val="lt1"/>
+          </a:fontRef>
+        </p:style>
+        <p:txBody>
+          <a:bodyPr rtlCol="0" anchor="ctr"/>
+          <a:lstStyle/>
+          <a:p>
+            <a:pPr algn="ctr"/>
+            <a:endParaRPr lang="en-US"/>
+          </a:p>
+        </p:txBody>
+      </p:sp>
+      <p:sp>
+        <p:nvSpPr>
+          <p:cNvPr id="2" name="Title 1">
+            <a:extLst>
+              <a:ext uri="{FF2B5EF4-FFF2-40B4-BE49-F238E27FC236}">
+                <a16:creationId xmlns:a16="http://schemas.microsoft.com/office/drawing/2014/main" id="{21A7756E-7C80-48AB-89AB-BF520B840842}"/>
+              </a:ext>
+            </a:extLst>
+          </p:cNvPr>
+          <p:cNvSpPr>
+            <a:spLocks noGrp="1"/>
+          </p:cNvSpPr>
+          <p:nvPr>
+            <p:ph type="title"/>
+          </p:nvPr>
+        </p:nvSpPr>
+        <p:spPr>
+          <a:xfrm>
+            <a:off x="556532" y="643467"/>
+            <a:ext cx="11210925" cy="744836"/>
+          </a:xfrm>
+        </p:spPr>
+        <p:txBody>
+          <a:bodyPr vert="horz" lIns="91440" tIns="45720" rIns="91440" bIns="45720" rtlCol="0" anchor="ctr">
+            <a:normAutofit fontScale="90000"/>
+          </a:bodyPr>
+          <a:lstStyle/>
+          <a:p>
+            <a:pPr algn="ctr"/>
+            <a:br>
+              <a:rPr lang="en-US" sz="2000" b="1" dirty="0">
+                <a:solidFill>
+                  <a:schemeClr val="bg1"/>
+                </a:solidFill>
+              </a:rPr>
+            </a:br>
+            <a:r>
+              <a:rPr lang="en-US" sz="2400" b="1" dirty="0">
+                <a:solidFill>
+                  <a:schemeClr val="bg1"/>
+                </a:solidFill>
+              </a:rPr>
+              <a:t>Restaurant Heat Map</a:t>
+            </a:r>
+            <a:br>
+              <a:rPr lang="en-US" sz="2200" kern="1200" dirty="0">
+                <a:solidFill>
+                  <a:schemeClr val="bg1"/>
+                </a:solidFill>
+                <a:latin typeface="+mj-lt"/>
+                <a:ea typeface="+mj-ea"/>
+                <a:cs typeface="+mj-cs"/>
+              </a:rPr>
+            </a:br>
+            <a:endParaRPr lang="en-US" sz="2200" kern="1200" dirty="0">
+              <a:solidFill>
+                <a:schemeClr val="bg1"/>
+              </a:solidFill>
+              <a:latin typeface="+mj-lt"/>
+              <a:ea typeface="+mj-ea"/>
+              <a:cs typeface="+mj-cs"/>
+            </a:endParaRPr>
+          </a:p>
+        </p:txBody>
+      </p:sp>
+      <p:pic>
+        <p:nvPicPr>
+          <p:cNvPr id="5" name="Content Placeholder 4" descr="A close up of a map&#10;&#10;Description automatically generated">
+            <a:extLst>
+              <a:ext uri="{FF2B5EF4-FFF2-40B4-BE49-F238E27FC236}">
+                <a16:creationId xmlns:a16="http://schemas.microsoft.com/office/drawing/2014/main" id="{800C8638-0367-40A3-B080-409E497774C2}"/>
+              </a:ext>
+            </a:extLst>
+          </p:cNvPr>
+          <p:cNvPicPr>
+            <a:picLocks noGrp="1" noChangeAspect="1"/>
+          </p:cNvPicPr>
+          <p:nvPr>
+            <p:ph idx="1"/>
+          </p:nvPr>
+        </p:nvPicPr>
+        <p:blipFill>
+          <a:blip r:embed="rId2">
+            <a:extLst>
+              <a:ext uri="{28A0092B-C50C-407E-A947-70E740481C1C}">
+                <a14:useLocalDpi xmlns:a14="http://schemas.microsoft.com/office/drawing/2010/main" val="0"/>
+              </a:ext>
+            </a:extLst>
+          </a:blip>
+          <a:stretch>
+            <a:fillRect/>
+          </a:stretch>
+        </p:blipFill>
+        <p:spPr>
+          <a:xfrm>
+            <a:off x="2449362" y="1675227"/>
+            <a:ext cx="7293275" cy="4394199"/>
+          </a:xfrm>
+          <a:prstGeom prst="rect">
+            <a:avLst/>
+          </a:prstGeom>
+        </p:spPr>
+      </p:pic>
+    </p:spTree>
+    <p:extLst>
+      <p:ext uri="{BB962C8B-B14F-4D97-AF65-F5344CB8AC3E}">
+        <p14:creationId xmlns:p14="http://schemas.microsoft.com/office/powerpoint/2010/main" val="1521248128"/>
       </p:ext>
     </p:extLst>
   </p:cSld>
@@ -4220,7 +7338,7 @@
           <p:cNvPr id="2" name="Title 1">
             <a:extLst>
               <a:ext uri="{FF2B5EF4-FFF2-40B4-BE49-F238E27FC236}">
-                <a16:creationId xmlns:a16="http://schemas.microsoft.com/office/drawing/2014/main" id="{21A7756E-7C80-48AB-89AB-BF520B840842}"/>
+                <a16:creationId xmlns:a16="http://schemas.microsoft.com/office/drawing/2014/main" id="{5D854DE2-497C-4D69-B0A7-0B1EED460B4D}"/>
               </a:ext>
             </a:extLst>
           </p:cNvPr>
@@ -4231,71 +7349,305 @@
             <p:ph type="title"/>
           </p:nvPr>
         </p:nvSpPr>
-        <p:spPr/>
+        <p:spPr>
+          <a:xfrm>
+            <a:off x="838200" y="18255"/>
+            <a:ext cx="10515600" cy="1325563"/>
+          </a:xfrm>
+        </p:spPr>
         <p:txBody>
           <a:bodyPr/>
           <a:lstStyle/>
           <a:p>
             <a:r>
+              <a:rPr lang="en-US" b="1" dirty="0"/>
+              <a:t>Agenda</a:t>
+            </a:r>
+          </a:p>
+        </p:txBody>
+      </p:sp>
+      <p:sp>
+        <p:nvSpPr>
+          <p:cNvPr id="3" name="Content Placeholder 2">
+            <a:extLst>
+              <a:ext uri="{FF2B5EF4-FFF2-40B4-BE49-F238E27FC236}">
+                <a16:creationId xmlns:a16="http://schemas.microsoft.com/office/drawing/2014/main" id="{5BE60D0E-72D0-4394-97E4-3ECB813C7037}"/>
+              </a:ext>
+            </a:extLst>
+          </p:cNvPr>
+          <p:cNvSpPr>
+            <a:spLocks noGrp="1"/>
+          </p:cNvSpPr>
+          <p:nvPr>
+            <p:ph idx="1"/>
+          </p:nvPr>
+        </p:nvSpPr>
+        <p:spPr>
+          <a:xfrm>
+            <a:off x="838200" y="1330036"/>
+            <a:ext cx="10515600" cy="4846927"/>
+          </a:xfrm>
+        </p:spPr>
+        <p:txBody>
+          <a:bodyPr>
+            <a:normAutofit lnSpcReduction="10000"/>
+          </a:bodyPr>
+          <a:lstStyle/>
+          <a:p>
+            <a:r>
               <a:rPr lang="en-US" dirty="0"/>
-              <a:t>Project Introduction</a:t>
-            </a:r>
-          </a:p>
-        </p:txBody>
-      </p:sp>
-      <p:sp>
-        <p:nvSpPr>
-          <p:cNvPr id="3" name="Content Placeholder 2">
-            <a:extLst>
-              <a:ext uri="{FF2B5EF4-FFF2-40B4-BE49-F238E27FC236}">
-                <a16:creationId xmlns:a16="http://schemas.microsoft.com/office/drawing/2014/main" id="{D8776D23-33ED-4A20-94C0-0DE05B6D7AFD}"/>
-              </a:ext>
-            </a:extLst>
-          </p:cNvPr>
-          <p:cNvSpPr>
-            <a:spLocks noGrp="1"/>
-          </p:cNvSpPr>
-          <p:nvPr>
-            <p:ph idx="1"/>
-          </p:nvPr>
-        </p:nvSpPr>
-        <p:spPr/>
-        <p:txBody>
-          <a:bodyPr/>
-          <a:lstStyle/>
+              <a:t>Purpose </a:t>
+            </a:r>
+          </a:p>
           <a:p>
             <a:r>
               <a:rPr lang="en-US" dirty="0"/>
-              <a:t>Uncover patterns in parking activity around the city of Los Angeles.</a:t>
-            </a:r>
-          </a:p>
-          <a:p>
-            <a:endParaRPr lang="en-US" dirty="0"/>
+              <a:t>Methodology </a:t>
+            </a:r>
           </a:p>
           <a:p>
             <a:r>
               <a:rPr lang="en-US" dirty="0"/>
-              <a:t>Examine a relationship between the makes of vehicles and number of parking citations. </a:t>
-            </a:r>
-          </a:p>
-          <a:p>
-            <a:endParaRPr lang="en-US" dirty="0"/>
+              <a:t>Resources</a:t>
+            </a:r>
           </a:p>
           <a:p>
             <a:r>
               <a:rPr lang="en-US" dirty="0"/>
-              <a:t>Second purpose was to examine a relationship between the colors of vehicles and parking citations. </a:t>
-            </a:r>
-          </a:p>
-          <a:p>
-            <a:endParaRPr lang="en-US" dirty="0"/>
+              <a:t>Hypotheses</a:t>
+            </a:r>
+          </a:p>
+          <a:p>
+            <a:r>
+              <a:rPr lang="en-US" dirty="0"/>
+              <a:t>Data</a:t>
+            </a:r>
+          </a:p>
+          <a:p>
+            <a:r>
+              <a:rPr lang="en-US" dirty="0"/>
+              <a:t>Data clearing </a:t>
+            </a:r>
+          </a:p>
+          <a:p>
+            <a:r>
+              <a:rPr lang="en-US" dirty="0"/>
+              <a:t>Random sampling </a:t>
+            </a:r>
+          </a:p>
+          <a:p>
+            <a:r>
+              <a:rPr lang="en-US" dirty="0"/>
+              <a:t>Grouping</a:t>
+            </a:r>
+          </a:p>
+          <a:p>
+            <a:r>
+              <a:rPr lang="en-US" dirty="0"/>
+              <a:t>Results </a:t>
+            </a:r>
+          </a:p>
+          <a:p>
+            <a:r>
+              <a:rPr lang="en-US" dirty="0"/>
+              <a:t>Conclusion </a:t>
+            </a:r>
           </a:p>
         </p:txBody>
       </p:sp>
     </p:spTree>
     <p:extLst>
       <p:ext uri="{BB962C8B-B14F-4D97-AF65-F5344CB8AC3E}">
-        <p14:creationId xmlns:p14="http://schemas.microsoft.com/office/powerpoint/2010/main" val="1221915271"/>
+        <p14:creationId xmlns:p14="http://schemas.microsoft.com/office/powerpoint/2010/main" val="1747568708"/>
+      </p:ext>
+    </p:extLst>
+  </p:cSld>
+  <p:clrMapOvr>
+    <a:masterClrMapping/>
+  </p:clrMapOvr>
+</p:sld>
+</file>
+
+<file path=ppt/slides/slide20.xml><?xml version="1.0" encoding="utf-8"?>
+<p:sld xmlns:a="http://schemas.openxmlformats.org/drawingml/2006/main" xmlns:r="http://schemas.openxmlformats.org/officeDocument/2006/relationships" xmlns:p="http://schemas.openxmlformats.org/presentationml/2006/main">
+  <p:cSld>
+    <p:spTree>
+      <p:nvGrpSpPr>
+        <p:cNvPr id="1" name=""/>
+        <p:cNvGrpSpPr/>
+        <p:nvPr/>
+      </p:nvGrpSpPr>
+      <p:grpSpPr>
+        <a:xfrm>
+          <a:off x="0" y="0"/>
+          <a:ext cx="0" cy="0"/>
+          <a:chOff x="0" y="0"/>
+          <a:chExt cx="0" cy="0"/>
+        </a:xfrm>
+      </p:grpSpPr>
+      <p:sp>
+        <p:nvSpPr>
+          <p:cNvPr id="2" name="Title 1">
+            <a:extLst>
+              <a:ext uri="{FF2B5EF4-FFF2-40B4-BE49-F238E27FC236}">
+                <a16:creationId xmlns:a16="http://schemas.microsoft.com/office/drawing/2014/main" id="{21A7756E-7C80-48AB-89AB-BF520B840842}"/>
+              </a:ext>
+            </a:extLst>
+          </p:cNvPr>
+          <p:cNvSpPr>
+            <a:spLocks noGrp="1"/>
+          </p:cNvSpPr>
+          <p:nvPr>
+            <p:ph type="title"/>
+          </p:nvPr>
+        </p:nvSpPr>
+        <p:spPr/>
+        <p:txBody>
+          <a:bodyPr/>
+          <a:lstStyle/>
+          <a:p>
+            <a:r>
+              <a:rPr lang="en-US" b="1" dirty="0"/>
+              <a:t>Conclusions:</a:t>
+            </a:r>
+            <a:br>
+              <a:rPr lang="en-US" dirty="0"/>
+            </a:br>
+            <a:endParaRPr lang="en-US" dirty="0"/>
+          </a:p>
+        </p:txBody>
+      </p:sp>
+      <p:sp>
+        <p:nvSpPr>
+          <p:cNvPr id="3" name="Content Placeholder 2">
+            <a:extLst>
+              <a:ext uri="{FF2B5EF4-FFF2-40B4-BE49-F238E27FC236}">
+                <a16:creationId xmlns:a16="http://schemas.microsoft.com/office/drawing/2014/main" id="{D8776D23-33ED-4A20-94C0-0DE05B6D7AFD}"/>
+              </a:ext>
+            </a:extLst>
+          </p:cNvPr>
+          <p:cNvSpPr>
+            <a:spLocks noGrp="1"/>
+          </p:cNvSpPr>
+          <p:nvPr>
+            <p:ph idx="1"/>
+          </p:nvPr>
+        </p:nvSpPr>
+        <p:spPr/>
+        <p:txBody>
+          <a:bodyPr/>
+          <a:lstStyle/>
+          <a:p>
+            <a:r>
+              <a:rPr lang="en-US" dirty="0"/>
+              <a:t>The top five vehicles who receive the highest citations are Toyota, Honda, Ford, and Nissan among the 25 different models of vehicles</a:t>
+            </a:r>
+          </a:p>
+          <a:p>
+            <a:r>
+              <a:rPr lang="en-US" dirty="0"/>
+              <a:t>White and black vehicles received the highest citations compared to gray, silver, red, and green vehicles. </a:t>
+            </a:r>
+          </a:p>
+          <a:p>
+            <a:r>
+              <a:rPr lang="en-US" dirty="0"/>
+              <a:t>There is no significant relationships or association between makes of cars and the number of citations received within different samples.   </a:t>
+            </a:r>
+          </a:p>
+        </p:txBody>
+      </p:sp>
+    </p:spTree>
+    <p:extLst>
+      <p:ext uri="{BB962C8B-B14F-4D97-AF65-F5344CB8AC3E}">
+        <p14:creationId xmlns:p14="http://schemas.microsoft.com/office/powerpoint/2010/main" val="2971144781"/>
+      </p:ext>
+    </p:extLst>
+  </p:cSld>
+  <p:clrMapOvr>
+    <a:masterClrMapping/>
+  </p:clrMapOvr>
+</p:sld>
+</file>
+
+<file path=ppt/slides/slide21.xml><?xml version="1.0" encoding="utf-8"?>
+<p:sld xmlns:a="http://schemas.openxmlformats.org/drawingml/2006/main" xmlns:r="http://schemas.openxmlformats.org/officeDocument/2006/relationships" xmlns:p="http://schemas.openxmlformats.org/presentationml/2006/main">
+  <p:cSld>
+    <p:spTree>
+      <p:nvGrpSpPr>
+        <p:cNvPr id="1" name=""/>
+        <p:cNvGrpSpPr/>
+        <p:nvPr/>
+      </p:nvGrpSpPr>
+      <p:grpSpPr>
+        <a:xfrm>
+          <a:off x="0" y="0"/>
+          <a:ext cx="0" cy="0"/>
+          <a:chOff x="0" y="0"/>
+          <a:chExt cx="0" cy="0"/>
+        </a:xfrm>
+      </p:grpSpPr>
+      <p:sp>
+        <p:nvSpPr>
+          <p:cNvPr id="2" name="Title 1">
+            <a:extLst>
+              <a:ext uri="{FF2B5EF4-FFF2-40B4-BE49-F238E27FC236}">
+                <a16:creationId xmlns:a16="http://schemas.microsoft.com/office/drawing/2014/main" id="{21A7756E-7C80-48AB-89AB-BF520B840842}"/>
+              </a:ext>
+            </a:extLst>
+          </p:cNvPr>
+          <p:cNvSpPr>
+            <a:spLocks noGrp="1"/>
+          </p:cNvSpPr>
+          <p:nvPr>
+            <p:ph type="title"/>
+          </p:nvPr>
+        </p:nvSpPr>
+        <p:spPr/>
+        <p:txBody>
+          <a:bodyPr/>
+          <a:lstStyle/>
+          <a:p>
+            <a:r>
+              <a:rPr lang="en-US" b="1" dirty="0"/>
+              <a:t>Recommendations:</a:t>
+            </a:r>
+            <a:br>
+              <a:rPr lang="en-US" dirty="0"/>
+            </a:br>
+            <a:endParaRPr lang="en-US" dirty="0"/>
+          </a:p>
+        </p:txBody>
+      </p:sp>
+      <p:sp>
+        <p:nvSpPr>
+          <p:cNvPr id="3" name="Content Placeholder 2">
+            <a:extLst>
+              <a:ext uri="{FF2B5EF4-FFF2-40B4-BE49-F238E27FC236}">
+                <a16:creationId xmlns:a16="http://schemas.microsoft.com/office/drawing/2014/main" id="{D8776D23-33ED-4A20-94C0-0DE05B6D7AFD}"/>
+              </a:ext>
+            </a:extLst>
+          </p:cNvPr>
+          <p:cNvSpPr>
+            <a:spLocks noGrp="1"/>
+          </p:cNvSpPr>
+          <p:nvPr>
+            <p:ph idx="1"/>
+          </p:nvPr>
+        </p:nvSpPr>
+        <p:spPr/>
+        <p:txBody>
+          <a:bodyPr/>
+          <a:lstStyle/>
+          <a:p>
+            <a:endParaRPr lang="en-US" dirty="0"/>
+          </a:p>
+        </p:txBody>
+      </p:sp>
+    </p:spTree>
+    <p:extLst>
+      <p:ext uri="{BB962C8B-B14F-4D97-AF65-F5344CB8AC3E}">
+        <p14:creationId xmlns:p14="http://schemas.microsoft.com/office/powerpoint/2010/main" val="604073216"/>
       </p:ext>
     </p:extLst>
   </p:cSld>
@@ -4338,93 +7690,81 @@
             <p:ph type="title"/>
           </p:nvPr>
         </p:nvSpPr>
-        <p:spPr/>
+        <p:spPr>
+          <a:xfrm>
+            <a:off x="838200" y="365126"/>
+            <a:ext cx="10515600" cy="1232766"/>
+          </a:xfrm>
+        </p:spPr>
         <p:txBody>
           <a:bodyPr/>
           <a:lstStyle/>
           <a:p>
             <a:r>
               <a:rPr lang="en-US" b="1" dirty="0"/>
-              <a:t>Data and Technology Used:</a:t>
-            </a:r>
-            <a:br>
+              <a:t>Purposes</a:t>
+            </a:r>
+          </a:p>
+        </p:txBody>
+      </p:sp>
+      <p:sp>
+        <p:nvSpPr>
+          <p:cNvPr id="3" name="Content Placeholder 2">
+            <a:extLst>
+              <a:ext uri="{FF2B5EF4-FFF2-40B4-BE49-F238E27FC236}">
+                <a16:creationId xmlns:a16="http://schemas.microsoft.com/office/drawing/2014/main" id="{D8776D23-33ED-4A20-94C0-0DE05B6D7AFD}"/>
+              </a:ext>
+            </a:extLst>
+          </p:cNvPr>
+          <p:cNvSpPr>
+            <a:spLocks noGrp="1"/>
+          </p:cNvSpPr>
+          <p:nvPr>
+            <p:ph idx="1"/>
+          </p:nvPr>
+        </p:nvSpPr>
+        <p:spPr/>
+        <p:txBody>
+          <a:bodyPr>
+            <a:normAutofit/>
+          </a:bodyPr>
+          <a:lstStyle/>
+          <a:p>
+            <a:r>
               <a:rPr lang="en-US" dirty="0"/>
-            </a:br>
+              <a:t>Uncover patterns citation patterns around the city of Los Angeles.</a:t>
+            </a:r>
+          </a:p>
+          <a:p>
             <a:endParaRPr lang="en-US" dirty="0"/>
           </a:p>
-        </p:txBody>
-      </p:sp>
-      <p:sp>
-        <p:nvSpPr>
-          <p:cNvPr id="3" name="Content Placeholder 2">
-            <a:extLst>
-              <a:ext uri="{FF2B5EF4-FFF2-40B4-BE49-F238E27FC236}">
-                <a16:creationId xmlns:a16="http://schemas.microsoft.com/office/drawing/2014/main" id="{D8776D23-33ED-4A20-94C0-0DE05B6D7AFD}"/>
-              </a:ext>
-            </a:extLst>
-          </p:cNvPr>
-          <p:cNvSpPr>
-            <a:spLocks noGrp="1"/>
-          </p:cNvSpPr>
-          <p:nvPr>
-            <p:ph idx="1"/>
-          </p:nvPr>
-        </p:nvSpPr>
-        <p:spPr/>
-        <p:txBody>
-          <a:bodyPr/>
-          <a:lstStyle/>
-          <a:p>
-            <a:pPr lvl="0"/>
+          <a:p>
             <a:r>
               <a:rPr lang="en-US" dirty="0"/>
-              <a:t>Sample dataset from the City of Los Angeles from May - July 2018</a:t>
-            </a:r>
-          </a:p>
-          <a:p>
-            <a:pPr lvl="0"/>
+              <a:t>Explore the relationship between the makes of vehicles and number of parking citations. </a:t>
+            </a:r>
+          </a:p>
+          <a:p>
+            <a:endParaRPr lang="en-US" dirty="0"/>
+          </a:p>
+          <a:p>
             <a:r>
               <a:rPr lang="en-US" dirty="0"/>
-              <a:t>Los Angeles DMV vehicle count data. </a:t>
-            </a:r>
-          </a:p>
-          <a:p>
-            <a:pPr lvl="0"/>
+              <a:t>Explore the a relationship between the colors of vehicles and parking citations. </a:t>
+            </a:r>
+          </a:p>
+          <a:p>
             <a:r>
               <a:rPr lang="en-US" dirty="0"/>
-              <a:t>API call to Google places.</a:t>
-            </a:r>
-          </a:p>
-          <a:p>
-            <a:pPr lvl="0"/>
-            <a:r>
-              <a:rPr lang="en-US" dirty="0"/>
-              <a:t>Folium Mapping.</a:t>
-            </a:r>
-          </a:p>
-          <a:p>
-            <a:pPr lvl="0"/>
-            <a:r>
-              <a:rPr lang="en-US" dirty="0"/>
-              <a:t>Jupiter notebook.</a:t>
-            </a:r>
-          </a:p>
-          <a:p>
-            <a:pPr lvl="0"/>
-            <a:r>
-              <a:rPr lang="en-US" dirty="0"/>
-              <a:t>Git Hub.</a:t>
-            </a:r>
-          </a:p>
-          <a:p>
-            <a:endParaRPr lang="en-US" dirty="0"/>
+              <a:t>Explore if sample means of the vehicle citations belong to the same population.  </a:t>
+            </a:r>
           </a:p>
         </p:txBody>
       </p:sp>
     </p:spTree>
     <p:extLst>
       <p:ext uri="{BB962C8B-B14F-4D97-AF65-F5344CB8AC3E}">
-        <p14:creationId xmlns:p14="http://schemas.microsoft.com/office/powerpoint/2010/main" val="1286182486"/>
+        <p14:creationId xmlns:p14="http://schemas.microsoft.com/office/powerpoint/2010/main" val="1221915271"/>
       </p:ext>
     </p:extLst>
   </p:cSld>
@@ -4474,8 +7814,11 @@
           <a:p>
             <a:r>
               <a:rPr lang="en-US" b="1" dirty="0"/>
-              <a:t>List of dependencies used </a:t>
-            </a:r>
+              <a:t>Methodology:</a:t>
+            </a:r>
+            <a:br>
+              <a:rPr lang="en-US" dirty="0"/>
+            </a:br>
             <a:endParaRPr lang="en-US" dirty="0"/>
           </a:p>
         </p:txBody>
@@ -4501,14 +7844,44 @@
           <a:bodyPr/>
           <a:lstStyle/>
           <a:p>
-            <a:endParaRPr lang="en-US"/>
+            <a:pPr>
+              <a:lnSpc>
+                <a:spcPct val="200000"/>
+              </a:lnSpc>
+            </a:pPr>
+            <a:r>
+              <a:rPr lang="en-US" dirty="0"/>
+              <a:t>Bar charts to compare makes and colors to citations.</a:t>
+            </a:r>
+          </a:p>
+          <a:p>
+            <a:pPr>
+              <a:lnSpc>
+                <a:spcPct val="200000"/>
+              </a:lnSpc>
+            </a:pPr>
+            <a:r>
+              <a:rPr lang="en-US" dirty="0"/>
+              <a:t>Heat map to show locations where citations occurred.</a:t>
+            </a:r>
+          </a:p>
+          <a:p>
+            <a:pPr>
+              <a:lnSpc>
+                <a:spcPct val="200000"/>
+              </a:lnSpc>
+            </a:pPr>
+            <a:r>
+              <a:rPr lang="en-US" dirty="0"/>
+              <a:t>Chi-Square  test of independence between means of two samples of the population </a:t>
+            </a:r>
           </a:p>
         </p:txBody>
       </p:sp>
     </p:spTree>
     <p:extLst>
       <p:ext uri="{BB962C8B-B14F-4D97-AF65-F5344CB8AC3E}">
-        <p14:creationId xmlns:p14="http://schemas.microsoft.com/office/powerpoint/2010/main" val="2236212830"/>
+        <p14:creationId xmlns:p14="http://schemas.microsoft.com/office/powerpoint/2010/main" val="2009415142"/>
       </p:ext>
     </p:extLst>
   </p:cSld>
@@ -4558,11 +7931,8 @@
           <a:p>
             <a:r>
               <a:rPr lang="en-US" b="1" dirty="0"/>
-              <a:t>API Calls</a:t>
-            </a:r>
-            <a:br>
-              <a:rPr lang="en-US" dirty="0"/>
-            </a:br>
+              <a:t>Resources</a:t>
+            </a:r>
             <a:endParaRPr lang="en-US" dirty="0"/>
           </a:p>
         </p:txBody>
@@ -4590,52 +7960,30 @@
           <a:p>
             <a:pPr lvl="0"/>
             <a:r>
-              <a:rPr lang="en-US" u="sng" dirty="0">
-                <a:hlinkClick r:id="rId2"/>
-              </a:rPr>
-              <a:t>City of Las Angels</a:t>
-            </a:r>
-            <a:endParaRPr lang="en-US" dirty="0"/>
+              <a:rPr lang="en-US" dirty="0"/>
+              <a:t>Sample dataset from the City of Los Angeles from May - July 2018</a:t>
+            </a:r>
           </a:p>
           <a:p>
             <a:pPr lvl="0"/>
             <a:r>
-              <a:rPr lang="en-US" u="sng" dirty="0" err="1">
-                <a:hlinkClick r:id="rId3"/>
-              </a:rPr>
-              <a:t>gmaps</a:t>
-            </a:r>
-            <a:endParaRPr lang="en-US" dirty="0"/>
+              <a:rPr lang="en-US" dirty="0"/>
+              <a:t>Folium Mapping.</a:t>
+            </a:r>
           </a:p>
           <a:p>
             <a:pPr lvl="0"/>
             <a:r>
-              <a:rPr lang="en-US" u="sng" dirty="0" err="1">
-                <a:hlinkClick r:id="rId4"/>
-              </a:rPr>
-              <a:t>Citipy</a:t>
-            </a:r>
-            <a:endParaRPr lang="en-US" dirty="0"/>
+              <a:rPr lang="en-US" dirty="0"/>
+              <a:t>Jupiter notebook.</a:t>
+            </a:r>
           </a:p>
           <a:p>
             <a:pPr lvl="0"/>
             <a:r>
-              <a:rPr lang="en-US" u="sng" dirty="0">
-                <a:hlinkClick r:id="rId5"/>
-              </a:rPr>
-              <a:t>Google API</a:t>
-            </a:r>
-            <a:endParaRPr lang="en-US" dirty="0"/>
-          </a:p>
-          <a:p>
-            <a:pPr lvl="0"/>
-            <a:r>
-              <a:rPr lang="en-US" u="sng" dirty="0">
-                <a:hlinkClick r:id="rId6"/>
-              </a:rPr>
-              <a:t>Folium Mapping</a:t>
-            </a:r>
-            <a:endParaRPr lang="en-US" dirty="0"/>
+              <a:rPr lang="en-US" dirty="0"/>
+              <a:t>Git Hub.</a:t>
+            </a:r>
           </a:p>
           <a:p>
             <a:endParaRPr lang="en-US" dirty="0"/>
@@ -4645,7 +7993,7 @@
     </p:spTree>
     <p:extLst>
       <p:ext uri="{BB962C8B-B14F-4D97-AF65-F5344CB8AC3E}">
-        <p14:creationId xmlns:p14="http://schemas.microsoft.com/office/powerpoint/2010/main" val="2331849405"/>
+        <p14:creationId xmlns:p14="http://schemas.microsoft.com/office/powerpoint/2010/main" val="1286182486"/>
       </p:ext>
     </p:extLst>
   </p:cSld>
@@ -4688,14 +8036,21 @@
             <p:ph type="title"/>
           </p:nvPr>
         </p:nvSpPr>
-        <p:spPr/>
-        <p:txBody>
-          <a:bodyPr/>
+        <p:spPr>
+          <a:xfrm>
+            <a:off x="838200" y="365125"/>
+            <a:ext cx="10515600" cy="955675"/>
+          </a:xfrm>
+        </p:spPr>
+        <p:txBody>
+          <a:bodyPr>
+            <a:normAutofit fontScale="90000"/>
+          </a:bodyPr>
           <a:lstStyle/>
           <a:p>
             <a:r>
               <a:rPr lang="en-US" b="1" dirty="0"/>
-              <a:t>Methodology:</a:t>
+              <a:t>Hypotheses</a:t>
             </a:r>
             <a:br>
               <a:rPr lang="en-US" dirty="0"/>
@@ -4720,34 +8075,175 @@
             <p:ph idx="1"/>
           </p:nvPr>
         </p:nvSpPr>
-        <p:spPr/>
-        <p:txBody>
-          <a:bodyPr/>
+        <p:spPr>
+          <a:xfrm>
+            <a:off x="838200" y="1163782"/>
+            <a:ext cx="10515600" cy="5013181"/>
+          </a:xfrm>
+        </p:spPr>
+        <p:txBody>
+          <a:bodyPr>
+            <a:normAutofit fontScale="77500" lnSpcReduction="20000"/>
+          </a:bodyPr>
           <a:lstStyle/>
           <a:p>
+            <a:pPr lvl="0"/>
             <a:r>
               <a:rPr lang="en-US" dirty="0"/>
-              <a:t>Bar charts to compare makes and colors to citations.</a:t>
-            </a:r>
-          </a:p>
-          <a:p>
+              <a:t>Q1. What is the relationship between the make of vehicle and the number of citations received in the City of Los Angeles between May – July 2018?</a:t>
+            </a:r>
+          </a:p>
+          <a:p>
+            <a:pPr marL="0" lvl="0" indent="0">
+              <a:buNone/>
+            </a:pPr>
+            <a:endParaRPr lang="en-US" dirty="0"/>
+          </a:p>
+          <a:p>
+            <a:pPr lvl="1"/>
             <a:r>
               <a:rPr lang="en-US" dirty="0"/>
-              <a:t>Heat map to show locations where citations occurred.</a:t>
-            </a:r>
-          </a:p>
-          <a:p>
+              <a:t>H</a:t>
+            </a:r>
+            <a:r>
+              <a:rPr lang="en-US" baseline="-25000" dirty="0"/>
+              <a:t>o</a:t>
+            </a:r>
             <a:r>
               <a:rPr lang="en-US" dirty="0"/>
-              <a:t>Chi-Square test to check if a relationship exists between the two samples</a:t>
-            </a:r>
+              <a:t>: there is no significant relationship between the make of vehicles and the number of citations.</a:t>
+            </a:r>
+          </a:p>
+          <a:p>
+            <a:pPr lvl="1"/>
+            <a:r>
+              <a:rPr lang="en-US" dirty="0"/>
+              <a:t>H</a:t>
+            </a:r>
+            <a:r>
+              <a:rPr lang="en-US" baseline="-25000" dirty="0"/>
+              <a:t>a</a:t>
+            </a:r>
+            <a:r>
+              <a:rPr lang="en-US" dirty="0"/>
+              <a:t>: there is a significant relationship between the make of vehicles and the number of citations</a:t>
+            </a:r>
+          </a:p>
+          <a:p>
+            <a:pPr lvl="1"/>
+            <a:endParaRPr lang="en-US" dirty="0"/>
+          </a:p>
+          <a:p>
+            <a:r>
+              <a:rPr lang="en-US" dirty="0"/>
+              <a:t>Q2. What is the relationship between the make of vehicles and the number of citations    received in the e City of Los Angeles between May – July 2018?</a:t>
+            </a:r>
+          </a:p>
+          <a:p>
+            <a:pPr marL="457200" lvl="1" indent="0">
+              <a:buNone/>
+            </a:pPr>
+            <a:endParaRPr lang="en-US" dirty="0"/>
+          </a:p>
+          <a:p>
+            <a:pPr marL="457200" lvl="1" indent="0">
+              <a:buNone/>
+            </a:pPr>
+            <a:r>
+              <a:rPr lang="en-US" dirty="0"/>
+              <a:t>H</a:t>
+            </a:r>
+            <a:r>
+              <a:rPr lang="en-US" baseline="-25000" dirty="0"/>
+              <a:t>o</a:t>
+            </a:r>
+            <a:r>
+              <a:rPr lang="en-US" dirty="0"/>
+              <a:t>:  there is no significant relationship between color of vehicles and the number of parking  </a:t>
+            </a:r>
+          </a:p>
+          <a:p>
+            <a:pPr marL="457200" lvl="1" indent="0">
+              <a:buNone/>
+            </a:pPr>
+            <a:r>
+              <a:rPr lang="en-US" dirty="0"/>
+              <a:t>       citations.</a:t>
+            </a:r>
+          </a:p>
+          <a:p>
+            <a:pPr marL="457200" lvl="1" indent="0">
+              <a:buNone/>
+            </a:pPr>
+            <a:r>
+              <a:rPr lang="en-US" dirty="0"/>
+              <a:t>H</a:t>
+            </a:r>
+            <a:r>
+              <a:rPr lang="en-US" baseline="-25000" dirty="0"/>
+              <a:t>a</a:t>
+            </a:r>
+            <a:r>
+              <a:rPr lang="en-US" dirty="0"/>
+              <a:t>: there is a significant relationship between color of vehicles and the number of parking citations.</a:t>
+            </a:r>
+          </a:p>
+          <a:p>
+            <a:pPr marL="457200" lvl="1" indent="0">
+              <a:buNone/>
+            </a:pPr>
+            <a:endParaRPr lang="en-US" dirty="0"/>
+          </a:p>
+          <a:p>
+            <a:pPr lvl="0"/>
+            <a:r>
+              <a:rPr lang="en-US" dirty="0"/>
+              <a:t>Q3. Are the means of the citations received of two groups of vehicles different (independent)? </a:t>
+            </a:r>
+          </a:p>
+          <a:p>
+            <a:pPr marL="457200" lvl="1" indent="0">
+              <a:buNone/>
+            </a:pPr>
+            <a:r>
+              <a:rPr lang="en-US" dirty="0"/>
+              <a:t>H</a:t>
+            </a:r>
+            <a:r>
+              <a:rPr lang="en-US" baseline="-25000" dirty="0"/>
+              <a:t>o</a:t>
+            </a:r>
+            <a:r>
+              <a:rPr lang="en-US" dirty="0"/>
+              <a:t>:  there is no significant relationship between the means of the two groups. </a:t>
+            </a:r>
+          </a:p>
+          <a:p>
+            <a:pPr marL="457200" lvl="1" indent="0">
+              <a:buNone/>
+            </a:pPr>
+            <a:r>
+              <a:rPr lang="en-US" dirty="0"/>
+              <a:t>H</a:t>
+            </a:r>
+            <a:r>
+              <a:rPr lang="en-US" baseline="-25000" dirty="0"/>
+              <a:t>a</a:t>
+            </a:r>
+            <a:r>
+              <a:rPr lang="en-US" dirty="0"/>
+              <a:t>: Alternate Hypotheses: there is no significant relationship between the means of the two groups. </a:t>
+            </a:r>
+          </a:p>
+          <a:p>
+            <a:endParaRPr lang="en-US" dirty="0"/>
           </a:p>
         </p:txBody>
       </p:sp>
     </p:spTree>
     <p:extLst>
       <p:ext uri="{BB962C8B-B14F-4D97-AF65-F5344CB8AC3E}">
-        <p14:creationId xmlns:p14="http://schemas.microsoft.com/office/powerpoint/2010/main" val="3110021168"/>
+        <p14:creationId xmlns:p14="http://schemas.microsoft.com/office/powerpoint/2010/main" val="4038740288"/>
       </p:ext>
     </p:extLst>
   </p:cSld>
@@ -4797,109 +8293,46 @@
           <a:p>
             <a:r>
               <a:rPr lang="en-US" b="1" dirty="0"/>
-              <a:t>Hypothesis Testing:</a:t>
-            </a:r>
-            <a:br>
-              <a:rPr lang="en-US" dirty="0"/>
-            </a:br>
+              <a:t>Data</a:t>
+            </a:r>
             <a:endParaRPr lang="en-US" dirty="0"/>
           </a:p>
         </p:txBody>
       </p:sp>
-      <p:sp>
-        <p:nvSpPr>
-          <p:cNvPr id="3" name="Content Placeholder 2">
-            <a:extLst>
-              <a:ext uri="{FF2B5EF4-FFF2-40B4-BE49-F238E27FC236}">
-                <a16:creationId xmlns:a16="http://schemas.microsoft.com/office/drawing/2014/main" id="{D8776D23-33ED-4A20-94C0-0DE05B6D7AFD}"/>
-              </a:ext>
-            </a:extLst>
-          </p:cNvPr>
-          <p:cNvSpPr>
-            <a:spLocks noGrp="1"/>
-          </p:cNvSpPr>
-          <p:nvPr>
-            <p:ph idx="1"/>
-          </p:nvPr>
-        </p:nvSpPr>
-        <p:spPr/>
-        <p:txBody>
-          <a:bodyPr>
-            <a:normAutofit fontScale="85000" lnSpcReduction="10000"/>
-          </a:bodyPr>
-          <a:lstStyle/>
-          <a:p>
-            <a:pPr lvl="0"/>
-            <a:r>
-              <a:rPr lang="en-US" dirty="0"/>
-              <a:t>Purpose One:</a:t>
-            </a:r>
-          </a:p>
-          <a:p>
-            <a:pPr lvl="1"/>
-            <a:r>
-              <a:rPr lang="en-US" dirty="0"/>
-              <a:t>Null hypothesis: there is no significant relationship between the make of vehicles and the number of citations.</a:t>
-            </a:r>
-          </a:p>
-          <a:p>
-            <a:pPr lvl="1"/>
-            <a:r>
-              <a:rPr lang="en-US" dirty="0"/>
-              <a:t>Alternate hypothesis: there is a significant relationship between the make of vehicles and the number of citations.</a:t>
-            </a:r>
-          </a:p>
-          <a:p>
-            <a:pPr lvl="0"/>
-            <a:r>
-              <a:rPr lang="en-US" dirty="0"/>
-              <a:t>Purpose Two:</a:t>
-            </a:r>
-          </a:p>
-          <a:p>
-            <a:pPr lvl="1"/>
-            <a:r>
-              <a:rPr lang="en-US" dirty="0"/>
-              <a:t>  Null Hypotheses: there is no significant relationship between color of vehicles and the number of parking citations.</a:t>
-            </a:r>
-          </a:p>
-          <a:p>
-            <a:pPr lvl="1"/>
-            <a:r>
-              <a:rPr lang="en-US" dirty="0"/>
-              <a:t>Alternate hypothesis: there is a significant relationship between color of vehicles and the number of parking citations.</a:t>
-            </a:r>
-          </a:p>
-          <a:p>
-            <a:pPr lvl="0"/>
-            <a:r>
-              <a:rPr lang="en-US" dirty="0"/>
-              <a:t>Purpose Three</a:t>
-            </a:r>
-          </a:p>
-          <a:p>
-            <a:pPr lvl="1"/>
-            <a:r>
-              <a:rPr lang="en-US" dirty="0"/>
-              <a:t>Null Hypotheses: there is no significant relationship between the means of the two samples. </a:t>
-            </a:r>
-          </a:p>
-          <a:p>
-            <a:pPr lvl="1"/>
-            <a:r>
-              <a:rPr lang="en-US" dirty="0"/>
-              <a:t>Alternate Hypotheses: there is no significant relationship between the means of the two samples. </a:t>
-            </a:r>
-          </a:p>
-          <a:p>
-            <a:endParaRPr lang="en-US" dirty="0"/>
-          </a:p>
-        </p:txBody>
-      </p:sp>
+      <p:pic>
+        <p:nvPicPr>
+          <p:cNvPr id="5" name="Picture 4">
+            <a:extLst>
+              <a:ext uri="{FF2B5EF4-FFF2-40B4-BE49-F238E27FC236}">
+                <a16:creationId xmlns:a16="http://schemas.microsoft.com/office/drawing/2014/main" id="{7502AF47-0C7F-44F8-B490-D1D2D9CF5EDE}"/>
+              </a:ext>
+            </a:extLst>
+          </p:cNvPr>
+          <p:cNvPicPr>
+            <a:picLocks noChangeAspect="1"/>
+          </p:cNvPicPr>
+          <p:nvPr/>
+        </p:nvPicPr>
+        <p:blipFill>
+          <a:blip r:embed="rId2"/>
+          <a:stretch>
+            <a:fillRect/>
+          </a:stretch>
+        </p:blipFill>
+        <p:spPr>
+          <a:xfrm>
+            <a:off x="838200" y="1583055"/>
+            <a:ext cx="10515600" cy="4667250"/>
+          </a:xfrm>
+          <a:prstGeom prst="rect">
+            <a:avLst/>
+          </a:prstGeom>
+        </p:spPr>
+      </p:pic>
     </p:spTree>
     <p:extLst>
       <p:ext uri="{BB962C8B-B14F-4D97-AF65-F5344CB8AC3E}">
-        <p14:creationId xmlns:p14="http://schemas.microsoft.com/office/powerpoint/2010/main" val="3205275904"/>
+        <p14:creationId xmlns:p14="http://schemas.microsoft.com/office/powerpoint/2010/main" val="3867300636"/>
       </p:ext>
     </p:extLst>
   </p:cSld>
@@ -4931,7 +8364,7 @@
           <p:cNvPr id="2" name="Title 1">
             <a:extLst>
               <a:ext uri="{FF2B5EF4-FFF2-40B4-BE49-F238E27FC236}">
-                <a16:creationId xmlns:a16="http://schemas.microsoft.com/office/drawing/2014/main" id="{21A7756E-7C80-48AB-89AB-BF520B840842}"/>
+                <a16:creationId xmlns:a16="http://schemas.microsoft.com/office/drawing/2014/main" id="{43EC69FE-DF51-413B-86D5-5FCE10928991}"/>
               </a:ext>
             </a:extLst>
           </p:cNvPr>
@@ -4944,52 +8377,22 @@
         </p:nvSpPr>
         <p:spPr/>
         <p:txBody>
-          <a:bodyPr>
-            <a:normAutofit fontScale="90000"/>
-          </a:bodyPr>
+          <a:bodyPr/>
           <a:lstStyle/>
           <a:p>
             <a:r>
-              <a:rPr lang="en-US" b="1" dirty="0"/>
-              <a:t>Findings: Makes vs. </a:t>
-            </a:r>
-            <a:r>
-              <a:rPr lang="en-US" b="1" dirty="0">
-                <a:solidFill>
-                  <a:srgbClr val="FF0000"/>
-                </a:solidFill>
-              </a:rPr>
-              <a:t>Citations (Do we want to add count </a:t>
-            </a:r>
-            <a:r>
-              <a:rPr lang="en-US" b="1" dirty="0" err="1">
-                <a:solidFill>
-                  <a:srgbClr val="FF0000"/>
-                </a:solidFill>
-              </a:rPr>
-              <a:t>labeles</a:t>
-            </a:r>
-            <a:r>
-              <a:rPr lang="en-US" b="1" dirty="0">
-                <a:solidFill>
-                  <a:srgbClr val="FF0000"/>
-                </a:solidFill>
-              </a:rPr>
-              <a:t>?)</a:t>
-            </a:r>
-            <a:br>
               <a:rPr lang="en-US" dirty="0"/>
-            </a:br>
-            <a:endParaRPr lang="en-US" dirty="0"/>
+              <a:t>Data Cleaning</a:t>
+            </a:r>
           </a:p>
         </p:txBody>
       </p:sp>
       <p:pic>
         <p:nvPicPr>
-          <p:cNvPr id="5" name="Content Placeholder 4">
-            <a:extLst>
-              <a:ext uri="{FF2B5EF4-FFF2-40B4-BE49-F238E27FC236}">
-                <a16:creationId xmlns:a16="http://schemas.microsoft.com/office/drawing/2014/main" id="{2D99669C-0B9C-485D-BAAC-E8E7E5B35A38}"/>
+          <p:cNvPr id="4" name="Content Placeholder 3">
+            <a:extLst>
+              <a:ext uri="{FF2B5EF4-FFF2-40B4-BE49-F238E27FC236}">
+                <a16:creationId xmlns:a16="http://schemas.microsoft.com/office/drawing/2014/main" id="{76070B2E-D388-417D-ABE4-0028AFBFDB4F}"/>
               </a:ext>
             </a:extLst>
           </p:cNvPr>
@@ -5001,28 +8404,25 @@
           </p:nvPr>
         </p:nvPicPr>
         <p:blipFill>
-          <a:blip r:embed="rId2">
-            <a:extLst>
-              <a:ext uri="{28A0092B-C50C-407E-A947-70E740481C1C}">
-                <a14:useLocalDpi xmlns:a14="http://schemas.microsoft.com/office/drawing/2010/main" val="0"/>
-              </a:ext>
-            </a:extLst>
-          </a:blip>
+          <a:blip r:embed="rId2"/>
           <a:stretch>
             <a:fillRect/>
           </a:stretch>
         </p:blipFill>
         <p:spPr>
           <a:xfrm>
-            <a:off x="4127538" y="1825625"/>
-            <a:ext cx="3936924" cy="4351338"/>
+            <a:off x="1183998" y="1690688"/>
+            <a:ext cx="8325761" cy="4435792"/>
           </a:xfrm>
+          <a:prstGeom prst="rect">
+            <a:avLst/>
+          </a:prstGeom>
         </p:spPr>
       </p:pic>
     </p:spTree>
     <p:extLst>
       <p:ext uri="{BB962C8B-B14F-4D97-AF65-F5344CB8AC3E}">
-        <p14:creationId xmlns:p14="http://schemas.microsoft.com/office/powerpoint/2010/main" val="809509446"/>
+        <p14:creationId xmlns:p14="http://schemas.microsoft.com/office/powerpoint/2010/main" val="1264986958"/>
       </p:ext>
     </p:extLst>
   </p:cSld>
@@ -5054,7 +8454,7 @@
           <p:cNvPr id="2" name="Title 1">
             <a:extLst>
               <a:ext uri="{FF2B5EF4-FFF2-40B4-BE49-F238E27FC236}">
-                <a16:creationId xmlns:a16="http://schemas.microsoft.com/office/drawing/2014/main" id="{21A7756E-7C80-48AB-89AB-BF520B840842}"/>
+                <a16:creationId xmlns:a16="http://schemas.microsoft.com/office/drawing/2014/main" id="{200D36BF-B37E-4B7D-9D81-926CA860A680}"/>
               </a:ext>
             </a:extLst>
           </p:cNvPr>
@@ -5072,21 +8472,17 @@
           <a:p>
             <a:r>
               <a:rPr lang="en-US" b="1" dirty="0"/>
-              <a:t>Findings: Color vs. Citations</a:t>
-            </a:r>
-            <a:br>
-              <a:rPr lang="en-US" dirty="0"/>
-            </a:br>
-            <a:endParaRPr lang="en-US" dirty="0"/>
+              <a:t>Random Sampling </a:t>
+            </a:r>
           </a:p>
         </p:txBody>
       </p:sp>
       <p:pic>
         <p:nvPicPr>
-          <p:cNvPr id="5" name="Content Placeholder 4">
-            <a:extLst>
-              <a:ext uri="{FF2B5EF4-FFF2-40B4-BE49-F238E27FC236}">
-                <a16:creationId xmlns:a16="http://schemas.microsoft.com/office/drawing/2014/main" id="{098A2218-CC8A-4D9B-AEE8-BF621045F7D2}"/>
+          <p:cNvPr id="4" name="Content Placeholder 3">
+            <a:extLst>
+              <a:ext uri="{FF2B5EF4-FFF2-40B4-BE49-F238E27FC236}">
+                <a16:creationId xmlns:a16="http://schemas.microsoft.com/office/drawing/2014/main" id="{DA4A06AE-E03C-421B-9B9C-D8172850DB9A}"/>
               </a:ext>
             </a:extLst>
           </p:cNvPr>
@@ -5098,54 +8494,15 @@
           </p:nvPr>
         </p:nvPicPr>
         <p:blipFill>
-          <a:blip r:embed="rId2">
-            <a:extLst>
-              <a:ext uri="{28A0092B-C50C-407E-A947-70E740481C1C}">
-                <a14:useLocalDpi xmlns:a14="http://schemas.microsoft.com/office/drawing/2010/main" val="0"/>
-              </a:ext>
-            </a:extLst>
-          </a:blip>
+          <a:blip r:embed="rId2"/>
           <a:stretch>
             <a:fillRect/>
           </a:stretch>
         </p:blipFill>
         <p:spPr>
           <a:xfrm>
-            <a:off x="838200" y="2135623"/>
-            <a:ext cx="10515600" cy="3731341"/>
-          </a:xfrm>
-        </p:spPr>
-      </p:pic>
-      <p:pic>
-        <p:nvPicPr>
-          <p:cNvPr id="7" name="Picture 6">
-            <a:extLst>
-              <a:ext uri="{FF2B5EF4-FFF2-40B4-BE49-F238E27FC236}">
-                <a16:creationId xmlns:a16="http://schemas.microsoft.com/office/drawing/2014/main" id="{DD722EB3-929D-4310-98B2-D76E71A1713B}"/>
-              </a:ext>
-            </a:extLst>
-          </p:cNvPr>
-          <p:cNvPicPr>
-            <a:picLocks noChangeAspect="1"/>
-          </p:cNvPicPr>
-          <p:nvPr/>
-        </p:nvPicPr>
-        <p:blipFill>
-          <a:blip r:embed="rId3">
-            <a:extLst>
-              <a:ext uri="{28A0092B-C50C-407E-A947-70E740481C1C}">
-                <a14:useLocalDpi xmlns:a14="http://schemas.microsoft.com/office/drawing/2010/main" val="0"/>
-              </a:ext>
-            </a:extLst>
-          </a:blip>
-          <a:stretch>
-            <a:fillRect/>
-          </a:stretch>
-        </p:blipFill>
-        <p:spPr>
-          <a:xfrm>
-            <a:off x="0" y="1265903"/>
-            <a:ext cx="12192000" cy="4326193"/>
+            <a:off x="1083755" y="1929486"/>
+            <a:ext cx="10034242" cy="3678833"/>
           </a:xfrm>
           <a:prstGeom prst="rect">
             <a:avLst/>
@@ -5155,7 +8512,7 @@
     </p:spTree>
     <p:extLst>
       <p:ext uri="{BB962C8B-B14F-4D97-AF65-F5344CB8AC3E}">
-        <p14:creationId xmlns:p14="http://schemas.microsoft.com/office/powerpoint/2010/main" val="3024030271"/>
+        <p14:creationId xmlns:p14="http://schemas.microsoft.com/office/powerpoint/2010/main" val="3435597025"/>
       </p:ext>
     </p:extLst>
   </p:cSld>
@@ -5458,4 +8815,299 @@
     </a:ext>
   </a:extLst>
 </a:theme>
+</file>
+
+<file path=ppt/theme/theme2.xml><?xml version="1.0" encoding="utf-8"?>
+<a:theme xmlns:a="http://schemas.openxmlformats.org/drawingml/2006/main" name="Office Theme">
+  <a:themeElements>
+    <a:clrScheme name="Office">
+      <a:dk1>
+        <a:sysClr val="windowText" lastClr="000000"/>
+      </a:dk1>
+      <a:lt1>
+        <a:sysClr val="window" lastClr="FFFFFF"/>
+      </a:lt1>
+      <a:dk2>
+        <a:srgbClr val="44546A"/>
+      </a:dk2>
+      <a:lt2>
+        <a:srgbClr val="E7E6E6"/>
+      </a:lt2>
+      <a:accent1>
+        <a:srgbClr val="4472C4"/>
+      </a:accent1>
+      <a:accent2>
+        <a:srgbClr val="ED7D31"/>
+      </a:accent2>
+      <a:accent3>
+        <a:srgbClr val="A5A5A5"/>
+      </a:accent3>
+      <a:accent4>
+        <a:srgbClr val="FFC000"/>
+      </a:accent4>
+      <a:accent5>
+        <a:srgbClr val="5B9BD5"/>
+      </a:accent5>
+      <a:accent6>
+        <a:srgbClr val="70AD47"/>
+      </a:accent6>
+      <a:hlink>
+        <a:srgbClr val="0563C1"/>
+      </a:hlink>
+      <a:folHlink>
+        <a:srgbClr val="954F72"/>
+      </a:folHlink>
+    </a:clrScheme>
+    <a:fontScheme name="Office">
+      <a:majorFont>
+        <a:latin typeface="Calibri Light" panose="020F0302020204030204"/>
+        <a:ea typeface=""/>
+        <a:cs typeface=""/>
+        <a:font script="Jpan" typeface="游ゴシック Light"/>
+        <a:font script="Hang" typeface="맑은 고딕"/>
+        <a:font script="Hans" typeface="等线 Light"/>
+        <a:font script="Hant" typeface="新細明體"/>
+        <a:font script="Arab" typeface="Times New Roman"/>
+        <a:font script="Hebr" typeface="Times New Roman"/>
+        <a:font script="Thai" typeface="Angsana New"/>
+        <a:font script="Ethi" typeface="Nyala"/>
+        <a:font script="Beng" typeface="Vrinda"/>
+        <a:font script="Gujr" typeface="Shruti"/>
+        <a:font script="Khmr" typeface="MoolBoran"/>
+        <a:font script="Knda" typeface="Tunga"/>
+        <a:font script="Guru" typeface="Raavi"/>
+        <a:font script="Cans" typeface="Euphemia"/>
+        <a:font script="Cher" typeface="Plantagenet Cherokee"/>
+        <a:font script="Yiii" typeface="Microsoft Yi Baiti"/>
+        <a:font script="Tibt" typeface="Microsoft Himalaya"/>
+        <a:font script="Thaa" typeface="MV Boli"/>
+        <a:font script="Deva" typeface="Mangal"/>
+        <a:font script="Telu" typeface="Gautami"/>
+        <a:font script="Taml" typeface="Latha"/>
+        <a:font script="Syrc" typeface="Estrangelo Edessa"/>
+        <a:font script="Orya" typeface="Kalinga"/>
+        <a:font script="Mlym" typeface="Kartika"/>
+        <a:font script="Laoo" typeface="DokChampa"/>
+        <a:font script="Sinh" typeface="Iskoola Pota"/>
+        <a:font script="Mong" typeface="Mongolian Baiti"/>
+        <a:font script="Viet" typeface="Times New Roman"/>
+        <a:font script="Uigh" typeface="Microsoft Uighur"/>
+        <a:font script="Geor" typeface="Sylfaen"/>
+        <a:font script="Armn" typeface="Arial"/>
+        <a:font script="Bugi" typeface="Leelawadee UI"/>
+        <a:font script="Bopo" typeface="Microsoft JhengHei"/>
+        <a:font script="Java" typeface="Javanese Text"/>
+        <a:font script="Lisu" typeface="Segoe UI"/>
+        <a:font script="Mymr" typeface="Myanmar Text"/>
+        <a:font script="Nkoo" typeface="Ebrima"/>
+        <a:font script="Olck" typeface="Nirmala UI"/>
+        <a:font script="Osma" typeface="Ebrima"/>
+        <a:font script="Phag" typeface="Phagspa"/>
+        <a:font script="Syrn" typeface="Estrangelo Edessa"/>
+        <a:font script="Syrj" typeface="Estrangelo Edessa"/>
+        <a:font script="Syre" typeface="Estrangelo Edessa"/>
+        <a:font script="Sora" typeface="Nirmala UI"/>
+        <a:font script="Tale" typeface="Microsoft Tai Le"/>
+        <a:font script="Talu" typeface="Microsoft New Tai Lue"/>
+        <a:font script="Tfng" typeface="Ebrima"/>
+      </a:majorFont>
+      <a:minorFont>
+        <a:latin typeface="Calibri" panose="020F0502020204030204"/>
+        <a:ea typeface=""/>
+        <a:cs typeface=""/>
+        <a:font script="Jpan" typeface="游ゴシック"/>
+        <a:font script="Hang" typeface="맑은 고딕"/>
+        <a:font script="Hans" typeface="等线"/>
+        <a:font script="Hant" typeface="新細明體"/>
+        <a:font script="Arab" typeface="Arial"/>
+        <a:font script="Hebr" typeface="Arial"/>
+        <a:font script="Thai" typeface="Cordia New"/>
+        <a:font script="Ethi" typeface="Nyala"/>
+        <a:font script="Beng" typeface="Vrinda"/>
+        <a:font script="Gujr" typeface="Shruti"/>
+        <a:font script="Khmr" typeface="DaunPenh"/>
+        <a:font script="Knda" typeface="Tunga"/>
+        <a:font script="Guru" typeface="Raavi"/>
+        <a:font script="Cans" typeface="Euphemia"/>
+        <a:font script="Cher" typeface="Plantagenet Cherokee"/>
+        <a:font script="Yiii" typeface="Microsoft Yi Baiti"/>
+        <a:font script="Tibt" typeface="Microsoft Himalaya"/>
+        <a:font script="Thaa" typeface="MV Boli"/>
+        <a:font script="Deva" typeface="Mangal"/>
+        <a:font script="Telu" typeface="Gautami"/>
+        <a:font script="Taml" typeface="Latha"/>
+        <a:font script="Syrc" typeface="Estrangelo Edessa"/>
+        <a:font script="Orya" typeface="Kalinga"/>
+        <a:font script="Mlym" typeface="Kartika"/>
+        <a:font script="Laoo" typeface="DokChampa"/>
+        <a:font script="Sinh" typeface="Iskoola Pota"/>
+        <a:font script="Mong" typeface="Mongolian Baiti"/>
+        <a:font script="Viet" typeface="Arial"/>
+        <a:font script="Uigh" typeface="Microsoft Uighur"/>
+        <a:font script="Geor" typeface="Sylfaen"/>
+        <a:font script="Armn" typeface="Arial"/>
+        <a:font script="Bugi" typeface="Leelawadee UI"/>
+        <a:font script="Bopo" typeface="Microsoft JhengHei"/>
+        <a:font script="Java" typeface="Javanese Text"/>
+        <a:font script="Lisu" typeface="Segoe UI"/>
+        <a:font script="Mymr" typeface="Myanmar Text"/>
+        <a:font script="Nkoo" typeface="Ebrima"/>
+        <a:font script="Olck" typeface="Nirmala UI"/>
+        <a:font script="Osma" typeface="Ebrima"/>
+        <a:font script="Phag" typeface="Phagspa"/>
+        <a:font script="Syrn" typeface="Estrangelo Edessa"/>
+        <a:font script="Syrj" typeface="Estrangelo Edessa"/>
+        <a:font script="Syre" typeface="Estrangelo Edessa"/>
+        <a:font script="Sora" typeface="Nirmala UI"/>
+        <a:font script="Tale" typeface="Microsoft Tai Le"/>
+        <a:font script="Talu" typeface="Microsoft New Tai Lue"/>
+        <a:font script="Tfng" typeface="Ebrima"/>
+      </a:minorFont>
+    </a:fontScheme>
+    <a:fmtScheme name="Office">
+      <a:fillStyleLst>
+        <a:solidFill>
+          <a:schemeClr val="phClr"/>
+        </a:solidFill>
+        <a:gradFill rotWithShape="1">
+          <a:gsLst>
+            <a:gs pos="0">
+              <a:schemeClr val="phClr">
+                <a:lumMod val="110000"/>
+                <a:satMod val="105000"/>
+                <a:tint val="67000"/>
+              </a:schemeClr>
+            </a:gs>
+            <a:gs pos="50000">
+              <a:schemeClr val="phClr">
+                <a:lumMod val="105000"/>
+                <a:satMod val="103000"/>
+                <a:tint val="73000"/>
+              </a:schemeClr>
+            </a:gs>
+            <a:gs pos="100000">
+              <a:schemeClr val="phClr">
+                <a:lumMod val="105000"/>
+                <a:satMod val="109000"/>
+                <a:tint val="81000"/>
+              </a:schemeClr>
+            </a:gs>
+          </a:gsLst>
+          <a:lin ang="5400000" scaled="0"/>
+        </a:gradFill>
+        <a:gradFill rotWithShape="1">
+          <a:gsLst>
+            <a:gs pos="0">
+              <a:schemeClr val="phClr">
+                <a:satMod val="103000"/>
+                <a:lumMod val="102000"/>
+                <a:tint val="94000"/>
+              </a:schemeClr>
+            </a:gs>
+            <a:gs pos="50000">
+              <a:schemeClr val="phClr">
+                <a:satMod val="110000"/>
+                <a:lumMod val="100000"/>
+                <a:shade val="100000"/>
+              </a:schemeClr>
+            </a:gs>
+            <a:gs pos="100000">
+              <a:schemeClr val="phClr">
+                <a:lumMod val="99000"/>
+                <a:satMod val="120000"/>
+                <a:shade val="78000"/>
+              </a:schemeClr>
+            </a:gs>
+          </a:gsLst>
+          <a:lin ang="5400000" scaled="0"/>
+        </a:gradFill>
+      </a:fillStyleLst>
+      <a:lnStyleLst>
+        <a:ln w="6350" cap="flat" cmpd="sng" algn="ctr">
+          <a:solidFill>
+            <a:schemeClr val="phClr"/>
+          </a:solidFill>
+          <a:prstDash val="solid"/>
+          <a:miter lim="800000"/>
+        </a:ln>
+        <a:ln w="12700" cap="flat" cmpd="sng" algn="ctr">
+          <a:solidFill>
+            <a:schemeClr val="phClr"/>
+          </a:solidFill>
+          <a:prstDash val="solid"/>
+          <a:miter lim="800000"/>
+        </a:ln>
+        <a:ln w="19050" cap="flat" cmpd="sng" algn="ctr">
+          <a:solidFill>
+            <a:schemeClr val="phClr"/>
+          </a:solidFill>
+          <a:prstDash val="solid"/>
+          <a:miter lim="800000"/>
+        </a:ln>
+      </a:lnStyleLst>
+      <a:effectStyleLst>
+        <a:effectStyle>
+          <a:effectLst/>
+        </a:effectStyle>
+        <a:effectStyle>
+          <a:effectLst/>
+        </a:effectStyle>
+        <a:effectStyle>
+          <a:effectLst>
+            <a:outerShdw blurRad="57150" dist="19050" dir="5400000" algn="ctr" rotWithShape="0">
+              <a:srgbClr val="000000">
+                <a:alpha val="63000"/>
+              </a:srgbClr>
+            </a:outerShdw>
+          </a:effectLst>
+        </a:effectStyle>
+      </a:effectStyleLst>
+      <a:bgFillStyleLst>
+        <a:solidFill>
+          <a:schemeClr val="phClr"/>
+        </a:solidFill>
+        <a:solidFill>
+          <a:schemeClr val="phClr">
+            <a:tint val="95000"/>
+            <a:satMod val="170000"/>
+          </a:schemeClr>
+        </a:solidFill>
+        <a:gradFill rotWithShape="1">
+          <a:gsLst>
+            <a:gs pos="0">
+              <a:schemeClr val="phClr">
+                <a:tint val="93000"/>
+                <a:satMod val="150000"/>
+                <a:shade val="98000"/>
+                <a:lumMod val="102000"/>
+              </a:schemeClr>
+            </a:gs>
+            <a:gs pos="50000">
+              <a:schemeClr val="phClr">
+                <a:tint val="98000"/>
+                <a:satMod val="130000"/>
+                <a:shade val="90000"/>
+                <a:lumMod val="103000"/>
+              </a:schemeClr>
+            </a:gs>
+            <a:gs pos="100000">
+              <a:schemeClr val="phClr">
+                <a:shade val="63000"/>
+                <a:satMod val="120000"/>
+              </a:schemeClr>
+            </a:gs>
+          </a:gsLst>
+          <a:lin ang="5400000" scaled="0"/>
+        </a:gradFill>
+      </a:bgFillStyleLst>
+    </a:fmtScheme>
+  </a:themeElements>
+  <a:objectDefaults/>
+  <a:extraClrSchemeLst/>
+  <a:extLst>
+    <a:ext uri="{05A4C25C-085E-4340-85A3-A5531E510DB2}">
+      <thm15:themeFamily xmlns:thm15="http://schemas.microsoft.com/office/thememl/2012/main" name="Office Theme" id="{62F939B6-93AF-4DB8-9C6B-D6C7DFDC589F}" vid="{4A3C46E8-61CC-4603-A589-7422A47A8E4A}"/>
+    </a:ext>
+  </a:extLst>
+</a:theme>
 </file>
--- a/Citation_Py_PPT.pptx
+++ b/Citation_Py_PPT.pptx
@@ -217,7 +217,7 @@
           <a:p>
             <a:fld id="{437F1CFE-D682-488A-92CC-A9FEB0AF6926}" type="datetimeFigureOut">
               <a:rPr lang="en-US" smtClean="0"/>
-              <a:t>3/29/2019</a:t>
+              <a:t>3/30/2019</a:t>
             </a:fld>
             <a:endParaRPr lang="en-US"/>
           </a:p>
@@ -568,6 +568,90 @@
 </p:notes>
 </file>
 
+<file path=ppt/notesSlides/notesSlide2.xml><?xml version="1.0" encoding="utf-8"?>
+<p:notes xmlns:a="http://schemas.openxmlformats.org/drawingml/2006/main" xmlns:r="http://schemas.openxmlformats.org/officeDocument/2006/relationships" xmlns:p="http://schemas.openxmlformats.org/presentationml/2006/main">
+  <p:cSld>
+    <p:spTree>
+      <p:nvGrpSpPr>
+        <p:cNvPr id="1" name=""/>
+        <p:cNvGrpSpPr/>
+        <p:nvPr/>
+      </p:nvGrpSpPr>
+      <p:grpSpPr>
+        <a:xfrm>
+          <a:off x="0" y="0"/>
+          <a:ext cx="0" cy="0"/>
+          <a:chOff x="0" y="0"/>
+          <a:chExt cx="0" cy="0"/>
+        </a:xfrm>
+      </p:grpSpPr>
+      <p:sp>
+        <p:nvSpPr>
+          <p:cNvPr id="2" name="Slide Image Placeholder 1"/>
+          <p:cNvSpPr>
+            <a:spLocks noGrp="1" noRot="1" noChangeAspect="1"/>
+          </p:cNvSpPr>
+          <p:nvPr>
+            <p:ph type="sldImg"/>
+          </p:nvPr>
+        </p:nvSpPr>
+        <p:spPr/>
+      </p:sp>
+      <p:sp>
+        <p:nvSpPr>
+          <p:cNvPr id="3" name="Notes Placeholder 2"/>
+          <p:cNvSpPr>
+            <a:spLocks noGrp="1"/>
+          </p:cNvSpPr>
+          <p:nvPr>
+            <p:ph type="body" idx="1"/>
+          </p:nvPr>
+        </p:nvSpPr>
+        <p:spPr/>
+        <p:txBody>
+          <a:bodyPr/>
+          <a:lstStyle/>
+          <a:p>
+            <a:endParaRPr lang="en-US" dirty="0"/>
+          </a:p>
+        </p:txBody>
+      </p:sp>
+      <p:sp>
+        <p:nvSpPr>
+          <p:cNvPr id="4" name="Slide Number Placeholder 3"/>
+          <p:cNvSpPr>
+            <a:spLocks noGrp="1"/>
+          </p:cNvSpPr>
+          <p:nvPr>
+            <p:ph type="sldNum" sz="quarter" idx="5"/>
+          </p:nvPr>
+        </p:nvSpPr>
+        <p:spPr/>
+        <p:txBody>
+          <a:bodyPr/>
+          <a:lstStyle/>
+          <a:p>
+            <a:fld id="{919F0A8F-196C-438F-BA5D-9F0E0DFF5B98}" type="slidenum">
+              <a:rPr lang="en-US" smtClean="0"/>
+              <a:t>21</a:t>
+            </a:fld>
+            <a:endParaRPr lang="en-US"/>
+          </a:p>
+        </p:txBody>
+      </p:sp>
+    </p:spTree>
+    <p:extLst>
+      <p:ext uri="{BB962C8B-B14F-4D97-AF65-F5344CB8AC3E}">
+        <p14:creationId xmlns:p14="http://schemas.microsoft.com/office/powerpoint/2010/main" val="3026462829"/>
+      </p:ext>
+    </p:extLst>
+  </p:cSld>
+  <p:clrMapOvr>
+    <a:masterClrMapping/>
+  </p:clrMapOvr>
+</p:notes>
+</file>
+
 <file path=ppt/slideLayouts/slideLayout1.xml><?xml version="1.0" encoding="utf-8"?>
 <p:sldLayout xmlns:a="http://schemas.openxmlformats.org/drawingml/2006/main" xmlns:r="http://schemas.openxmlformats.org/officeDocument/2006/relationships" xmlns:p="http://schemas.openxmlformats.org/presentationml/2006/main" type="title" preserve="1">
   <p:cSld name="Title Slide">
@@ -715,7 +799,7 @@
           <a:p>
             <a:fld id="{069DAEA1-0E28-4931-8785-278C14BD5B33}" type="datetimeFigureOut">
               <a:rPr lang="en-US" smtClean="0"/>
-              <a:t>3/29/2019</a:t>
+              <a:t>3/30/2019</a:t>
             </a:fld>
             <a:endParaRPr lang="en-US"/>
           </a:p>
@@ -913,7 +997,7 @@
           <a:p>
             <a:fld id="{069DAEA1-0E28-4931-8785-278C14BD5B33}" type="datetimeFigureOut">
               <a:rPr lang="en-US" smtClean="0"/>
-              <a:t>3/29/2019</a:t>
+              <a:t>3/30/2019</a:t>
             </a:fld>
             <a:endParaRPr lang="en-US"/>
           </a:p>
@@ -1121,7 +1205,7 @@
           <a:p>
             <a:fld id="{069DAEA1-0E28-4931-8785-278C14BD5B33}" type="datetimeFigureOut">
               <a:rPr lang="en-US" smtClean="0"/>
-              <a:t>3/29/2019</a:t>
+              <a:t>3/30/2019</a:t>
             </a:fld>
             <a:endParaRPr lang="en-US"/>
           </a:p>
@@ -1319,7 +1403,7 @@
           <a:p>
             <a:fld id="{069DAEA1-0E28-4931-8785-278C14BD5B33}" type="datetimeFigureOut">
               <a:rPr lang="en-US" smtClean="0"/>
-              <a:t>3/29/2019</a:t>
+              <a:t>3/30/2019</a:t>
             </a:fld>
             <a:endParaRPr lang="en-US"/>
           </a:p>
@@ -1594,7 +1678,7 @@
           <a:p>
             <a:fld id="{069DAEA1-0E28-4931-8785-278C14BD5B33}" type="datetimeFigureOut">
               <a:rPr lang="en-US" smtClean="0"/>
-              <a:t>3/29/2019</a:t>
+              <a:t>3/30/2019</a:t>
             </a:fld>
             <a:endParaRPr lang="en-US"/>
           </a:p>
@@ -1859,7 +1943,7 @@
           <a:p>
             <a:fld id="{069DAEA1-0E28-4931-8785-278C14BD5B33}" type="datetimeFigureOut">
               <a:rPr lang="en-US" smtClean="0"/>
-              <a:t>3/29/2019</a:t>
+              <a:t>3/30/2019</a:t>
             </a:fld>
             <a:endParaRPr lang="en-US"/>
           </a:p>
@@ -2271,7 +2355,7 @@
           <a:p>
             <a:fld id="{069DAEA1-0E28-4931-8785-278C14BD5B33}" type="datetimeFigureOut">
               <a:rPr lang="en-US" smtClean="0"/>
-              <a:t>3/29/2019</a:t>
+              <a:t>3/30/2019</a:t>
             </a:fld>
             <a:endParaRPr lang="en-US"/>
           </a:p>
@@ -2412,7 +2496,7 @@
           <a:p>
             <a:fld id="{069DAEA1-0E28-4931-8785-278C14BD5B33}" type="datetimeFigureOut">
               <a:rPr lang="en-US" smtClean="0"/>
-              <a:t>3/29/2019</a:t>
+              <a:t>3/30/2019</a:t>
             </a:fld>
             <a:endParaRPr lang="en-US"/>
           </a:p>
@@ -2525,7 +2609,7 @@
           <a:p>
             <a:fld id="{069DAEA1-0E28-4931-8785-278C14BD5B33}" type="datetimeFigureOut">
               <a:rPr lang="en-US" smtClean="0"/>
-              <a:t>3/29/2019</a:t>
+              <a:t>3/30/2019</a:t>
             </a:fld>
             <a:endParaRPr lang="en-US"/>
           </a:p>
@@ -2836,7 +2920,7 @@
           <a:p>
             <a:fld id="{069DAEA1-0E28-4931-8785-278C14BD5B33}" type="datetimeFigureOut">
               <a:rPr lang="en-US" smtClean="0"/>
-              <a:t>3/29/2019</a:t>
+              <a:t>3/30/2019</a:t>
             </a:fld>
             <a:endParaRPr lang="en-US"/>
           </a:p>
@@ -3124,7 +3208,7 @@
           <a:p>
             <a:fld id="{069DAEA1-0E28-4931-8785-278C14BD5B33}" type="datetimeFigureOut">
               <a:rPr lang="en-US" smtClean="0"/>
-              <a:t>3/29/2019</a:t>
+              <a:t>3/30/2019</a:t>
             </a:fld>
             <a:endParaRPr lang="en-US"/>
           </a:p>
@@ -3395,7 +3479,7 @@
           <a:p>
             <a:fld id="{069DAEA1-0E28-4931-8785-278C14BD5B33}" type="datetimeFigureOut">
               <a:rPr lang="en-US" smtClean="0"/>
-              <a:t>3/29/2019</a:t>
+              <a:t>3/30/2019</a:t>
             </a:fld>
             <a:endParaRPr lang="en-US"/>
           </a:p>
@@ -4113,15 +4197,7 @@
           <a:p>
             <a:r>
               <a:rPr lang="en-US" b="1" dirty="0"/>
-              <a:t>Findings: Makes vs. </a:t>
-            </a:r>
-            <a:r>
-              <a:rPr lang="en-US" b="1" dirty="0">
-                <a:solidFill>
-                  <a:srgbClr val="FF0000"/>
-                </a:solidFill>
-              </a:rPr>
-              <a:t>Citations</a:t>
+              <a:t>Findings: Makes vs. Citations</a:t>
             </a:r>
             <a:br>
               <a:rPr lang="en-US" dirty="0"/>
@@ -4130,41 +4206,6 @@
           </a:p>
         </p:txBody>
       </p:sp>
-      <p:pic>
-        <p:nvPicPr>
-          <p:cNvPr id="5" name="Content Placeholder 4">
-            <a:extLst>
-              <a:ext uri="{FF2B5EF4-FFF2-40B4-BE49-F238E27FC236}">
-                <a16:creationId xmlns:a16="http://schemas.microsoft.com/office/drawing/2014/main" id="{2D99669C-0B9C-485D-BAAC-E8E7E5B35A38}"/>
-              </a:ext>
-            </a:extLst>
-          </p:cNvPr>
-          <p:cNvPicPr>
-            <a:picLocks noGrp="1" noChangeAspect="1"/>
-          </p:cNvPicPr>
-          <p:nvPr>
-            <p:ph idx="1"/>
-          </p:nvPr>
-        </p:nvPicPr>
-        <p:blipFill>
-          <a:blip r:embed="rId2">
-            <a:extLst>
-              <a:ext uri="{28A0092B-C50C-407E-A947-70E740481C1C}">
-                <a14:useLocalDpi xmlns:a14="http://schemas.microsoft.com/office/drawing/2010/main" val="0"/>
-              </a:ext>
-            </a:extLst>
-          </a:blip>
-          <a:stretch>
-            <a:fillRect/>
-          </a:stretch>
-        </p:blipFill>
-        <p:spPr>
-          <a:xfrm>
-            <a:off x="2105891" y="1825625"/>
-            <a:ext cx="8455429" cy="4351338"/>
-          </a:xfrm>
-        </p:spPr>
-      </p:pic>
       <p:sp>
         <p:nvSpPr>
           <p:cNvPr id="3" name="Rectangle 2">
@@ -4204,6 +4245,41 @@
           </a:p>
         </p:txBody>
       </p:sp>
+      <p:pic>
+        <p:nvPicPr>
+          <p:cNvPr id="8" name="Content Placeholder 7" descr="A screenshot of a cell phone&#10;&#10;Description automatically generated">
+            <a:extLst>
+              <a:ext uri="{FF2B5EF4-FFF2-40B4-BE49-F238E27FC236}">
+                <a16:creationId xmlns:a16="http://schemas.microsoft.com/office/drawing/2014/main" id="{3F78B689-C31D-495F-8A8B-977DE2B2BE67}"/>
+              </a:ext>
+            </a:extLst>
+          </p:cNvPr>
+          <p:cNvPicPr>
+            <a:picLocks noGrp="1" noChangeAspect="1"/>
+          </p:cNvPicPr>
+          <p:nvPr>
+            <p:ph idx="1"/>
+          </p:nvPr>
+        </p:nvPicPr>
+        <p:blipFill>
+          <a:blip r:embed="rId2">
+            <a:extLst>
+              <a:ext uri="{28A0092B-C50C-407E-A947-70E740481C1C}">
+                <a14:useLocalDpi xmlns:a14="http://schemas.microsoft.com/office/drawing/2010/main" val="0"/>
+              </a:ext>
+            </a:extLst>
+          </a:blip>
+          <a:stretch>
+            <a:fillRect/>
+          </a:stretch>
+        </p:blipFill>
+        <p:spPr>
+          <a:xfrm>
+            <a:off x="3464615" y="1840533"/>
+            <a:ext cx="5262770" cy="4351338"/>
+          </a:xfrm>
+        </p:spPr>
+      </p:pic>
     </p:spTree>
     <p:extLst>
       <p:ext uri="{BB962C8B-B14F-4D97-AF65-F5344CB8AC3E}">
@@ -6476,12 +6552,14 @@
         </p:nvSpPr>
         <p:spPr/>
         <p:txBody>
-          <a:bodyPr/>
+          <a:bodyPr>
+            <a:normAutofit lnSpcReduction="10000"/>
+          </a:bodyPr>
           <a:lstStyle/>
           <a:p>
             <a:r>
               <a:rPr lang="en-US" dirty="0"/>
-              <a:t>Observed distribution is significantly different from expected distribution indicates there is no relationship   </a:t>
+              <a:t>Observed distribution is significantly different from expected distribution indicates there is no relationship </a:t>
             </a:r>
           </a:p>
           <a:p>
@@ -6494,6 +6572,9 @@
             </a:r>
           </a:p>
           <a:p>
+            <a:endParaRPr lang="en-US" dirty="0"/>
+          </a:p>
+          <a:p>
             <a:r>
               <a:rPr lang="en-US" dirty="0"/>
               <a:t>There is a statistically significant evidence at α=0.05 to show that H</a:t>
@@ -6506,6 +6587,9 @@
               <a:rPr lang="en-US" dirty="0"/>
               <a:t> is false</a:t>
             </a:r>
+          </a:p>
+          <a:p>
+            <a:endParaRPr lang="en-US" dirty="0"/>
           </a:p>
           <a:p>
             <a:r>
@@ -7508,7 +7592,7 @@
           <a:p>
             <a:r>
               <a:rPr lang="en-US" b="1" dirty="0"/>
-              <a:t>Conclusions:</a:t>
+              <a:t>Conclusions</a:t>
             </a:r>
             <a:br>
               <a:rPr lang="en-US" dirty="0"/>
@@ -7540,7 +7624,7 @@
           <a:p>
             <a:r>
               <a:rPr lang="en-US" dirty="0"/>
-              <a:t>The top five vehicles who receive the highest citations are Toyota, Honda, Ford, and Nissan among the 25 different models of vehicles</a:t>
+              <a:t>The top five vehicles that received the highest citations were Toyota, Honda, Ford, and Nissan among the 25 different models of vehicles</a:t>
             </a:r>
           </a:p>
           <a:p>
@@ -7552,7 +7636,13 @@
           <a:p>
             <a:r>
               <a:rPr lang="en-US" dirty="0"/>
-              <a:t>There is no significant relationships or association between makes of cars and the number of citations received within different samples.   </a:t>
+              <a:t>There is no significant relationships or association between makes of cars and the number of citations received within different samples. </a:t>
+            </a:r>
+          </a:p>
+          <a:p>
+            <a:r>
+              <a:rPr lang="en-US" dirty="0"/>
+              <a:t>There is no relationships or association between citations and restaurant locations.  </a:t>
             </a:r>
           </a:p>
         </p:txBody>
@@ -7609,8 +7699,8 @@
           <a:lstStyle/>
           <a:p>
             <a:r>
-              <a:rPr lang="en-US" b="1" dirty="0"/>
-              <a:t>Recommendations:</a:t>
+              <a:rPr lang="en-US" b="1"/>
+              <a:t>Recommendations</a:t>
             </a:r>
             <a:br>
               <a:rPr lang="en-US" dirty="0"/>
@@ -7640,7 +7730,31 @@
           <a:bodyPr/>
           <a:lstStyle/>
           <a:p>
+            <a:r>
+              <a:rPr lang="en-US" dirty="0"/>
+              <a:t>From our evaluation of the data used we recommend that you park in designated areas and do not violate the parking laws.</a:t>
+            </a:r>
+          </a:p>
+          <a:p>
+            <a:pPr marL="0" indent="0">
+              <a:buNone/>
+            </a:pPr>
             <a:endParaRPr lang="en-US" dirty="0"/>
+          </a:p>
+          <a:p>
+            <a:r>
+              <a:rPr lang="en-US" dirty="0"/>
+              <a:t>The Analysis is limited to the sample data set of May – July of 2018.</a:t>
+            </a:r>
+          </a:p>
+          <a:p>
+            <a:endParaRPr lang="en-US" dirty="0"/>
+          </a:p>
+          <a:p>
+            <a:r>
+              <a:rPr lang="en-US" dirty="0"/>
+              <a:t>Use a more current dataset to further evaluate the findings.</a:t>
+            </a:r>
           </a:p>
         </p:txBody>
       </p:sp>
@@ -7726,13 +7840,13 @@
         <p:spPr/>
         <p:txBody>
           <a:bodyPr>
-            <a:normAutofit/>
+            <a:normAutofit lnSpcReduction="10000"/>
           </a:bodyPr>
           <a:lstStyle/>
           <a:p>
             <a:r>
               <a:rPr lang="en-US" dirty="0"/>
-              <a:t>Uncover patterns citation patterns around the city of Los Angeles.</a:t>
+              <a:t>Uncover citation patterns around the city of Los Angeles.</a:t>
             </a:r>
           </a:p>
           <a:p>
@@ -7752,6 +7866,12 @@
               <a:rPr lang="en-US" dirty="0"/>
               <a:t>Explore the a relationship between the colors of vehicles and parking citations. </a:t>
             </a:r>
+          </a:p>
+          <a:p>
+            <a:pPr marL="0" indent="0">
+              <a:buNone/>
+            </a:pPr>
+            <a:endParaRPr lang="en-US" dirty="0"/>
           </a:p>
           <a:p>
             <a:r>
@@ -7814,7 +7934,7 @@
           <a:p>
             <a:r>
               <a:rPr lang="en-US" b="1" dirty="0"/>
-              <a:t>Methodology:</a:t>
+              <a:t>Methodology</a:t>
             </a:r>
             <a:br>
               <a:rPr lang="en-US" dirty="0"/>
@@ -7968,21 +8088,21 @@
             <a:pPr lvl="0"/>
             <a:r>
               <a:rPr lang="en-US" dirty="0"/>
-              <a:t>Folium Mapping.</a:t>
+              <a:t>Folium Mapping</a:t>
             </a:r>
           </a:p>
           <a:p>
             <a:pPr lvl="0"/>
             <a:r>
               <a:rPr lang="en-US" dirty="0"/>
-              <a:t>Jupiter notebook.</a:t>
+              <a:t>Jupiter notebook</a:t>
             </a:r>
           </a:p>
           <a:p>
             <a:pPr lvl="0"/>
             <a:r>
               <a:rPr lang="en-US" dirty="0"/>
-              <a:t>Git Hub.</a:t>
+              <a:t>Git Hub</a:t>
             </a:r>
           </a:p>
           <a:p>
@@ -8083,7 +8203,7 @@
         </p:spPr>
         <p:txBody>
           <a:bodyPr>
-            <a:normAutofit fontScale="77500" lnSpcReduction="20000"/>
+            <a:normAutofit fontScale="70000" lnSpcReduction="20000"/>
           </a:bodyPr>
           <a:lstStyle/>
           <a:p>
@@ -8200,6 +8320,12 @@
               <a:rPr lang="en-US" dirty="0"/>
               <a:t>Q3. Are the means of the citations received of two groups of vehicles different (independent)? </a:t>
             </a:r>
+          </a:p>
+          <a:p>
+            <a:pPr marL="0" lvl="0" indent="0">
+              <a:buNone/>
+            </a:pPr>
+            <a:endParaRPr lang="en-US" dirty="0"/>
           </a:p>
           <a:p>
             <a:pPr marL="457200" lvl="1" indent="0">
